--- a/Analisis Bancario_Juan Manuel Olguin.pptx
+++ b/Analisis Bancario_Juan Manuel Olguin.pptx
@@ -6,8 +6,11 @@
     <p:sldMasterId id="2147483651" r:id="rId2"/>
     <p:sldMasterId id="2147483654" r:id="rId3"/>
   </p:sldMasterIdLst>
+  <p:notesMasterIdLst>
+    <p:notesMasterId r:id="rId27"/>
+  </p:notesMasterIdLst>
   <p:handoutMasterIdLst>
-    <p:handoutMasterId r:id="rId25"/>
+    <p:handoutMasterId r:id="rId28"/>
   </p:handoutMasterIdLst>
   <p:sldIdLst>
     <p:sldId id="299" r:id="rId4"/>
@@ -30,7 +33,9 @@
     <p:sldId id="322" r:id="rId21"/>
     <p:sldId id="290" r:id="rId22"/>
     <p:sldId id="289" r:id="rId23"/>
-    <p:sldId id="271" r:id="rId24"/>
+    <p:sldId id="323" r:id="rId24"/>
+    <p:sldId id="324" r:id="rId25"/>
+    <p:sldId id="271" r:id="rId26"/>
   </p:sldIdLst>
   <p:sldSz cx="9144000" cy="5143500" type="screen16x9"/>
   <p:notesSz cx="6858000" cy="9144000"/>
@@ -244,7 +249,7 @@
           <a:p>
             <a:fld id="{69452B2B-0BBC-4845-BD5C-6186374697E3}" type="datetimeFigureOut">
               <a:rPr lang="ko-KR" altLang="en-US" smtClean="0"/>
-              <a:t>2025-04-02</a:t>
+              <a:t>2025-04-03</a:t>
             </a:fld>
             <a:endParaRPr lang="ko-KR" altLang="en-US" dirty="0"/>
           </a:p>
@@ -325,6 +330,440 @@
   </p:cSld>
   <p:clrMap bg1="lt1" tx1="dk1" bg2="lt2" tx2="dk2" accent1="accent1" accent2="accent2" accent3="accent3" accent4="accent4" accent5="accent5" accent6="accent6" hlink="hlink" folHlink="folHlink"/>
 </p:handoutMaster>
+</file>
+
+<file path=ppt/notesMasters/notesMaster1.xml><?xml version="1.0" encoding="utf-8"?>
+<p:notesMaster xmlns:a="http://schemas.openxmlformats.org/drawingml/2006/main" xmlns:r="http://schemas.openxmlformats.org/officeDocument/2006/relationships" xmlns:p="http://schemas.openxmlformats.org/presentationml/2006/main">
+  <p:cSld>
+    <p:bg>
+      <p:bgRef idx="1001">
+        <a:schemeClr val="bg1"/>
+      </p:bgRef>
+    </p:bg>
+    <p:spTree>
+      <p:nvGrpSpPr>
+        <p:cNvPr id="1" name=""/>
+        <p:cNvGrpSpPr/>
+        <p:nvPr/>
+      </p:nvGrpSpPr>
+      <p:grpSpPr>
+        <a:xfrm>
+          <a:off x="0" y="0"/>
+          <a:ext cx="0" cy="0"/>
+          <a:chOff x="0" y="0"/>
+          <a:chExt cx="0" cy="0"/>
+        </a:xfrm>
+      </p:grpSpPr>
+      <p:sp>
+        <p:nvSpPr>
+          <p:cNvPr id="2" name="Marcador de encabezado 1"/>
+          <p:cNvSpPr>
+            <a:spLocks noGrp="1"/>
+          </p:cNvSpPr>
+          <p:nvPr>
+            <p:ph type="hdr" sz="quarter"/>
+          </p:nvPr>
+        </p:nvSpPr>
+        <p:spPr>
+          <a:xfrm>
+            <a:off x="0" y="0"/>
+            <a:ext cx="2971800" cy="458788"/>
+          </a:xfrm>
+          <a:prstGeom prst="rect">
+            <a:avLst/>
+          </a:prstGeom>
+        </p:spPr>
+        <p:txBody>
+          <a:bodyPr vert="horz" lIns="91440" tIns="45720" rIns="91440" bIns="45720" rtlCol="0"/>
+          <a:lstStyle>
+            <a:lvl1pPr algn="l">
+              <a:defRPr sz="1200"/>
+            </a:lvl1pPr>
+          </a:lstStyle>
+          <a:p>
+            <a:endParaRPr lang="es-AR"/>
+          </a:p>
+        </p:txBody>
+      </p:sp>
+      <p:sp>
+        <p:nvSpPr>
+          <p:cNvPr id="3" name="Marcador de fecha 2"/>
+          <p:cNvSpPr>
+            <a:spLocks noGrp="1"/>
+          </p:cNvSpPr>
+          <p:nvPr>
+            <p:ph type="dt" idx="1"/>
+          </p:nvPr>
+        </p:nvSpPr>
+        <p:spPr>
+          <a:xfrm>
+            <a:off x="3884613" y="0"/>
+            <a:ext cx="2971800" cy="458788"/>
+          </a:xfrm>
+          <a:prstGeom prst="rect">
+            <a:avLst/>
+          </a:prstGeom>
+        </p:spPr>
+        <p:txBody>
+          <a:bodyPr vert="horz" lIns="91440" tIns="45720" rIns="91440" bIns="45720" rtlCol="0"/>
+          <a:lstStyle>
+            <a:lvl1pPr algn="r">
+              <a:defRPr sz="1200"/>
+            </a:lvl1pPr>
+          </a:lstStyle>
+          <a:p>
+            <a:fld id="{C2FB2761-7E16-44CA-BF8A-25DE9AC39A10}" type="datetimeFigureOut">
+              <a:rPr lang="es-AR" smtClean="0"/>
+              <a:t>3/4/2025</a:t>
+            </a:fld>
+            <a:endParaRPr lang="es-AR"/>
+          </a:p>
+        </p:txBody>
+      </p:sp>
+      <p:sp>
+        <p:nvSpPr>
+          <p:cNvPr id="4" name="Marcador de imagen de diapositiva 3"/>
+          <p:cNvSpPr>
+            <a:spLocks noGrp="1" noRot="1" noChangeAspect="1"/>
+          </p:cNvSpPr>
+          <p:nvPr>
+            <p:ph type="sldImg" idx="2"/>
+          </p:nvPr>
+        </p:nvSpPr>
+        <p:spPr>
+          <a:xfrm>
+            <a:off x="685800" y="1143000"/>
+            <a:ext cx="5486400" cy="3086100"/>
+          </a:xfrm>
+          <a:prstGeom prst="rect">
+            <a:avLst/>
+          </a:prstGeom>
+          <a:noFill/>
+          <a:ln w="12700">
+            <a:solidFill>
+              <a:prstClr val="black"/>
+            </a:solidFill>
+          </a:ln>
+        </p:spPr>
+        <p:txBody>
+          <a:bodyPr vert="horz" lIns="91440" tIns="45720" rIns="91440" bIns="45720" rtlCol="0" anchor="ctr"/>
+          <a:lstStyle/>
+          <a:p>
+            <a:endParaRPr lang="es-AR"/>
+          </a:p>
+        </p:txBody>
+      </p:sp>
+      <p:sp>
+        <p:nvSpPr>
+          <p:cNvPr id="5" name="Marcador de notas 4"/>
+          <p:cNvSpPr>
+            <a:spLocks noGrp="1"/>
+          </p:cNvSpPr>
+          <p:nvPr>
+            <p:ph type="body" sz="quarter" idx="3"/>
+          </p:nvPr>
+        </p:nvSpPr>
+        <p:spPr>
+          <a:xfrm>
+            <a:off x="685800" y="4400550"/>
+            <a:ext cx="5486400" cy="3600450"/>
+          </a:xfrm>
+          <a:prstGeom prst="rect">
+            <a:avLst/>
+          </a:prstGeom>
+        </p:spPr>
+        <p:txBody>
+          <a:bodyPr vert="horz" lIns="91440" tIns="45720" rIns="91440" bIns="45720" rtlCol="0"/>
+          <a:lstStyle/>
+          <a:p>
+            <a:pPr lvl="0"/>
+            <a:r>
+              <a:rPr lang="es-ES"/>
+              <a:t>Haga clic para modificar los estilos de texto del patrón</a:t>
+            </a:r>
+          </a:p>
+          <a:p>
+            <a:pPr lvl="1"/>
+            <a:r>
+              <a:rPr lang="es-ES"/>
+              <a:t>Segundo nivel</a:t>
+            </a:r>
+          </a:p>
+          <a:p>
+            <a:pPr lvl="2"/>
+            <a:r>
+              <a:rPr lang="es-ES"/>
+              <a:t>Tercer nivel</a:t>
+            </a:r>
+          </a:p>
+          <a:p>
+            <a:pPr lvl="3"/>
+            <a:r>
+              <a:rPr lang="es-ES"/>
+              <a:t>Cuarto nivel</a:t>
+            </a:r>
+          </a:p>
+          <a:p>
+            <a:pPr lvl="4"/>
+            <a:r>
+              <a:rPr lang="es-ES"/>
+              <a:t>Quinto nivel</a:t>
+            </a:r>
+            <a:endParaRPr lang="es-AR"/>
+          </a:p>
+        </p:txBody>
+      </p:sp>
+      <p:sp>
+        <p:nvSpPr>
+          <p:cNvPr id="6" name="Marcador de pie de página 5"/>
+          <p:cNvSpPr>
+            <a:spLocks noGrp="1"/>
+          </p:cNvSpPr>
+          <p:nvPr>
+            <p:ph type="ftr" sz="quarter" idx="4"/>
+          </p:nvPr>
+        </p:nvSpPr>
+        <p:spPr>
+          <a:xfrm>
+            <a:off x="0" y="8685213"/>
+            <a:ext cx="2971800" cy="458787"/>
+          </a:xfrm>
+          <a:prstGeom prst="rect">
+            <a:avLst/>
+          </a:prstGeom>
+        </p:spPr>
+        <p:txBody>
+          <a:bodyPr vert="horz" lIns="91440" tIns="45720" rIns="91440" bIns="45720" rtlCol="0" anchor="b"/>
+          <a:lstStyle>
+            <a:lvl1pPr algn="l">
+              <a:defRPr sz="1200"/>
+            </a:lvl1pPr>
+          </a:lstStyle>
+          <a:p>
+            <a:endParaRPr lang="es-AR"/>
+          </a:p>
+        </p:txBody>
+      </p:sp>
+      <p:sp>
+        <p:nvSpPr>
+          <p:cNvPr id="7" name="Marcador de número de diapositiva 6"/>
+          <p:cNvSpPr>
+            <a:spLocks noGrp="1"/>
+          </p:cNvSpPr>
+          <p:nvPr>
+            <p:ph type="sldNum" sz="quarter" idx="5"/>
+          </p:nvPr>
+        </p:nvSpPr>
+        <p:spPr>
+          <a:xfrm>
+            <a:off x="3884613" y="8685213"/>
+            <a:ext cx="2971800" cy="458787"/>
+          </a:xfrm>
+          <a:prstGeom prst="rect">
+            <a:avLst/>
+          </a:prstGeom>
+        </p:spPr>
+        <p:txBody>
+          <a:bodyPr vert="horz" lIns="91440" tIns="45720" rIns="91440" bIns="45720" rtlCol="0" anchor="b"/>
+          <a:lstStyle>
+            <a:lvl1pPr algn="r">
+              <a:defRPr sz="1200"/>
+            </a:lvl1pPr>
+          </a:lstStyle>
+          <a:p>
+            <a:fld id="{C669935B-DF7A-4476-8566-BD7E287530FA}" type="slidenum">
+              <a:rPr lang="es-AR" smtClean="0"/>
+              <a:t>‹Nº›</a:t>
+            </a:fld>
+            <a:endParaRPr lang="es-AR"/>
+          </a:p>
+        </p:txBody>
+      </p:sp>
+    </p:spTree>
+    <p:extLst>
+      <p:ext uri="{BB962C8B-B14F-4D97-AF65-F5344CB8AC3E}">
+        <p14:creationId xmlns:p14="http://schemas.microsoft.com/office/powerpoint/2010/main" val="3808975548"/>
+      </p:ext>
+    </p:extLst>
+  </p:cSld>
+  <p:clrMap bg1="lt1" tx1="dk1" bg2="lt2" tx2="dk2" accent1="accent1" accent2="accent2" accent3="accent3" accent4="accent4" accent5="accent5" accent6="accent6" hlink="hlink" folHlink="folHlink"/>
+  <p:notesStyle>
+    <a:lvl1pPr marL="0" algn="l" defTabSz="914400" rtl="0" eaLnBrk="1" latinLnBrk="0" hangingPunct="1">
+      <a:defRPr sz="1200" kern="1200">
+        <a:solidFill>
+          <a:schemeClr val="tx1"/>
+        </a:solidFill>
+        <a:latin typeface="+mn-lt"/>
+        <a:ea typeface="+mn-ea"/>
+        <a:cs typeface="+mn-cs"/>
+      </a:defRPr>
+    </a:lvl1pPr>
+    <a:lvl2pPr marL="457200" algn="l" defTabSz="914400" rtl="0" eaLnBrk="1" latinLnBrk="0" hangingPunct="1">
+      <a:defRPr sz="1200" kern="1200">
+        <a:solidFill>
+          <a:schemeClr val="tx1"/>
+        </a:solidFill>
+        <a:latin typeface="+mn-lt"/>
+        <a:ea typeface="+mn-ea"/>
+        <a:cs typeface="+mn-cs"/>
+      </a:defRPr>
+    </a:lvl2pPr>
+    <a:lvl3pPr marL="914400" algn="l" defTabSz="914400" rtl="0" eaLnBrk="1" latinLnBrk="0" hangingPunct="1">
+      <a:defRPr sz="1200" kern="1200">
+        <a:solidFill>
+          <a:schemeClr val="tx1"/>
+        </a:solidFill>
+        <a:latin typeface="+mn-lt"/>
+        <a:ea typeface="+mn-ea"/>
+        <a:cs typeface="+mn-cs"/>
+      </a:defRPr>
+    </a:lvl3pPr>
+    <a:lvl4pPr marL="1371600" algn="l" defTabSz="914400" rtl="0" eaLnBrk="1" latinLnBrk="0" hangingPunct="1">
+      <a:defRPr sz="1200" kern="1200">
+        <a:solidFill>
+          <a:schemeClr val="tx1"/>
+        </a:solidFill>
+        <a:latin typeface="+mn-lt"/>
+        <a:ea typeface="+mn-ea"/>
+        <a:cs typeface="+mn-cs"/>
+      </a:defRPr>
+    </a:lvl4pPr>
+    <a:lvl5pPr marL="1828800" algn="l" defTabSz="914400" rtl="0" eaLnBrk="1" latinLnBrk="0" hangingPunct="1">
+      <a:defRPr sz="1200" kern="1200">
+        <a:solidFill>
+          <a:schemeClr val="tx1"/>
+        </a:solidFill>
+        <a:latin typeface="+mn-lt"/>
+        <a:ea typeface="+mn-ea"/>
+        <a:cs typeface="+mn-cs"/>
+      </a:defRPr>
+    </a:lvl5pPr>
+    <a:lvl6pPr marL="2286000" algn="l" defTabSz="914400" rtl="0" eaLnBrk="1" latinLnBrk="0" hangingPunct="1">
+      <a:defRPr sz="1200" kern="1200">
+        <a:solidFill>
+          <a:schemeClr val="tx1"/>
+        </a:solidFill>
+        <a:latin typeface="+mn-lt"/>
+        <a:ea typeface="+mn-ea"/>
+        <a:cs typeface="+mn-cs"/>
+      </a:defRPr>
+    </a:lvl6pPr>
+    <a:lvl7pPr marL="2743200" algn="l" defTabSz="914400" rtl="0" eaLnBrk="1" latinLnBrk="0" hangingPunct="1">
+      <a:defRPr sz="1200" kern="1200">
+        <a:solidFill>
+          <a:schemeClr val="tx1"/>
+        </a:solidFill>
+        <a:latin typeface="+mn-lt"/>
+        <a:ea typeface="+mn-ea"/>
+        <a:cs typeface="+mn-cs"/>
+      </a:defRPr>
+    </a:lvl7pPr>
+    <a:lvl8pPr marL="3200400" algn="l" defTabSz="914400" rtl="0" eaLnBrk="1" latinLnBrk="0" hangingPunct="1">
+      <a:defRPr sz="1200" kern="1200">
+        <a:solidFill>
+          <a:schemeClr val="tx1"/>
+        </a:solidFill>
+        <a:latin typeface="+mn-lt"/>
+        <a:ea typeface="+mn-ea"/>
+        <a:cs typeface="+mn-cs"/>
+      </a:defRPr>
+    </a:lvl8pPr>
+    <a:lvl9pPr marL="3657600" algn="l" defTabSz="914400" rtl="0" eaLnBrk="1" latinLnBrk="0" hangingPunct="1">
+      <a:defRPr sz="1200" kern="1200">
+        <a:solidFill>
+          <a:schemeClr val="tx1"/>
+        </a:solidFill>
+        <a:latin typeface="+mn-lt"/>
+        <a:ea typeface="+mn-ea"/>
+        <a:cs typeface="+mn-cs"/>
+      </a:defRPr>
+    </a:lvl9pPr>
+  </p:notesStyle>
+</p:notesMaster>
+</file>
+
+<file path=ppt/notesSlides/notesSlide1.xml><?xml version="1.0" encoding="utf-8"?>
+<p:notes xmlns:a="http://schemas.openxmlformats.org/drawingml/2006/main" xmlns:r="http://schemas.openxmlformats.org/officeDocument/2006/relationships" xmlns:p="http://schemas.openxmlformats.org/presentationml/2006/main">
+  <p:cSld>
+    <p:spTree>
+      <p:nvGrpSpPr>
+        <p:cNvPr id="1" name=""/>
+        <p:cNvGrpSpPr/>
+        <p:nvPr/>
+      </p:nvGrpSpPr>
+      <p:grpSpPr>
+        <a:xfrm>
+          <a:off x="0" y="0"/>
+          <a:ext cx="0" cy="0"/>
+          <a:chOff x="0" y="0"/>
+          <a:chExt cx="0" cy="0"/>
+        </a:xfrm>
+      </p:grpSpPr>
+      <p:sp>
+        <p:nvSpPr>
+          <p:cNvPr id="2" name="Marcador de imagen de diapositiva 1"/>
+          <p:cNvSpPr>
+            <a:spLocks noGrp="1" noRot="1" noChangeAspect="1"/>
+          </p:cNvSpPr>
+          <p:nvPr>
+            <p:ph type="sldImg"/>
+          </p:nvPr>
+        </p:nvSpPr>
+        <p:spPr/>
+      </p:sp>
+      <p:sp>
+        <p:nvSpPr>
+          <p:cNvPr id="3" name="Marcador de notas 2"/>
+          <p:cNvSpPr>
+            <a:spLocks noGrp="1"/>
+          </p:cNvSpPr>
+          <p:nvPr>
+            <p:ph type="body" idx="1"/>
+          </p:nvPr>
+        </p:nvSpPr>
+        <p:spPr/>
+        <p:txBody>
+          <a:bodyPr/>
+          <a:lstStyle/>
+          <a:p>
+            <a:endParaRPr lang="es-AR" dirty="0"/>
+          </a:p>
+        </p:txBody>
+      </p:sp>
+      <p:sp>
+        <p:nvSpPr>
+          <p:cNvPr id="4" name="Marcador de número de diapositiva 3"/>
+          <p:cNvSpPr>
+            <a:spLocks noGrp="1"/>
+          </p:cNvSpPr>
+          <p:nvPr>
+            <p:ph type="sldNum" sz="quarter" idx="5"/>
+          </p:nvPr>
+        </p:nvSpPr>
+        <p:spPr/>
+        <p:txBody>
+          <a:bodyPr/>
+          <a:lstStyle/>
+          <a:p>
+            <a:fld id="{C669935B-DF7A-4476-8566-BD7E287530FA}" type="slidenum">
+              <a:rPr lang="es-AR" smtClean="0"/>
+              <a:t>20</a:t>
+            </a:fld>
+            <a:endParaRPr lang="es-AR"/>
+          </a:p>
+        </p:txBody>
+      </p:sp>
+    </p:spTree>
+    <p:extLst>
+      <p:ext uri="{BB962C8B-B14F-4D97-AF65-F5344CB8AC3E}">
+        <p14:creationId xmlns:p14="http://schemas.microsoft.com/office/powerpoint/2010/main" val="903325031"/>
+      </p:ext>
+    </p:extLst>
+  </p:cSld>
+  <p:clrMapOvr>
+    <a:masterClrMapping/>
+  </p:clrMapOvr>
+</p:notes>
 </file>
 
 <file path=ppt/slideLayouts/slideLayout1.xml><?xml version="1.0" encoding="utf-8"?>
@@ -15975,6 +16414,183 @@
           </p:nvPr>
         </p:nvPicPr>
         <p:blipFill>
+          <a:blip r:embed="rId3">
+            <a:extLst>
+              <a:ext uri="{28A0092B-C50C-407E-A947-70E740481C1C}">
+                <a14:useLocalDpi xmlns:a14="http://schemas.microsoft.com/office/drawing/2010/main" val="0"/>
+              </a:ext>
+            </a:extLst>
+          </a:blip>
+          <a:srcRect t="27721" b="27721"/>
+          <a:stretch>
+            <a:fillRect/>
+          </a:stretch>
+        </p:blipFill>
+        <p:spPr>
+          <a:xfrm>
+            <a:off x="0" y="-9025"/>
+            <a:ext cx="9144000" cy="2716213"/>
+          </a:xfrm>
+        </p:spPr>
+      </p:pic>
+      <p:pic>
+        <p:nvPicPr>
+          <p:cNvPr id="88" name="Imagen 87">
+            <a:extLst>
+              <a:ext uri="{FF2B5EF4-FFF2-40B4-BE49-F238E27FC236}">
+                <a16:creationId xmlns:a16="http://schemas.microsoft.com/office/drawing/2014/main" id="{5D3F9069-EFDA-591F-3F87-04CC4E62242D}"/>
+              </a:ext>
+            </a:extLst>
+          </p:cNvPr>
+          <p:cNvPicPr>
+            <a:picLocks noChangeAspect="1"/>
+          </p:cNvPicPr>
+          <p:nvPr/>
+        </p:nvPicPr>
+        <p:blipFill>
+          <a:blip r:embed="rId4"/>
+          <a:stretch>
+            <a:fillRect/>
+          </a:stretch>
+        </p:blipFill>
+        <p:spPr>
+          <a:xfrm>
+            <a:off x="0" y="2359343"/>
+            <a:ext cx="9144000" cy="2765953"/>
+          </a:xfrm>
+          <a:prstGeom prst="rect">
+            <a:avLst/>
+          </a:prstGeom>
+        </p:spPr>
+      </p:pic>
+      <p:sp>
+        <p:nvSpPr>
+          <p:cNvPr id="89" name="CuadroTexto 88">
+            <a:extLst>
+              <a:ext uri="{FF2B5EF4-FFF2-40B4-BE49-F238E27FC236}">
+                <a16:creationId xmlns:a16="http://schemas.microsoft.com/office/drawing/2014/main" id="{D597FBC3-C6C5-FE8F-0028-46F6F3E59EF3}"/>
+              </a:ext>
+            </a:extLst>
+          </p:cNvPr>
+          <p:cNvSpPr txBox="1"/>
+          <p:nvPr/>
+        </p:nvSpPr>
+        <p:spPr>
+          <a:xfrm>
+            <a:off x="755576" y="687277"/>
+            <a:ext cx="8280920" cy="769441"/>
+          </a:xfrm>
+          <a:prstGeom prst="rect">
+            <a:avLst/>
+          </a:prstGeom>
+          <a:noFill/>
+          <a:effectLst>
+            <a:outerShdw blurRad="50800" dist="38100" dir="5400000" algn="t" rotWithShape="0">
+              <a:prstClr val="black">
+                <a:alpha val="40000"/>
+              </a:prstClr>
+            </a:outerShdw>
+          </a:effectLst>
+        </p:spPr>
+        <p:txBody>
+          <a:bodyPr wrap="square" rtlCol="0">
+            <a:spAutoFit/>
+          </a:bodyPr>
+          <a:lstStyle/>
+          <a:p>
+            <a:r>
+              <a:rPr lang="es-MX" sz="4400" i="1" dirty="0">
+                <a:solidFill>
+                  <a:srgbClr val="C00000"/>
+                </a:solidFill>
+                <a:latin typeface="Aharoni" panose="02010803020104030203" pitchFamily="2" charset="-79"/>
+                <a:cs typeface="Aharoni" panose="02010803020104030203" pitchFamily="2" charset="-79"/>
+              </a:rPr>
+              <a:t>Análisis de </a:t>
+            </a:r>
+            <a:r>
+              <a:rPr lang="es-MX" sz="4400" i="1" dirty="0" err="1">
+                <a:solidFill>
+                  <a:srgbClr val="C00000"/>
+                </a:solidFill>
+                <a:latin typeface="Aharoni" panose="02010803020104030203" pitchFamily="2" charset="-79"/>
+                <a:cs typeface="Aharoni" panose="02010803020104030203" pitchFamily="2" charset="-79"/>
+              </a:rPr>
+              <a:t>Insights</a:t>
+            </a:r>
+            <a:r>
+              <a:rPr lang="es-MX" sz="4400" i="1" dirty="0">
+                <a:solidFill>
+                  <a:srgbClr val="C00000"/>
+                </a:solidFill>
+                <a:latin typeface="Aharoni" panose="02010803020104030203" pitchFamily="2" charset="-79"/>
+                <a:cs typeface="Aharoni" panose="02010803020104030203" pitchFamily="2" charset="-79"/>
+              </a:rPr>
+              <a:t> Clientes</a:t>
+            </a:r>
+            <a:endParaRPr lang="es-AR" sz="4400" i="1" dirty="0">
+              <a:solidFill>
+                <a:srgbClr val="C00000"/>
+              </a:solidFill>
+              <a:latin typeface="Aharoni" panose="02010803020104030203" pitchFamily="2" charset="-79"/>
+              <a:cs typeface="Aharoni" panose="02010803020104030203" pitchFamily="2" charset="-79"/>
+            </a:endParaRPr>
+          </a:p>
+        </p:txBody>
+      </p:sp>
+    </p:spTree>
+    <p:extLst>
+      <p:ext uri="{BB962C8B-B14F-4D97-AF65-F5344CB8AC3E}">
+        <p14:creationId xmlns:p14="http://schemas.microsoft.com/office/powerpoint/2010/main" val="366083711"/>
+      </p:ext>
+    </p:extLst>
+  </p:cSld>
+  <p:clrMapOvr>
+    <a:masterClrMapping/>
+  </p:clrMapOvr>
+</p:sld>
+</file>
+
+<file path=ppt/slides/slide21.xml><?xml version="1.0" encoding="utf-8"?>
+<p:sld xmlns:a="http://schemas.openxmlformats.org/drawingml/2006/main" xmlns:r="http://schemas.openxmlformats.org/officeDocument/2006/relationships" xmlns:p="http://schemas.openxmlformats.org/presentationml/2006/main">
+  <p:cSld>
+    <p:spTree>
+      <p:nvGrpSpPr>
+        <p:cNvPr id="1" name="">
+          <a:extLst>
+            <a:ext uri="{FF2B5EF4-FFF2-40B4-BE49-F238E27FC236}">
+              <a16:creationId xmlns:a16="http://schemas.microsoft.com/office/drawing/2014/main" id="{637A8984-4B7B-3730-3E2D-376A2472E3BD}"/>
+            </a:ext>
+          </a:extLst>
+        </p:cNvPr>
+        <p:cNvGrpSpPr/>
+        <p:nvPr/>
+      </p:nvGrpSpPr>
+      <p:grpSpPr>
+        <a:xfrm>
+          <a:off x="0" y="0"/>
+          <a:ext cx="0" cy="0"/>
+          <a:chOff x="0" y="0"/>
+          <a:chExt cx="0" cy="0"/>
+        </a:xfrm>
+      </p:grpSpPr>
+      <p:pic>
+        <p:nvPicPr>
+          <p:cNvPr id="4" name="Marcador de posición de imagen 3">
+            <a:extLst>
+              <a:ext uri="{FF2B5EF4-FFF2-40B4-BE49-F238E27FC236}">
+                <a16:creationId xmlns:a16="http://schemas.microsoft.com/office/drawing/2014/main" id="{3FCF4462-947A-F407-15D3-528E63580B7C}"/>
+              </a:ext>
+            </a:extLst>
+          </p:cNvPr>
+          <p:cNvPicPr>
+            <a:picLocks noGrp="1" noChangeAspect="1"/>
+          </p:cNvPicPr>
+          <p:nvPr>
+            <p:ph type="pic" idx="12"/>
+          </p:nvPr>
+        </p:nvPicPr>
+        <p:blipFill>
           <a:blip r:embed="rId2">
             <a:extLst>
               <a:ext uri="{28A0092B-C50C-407E-A947-70E740481C1C}">
@@ -15994,6 +16610,318 @@
           </a:xfrm>
         </p:spPr>
       </p:pic>
+      <p:pic>
+        <p:nvPicPr>
+          <p:cNvPr id="3" name="Imagen 2">
+            <a:extLst>
+              <a:ext uri="{FF2B5EF4-FFF2-40B4-BE49-F238E27FC236}">
+                <a16:creationId xmlns:a16="http://schemas.microsoft.com/office/drawing/2014/main" id="{CF76B6DC-46D0-2383-6770-90C274363906}"/>
+              </a:ext>
+            </a:extLst>
+          </p:cNvPr>
+          <p:cNvPicPr>
+            <a:picLocks noChangeAspect="1"/>
+          </p:cNvPicPr>
+          <p:nvPr/>
+        </p:nvPicPr>
+        <p:blipFill>
+          <a:blip r:embed="rId3"/>
+          <a:stretch>
+            <a:fillRect/>
+          </a:stretch>
+        </p:blipFill>
+        <p:spPr>
+          <a:xfrm>
+            <a:off x="0" y="1796723"/>
+            <a:ext cx="9144000" cy="3346777"/>
+          </a:xfrm>
+          <a:prstGeom prst="rect">
+            <a:avLst/>
+          </a:prstGeom>
+        </p:spPr>
+      </p:pic>
+      <p:sp>
+        <p:nvSpPr>
+          <p:cNvPr id="6" name="CuadroTexto 5">
+            <a:extLst>
+              <a:ext uri="{FF2B5EF4-FFF2-40B4-BE49-F238E27FC236}">
+                <a16:creationId xmlns:a16="http://schemas.microsoft.com/office/drawing/2014/main" id="{61D9687C-E80C-0F99-673D-E79E547E0ADF}"/>
+              </a:ext>
+            </a:extLst>
+          </p:cNvPr>
+          <p:cNvSpPr txBox="1"/>
+          <p:nvPr/>
+        </p:nvSpPr>
+        <p:spPr>
+          <a:xfrm>
+            <a:off x="611560" y="195486"/>
+            <a:ext cx="8280920" cy="769441"/>
+          </a:xfrm>
+          <a:prstGeom prst="rect">
+            <a:avLst/>
+          </a:prstGeom>
+          <a:noFill/>
+          <a:effectLst>
+            <a:outerShdw blurRad="50800" dist="38100" dir="5400000" algn="t" rotWithShape="0">
+              <a:prstClr val="black">
+                <a:alpha val="40000"/>
+              </a:prstClr>
+            </a:outerShdw>
+          </a:effectLst>
+        </p:spPr>
+        <p:txBody>
+          <a:bodyPr wrap="square" rtlCol="0">
+            <a:spAutoFit/>
+          </a:bodyPr>
+          <a:lstStyle/>
+          <a:p>
+            <a:r>
+              <a:rPr lang="es-MX" sz="4400" i="1" dirty="0">
+                <a:solidFill>
+                  <a:srgbClr val="C00000"/>
+                </a:solidFill>
+                <a:latin typeface="Aharoni" panose="02010803020104030203" pitchFamily="2" charset="-79"/>
+                <a:cs typeface="Aharoni" panose="02010803020104030203" pitchFamily="2" charset="-79"/>
+              </a:rPr>
+              <a:t>Análisis de </a:t>
+            </a:r>
+            <a:r>
+              <a:rPr lang="es-MX" sz="4400" i="1" dirty="0" err="1">
+                <a:solidFill>
+                  <a:srgbClr val="C00000"/>
+                </a:solidFill>
+                <a:latin typeface="Aharoni" panose="02010803020104030203" pitchFamily="2" charset="-79"/>
+                <a:cs typeface="Aharoni" panose="02010803020104030203" pitchFamily="2" charset="-79"/>
+              </a:rPr>
+              <a:t>Insights</a:t>
+            </a:r>
+            <a:r>
+              <a:rPr lang="es-MX" sz="4400" i="1" dirty="0">
+                <a:solidFill>
+                  <a:srgbClr val="C00000"/>
+                </a:solidFill>
+                <a:latin typeface="Aharoni" panose="02010803020104030203" pitchFamily="2" charset="-79"/>
+                <a:cs typeface="Aharoni" panose="02010803020104030203" pitchFamily="2" charset="-79"/>
+              </a:rPr>
+              <a:t> Tarjetas</a:t>
+            </a:r>
+            <a:endParaRPr lang="es-AR" sz="4400" i="1" dirty="0">
+              <a:solidFill>
+                <a:srgbClr val="C00000"/>
+              </a:solidFill>
+              <a:latin typeface="Aharoni" panose="02010803020104030203" pitchFamily="2" charset="-79"/>
+              <a:cs typeface="Aharoni" panose="02010803020104030203" pitchFamily="2" charset="-79"/>
+            </a:endParaRPr>
+          </a:p>
+        </p:txBody>
+      </p:sp>
+    </p:spTree>
+    <p:extLst>
+      <p:ext uri="{BB962C8B-B14F-4D97-AF65-F5344CB8AC3E}">
+        <p14:creationId xmlns:p14="http://schemas.microsoft.com/office/powerpoint/2010/main" val="2473983943"/>
+      </p:ext>
+    </p:extLst>
+  </p:cSld>
+  <p:clrMapOvr>
+    <a:masterClrMapping/>
+  </p:clrMapOvr>
+</p:sld>
+</file>
+
+<file path=ppt/slides/slide22.xml><?xml version="1.0" encoding="utf-8"?>
+<p:sld xmlns:a="http://schemas.openxmlformats.org/drawingml/2006/main" xmlns:r="http://schemas.openxmlformats.org/officeDocument/2006/relationships" xmlns:p="http://schemas.openxmlformats.org/presentationml/2006/main">
+  <p:cSld>
+    <p:spTree>
+      <p:nvGrpSpPr>
+        <p:cNvPr id="1" name="">
+          <a:extLst>
+            <a:ext uri="{FF2B5EF4-FFF2-40B4-BE49-F238E27FC236}">
+              <a16:creationId xmlns:a16="http://schemas.microsoft.com/office/drawing/2014/main" id="{71335C04-0CF4-6494-4823-FA7C46831901}"/>
+            </a:ext>
+          </a:extLst>
+        </p:cNvPr>
+        <p:cNvGrpSpPr/>
+        <p:nvPr/>
+      </p:nvGrpSpPr>
+      <p:grpSpPr>
+        <a:xfrm>
+          <a:off x="0" y="0"/>
+          <a:ext cx="0" cy="0"/>
+          <a:chOff x="0" y="0"/>
+          <a:chExt cx="0" cy="0"/>
+        </a:xfrm>
+      </p:grpSpPr>
+      <p:pic>
+        <p:nvPicPr>
+          <p:cNvPr id="4" name="Marcador de posición de imagen 3">
+            <a:extLst>
+              <a:ext uri="{FF2B5EF4-FFF2-40B4-BE49-F238E27FC236}">
+                <a16:creationId xmlns:a16="http://schemas.microsoft.com/office/drawing/2014/main" id="{37E47CE7-9DDF-2C14-D107-9DCE8D003913}"/>
+              </a:ext>
+            </a:extLst>
+          </p:cNvPr>
+          <p:cNvPicPr>
+            <a:picLocks noGrp="1" noChangeAspect="1"/>
+          </p:cNvPicPr>
+          <p:nvPr>
+            <p:ph type="pic" idx="12"/>
+          </p:nvPr>
+        </p:nvPicPr>
+        <p:blipFill>
+          <a:blip r:embed="rId2">
+            <a:extLst>
+              <a:ext uri="{28A0092B-C50C-407E-A947-70E740481C1C}">
+                <a14:useLocalDpi xmlns:a14="http://schemas.microsoft.com/office/drawing/2010/main" val="0"/>
+              </a:ext>
+            </a:extLst>
+          </a:blip>
+          <a:srcRect t="27721" b="27721"/>
+          <a:stretch>
+            <a:fillRect/>
+          </a:stretch>
+        </p:blipFill>
+        <p:spPr>
+          <a:xfrm>
+            <a:off x="0" y="-9025"/>
+            <a:ext cx="9144000" cy="2716213"/>
+          </a:xfrm>
+        </p:spPr>
+      </p:pic>
+      <p:sp>
+        <p:nvSpPr>
+          <p:cNvPr id="5" name="CuadroTexto 4">
+            <a:extLst>
+              <a:ext uri="{FF2B5EF4-FFF2-40B4-BE49-F238E27FC236}">
+                <a16:creationId xmlns:a16="http://schemas.microsoft.com/office/drawing/2014/main" id="{4734F7FC-1E05-6AE2-B76B-14DF58F5468D}"/>
+              </a:ext>
+            </a:extLst>
+          </p:cNvPr>
+          <p:cNvSpPr txBox="1"/>
+          <p:nvPr/>
+        </p:nvSpPr>
+        <p:spPr>
+          <a:xfrm>
+            <a:off x="611560" y="771550"/>
+            <a:ext cx="8280920" cy="769441"/>
+          </a:xfrm>
+          <a:prstGeom prst="rect">
+            <a:avLst/>
+          </a:prstGeom>
+          <a:noFill/>
+          <a:effectLst>
+            <a:outerShdw blurRad="50800" dist="38100" dir="5400000" algn="t" rotWithShape="0">
+              <a:prstClr val="black">
+                <a:alpha val="40000"/>
+              </a:prstClr>
+            </a:outerShdw>
+          </a:effectLst>
+        </p:spPr>
+        <p:txBody>
+          <a:bodyPr wrap="square" rtlCol="0">
+            <a:spAutoFit/>
+          </a:bodyPr>
+          <a:lstStyle/>
+          <a:p>
+            <a:r>
+              <a:rPr lang="es-MX" sz="4400" i="1" dirty="0">
+                <a:solidFill>
+                  <a:srgbClr val="C00000"/>
+                </a:solidFill>
+                <a:latin typeface="Aharoni" panose="02010803020104030203" pitchFamily="2" charset="-79"/>
+                <a:cs typeface="Aharoni" panose="02010803020104030203" pitchFamily="2" charset="-79"/>
+              </a:rPr>
+              <a:t>Análisis de </a:t>
+            </a:r>
+            <a:r>
+              <a:rPr lang="es-MX" sz="4400" i="1" dirty="0" err="1">
+                <a:solidFill>
+                  <a:srgbClr val="C00000"/>
+                </a:solidFill>
+                <a:latin typeface="Aharoni" panose="02010803020104030203" pitchFamily="2" charset="-79"/>
+                <a:cs typeface="Aharoni" panose="02010803020104030203" pitchFamily="2" charset="-79"/>
+              </a:rPr>
+              <a:t>Insights</a:t>
+            </a:r>
+            <a:r>
+              <a:rPr lang="es-MX" sz="4400" i="1" dirty="0">
+                <a:solidFill>
+                  <a:srgbClr val="C00000"/>
+                </a:solidFill>
+                <a:latin typeface="Aharoni" panose="02010803020104030203" pitchFamily="2" charset="-79"/>
+                <a:cs typeface="Aharoni" panose="02010803020104030203" pitchFamily="2" charset="-79"/>
+              </a:rPr>
+              <a:t> Prestamos</a:t>
+            </a:r>
+            <a:endParaRPr lang="es-AR" sz="4400" i="1" dirty="0">
+              <a:solidFill>
+                <a:srgbClr val="C00000"/>
+              </a:solidFill>
+              <a:latin typeface="Aharoni" panose="02010803020104030203" pitchFamily="2" charset="-79"/>
+              <a:cs typeface="Aharoni" panose="02010803020104030203" pitchFamily="2" charset="-79"/>
+            </a:endParaRPr>
+          </a:p>
+        </p:txBody>
+      </p:sp>
+      <p:pic>
+        <p:nvPicPr>
+          <p:cNvPr id="3" name="Imagen 2">
+            <a:extLst>
+              <a:ext uri="{FF2B5EF4-FFF2-40B4-BE49-F238E27FC236}">
+                <a16:creationId xmlns:a16="http://schemas.microsoft.com/office/drawing/2014/main" id="{85940821-108C-2053-C501-2578BA8F4C42}"/>
+              </a:ext>
+            </a:extLst>
+          </p:cNvPr>
+          <p:cNvPicPr>
+            <a:picLocks noChangeAspect="1"/>
+          </p:cNvPicPr>
+          <p:nvPr/>
+        </p:nvPicPr>
+        <p:blipFill>
+          <a:blip r:embed="rId3"/>
+          <a:stretch>
+            <a:fillRect/>
+          </a:stretch>
+        </p:blipFill>
+        <p:spPr>
+          <a:xfrm>
+            <a:off x="0" y="2536205"/>
+            <a:ext cx="9144000" cy="2607295"/>
+          </a:xfrm>
+          <a:prstGeom prst="rect">
+            <a:avLst/>
+          </a:prstGeom>
+        </p:spPr>
+      </p:pic>
+    </p:spTree>
+    <p:extLst>
+      <p:ext uri="{BB962C8B-B14F-4D97-AF65-F5344CB8AC3E}">
+        <p14:creationId xmlns:p14="http://schemas.microsoft.com/office/powerpoint/2010/main" val="110604360"/>
+      </p:ext>
+    </p:extLst>
+  </p:cSld>
+  <p:clrMapOvr>
+    <a:masterClrMapping/>
+  </p:clrMapOvr>
+</p:sld>
+</file>
+
+<file path=ppt/slides/slide23.xml><?xml version="1.0" encoding="utf-8"?>
+<p:sld xmlns:a="http://schemas.openxmlformats.org/drawingml/2006/main" xmlns:r="http://schemas.openxmlformats.org/officeDocument/2006/relationships" xmlns:p="http://schemas.openxmlformats.org/presentationml/2006/main">
+  <p:cSld>
+    <p:spTree>
+      <p:nvGrpSpPr>
+        <p:cNvPr id="1" name=""/>
+        <p:cNvGrpSpPr/>
+        <p:nvPr/>
+      </p:nvGrpSpPr>
+      <p:grpSpPr>
+        <a:xfrm>
+          <a:off x="0" y="0"/>
+          <a:ext cx="0" cy="0"/>
+          <a:chOff x="0" y="0"/>
+          <a:chExt cx="0" cy="0"/>
+        </a:xfrm>
+      </p:grpSpPr>
       <p:sp>
         <p:nvSpPr>
           <p:cNvPr id="7" name="Rectangle 6"/>
@@ -16002,7 +16930,7 @@
         </p:nvSpPr>
         <p:spPr>
           <a:xfrm>
-            <a:off x="971600" y="2251914"/>
+            <a:off x="957300" y="339502"/>
             <a:ext cx="914400" cy="914400"/>
           </a:xfrm>
           <a:prstGeom prst="rect">
@@ -16053,7 +16981,7 @@
         </p:nvSpPr>
         <p:spPr>
           <a:xfrm>
-            <a:off x="2550350" y="2251914"/>
+            <a:off x="2536050" y="339502"/>
             <a:ext cx="914400" cy="914400"/>
           </a:xfrm>
           <a:prstGeom prst="rect">
@@ -16104,7 +17032,7 @@
         </p:nvSpPr>
         <p:spPr>
           <a:xfrm>
-            <a:off x="4129100" y="2251914"/>
+            <a:off x="4114800" y="339502"/>
             <a:ext cx="914400" cy="914400"/>
           </a:xfrm>
           <a:prstGeom prst="rect">
@@ -16155,7 +17083,7 @@
         </p:nvSpPr>
         <p:spPr>
           <a:xfrm>
-            <a:off x="5707850" y="2251914"/>
+            <a:off x="5693550" y="339502"/>
             <a:ext cx="914400" cy="914400"/>
           </a:xfrm>
           <a:prstGeom prst="rect">
@@ -16206,7 +17134,7 @@
         </p:nvSpPr>
         <p:spPr>
           <a:xfrm>
-            <a:off x="7286600" y="2251914"/>
+            <a:off x="7272300" y="339502"/>
             <a:ext cx="914400" cy="914400"/>
           </a:xfrm>
           <a:prstGeom prst="rect">
@@ -16257,7 +17185,7 @@
         </p:nvGrpSpPr>
         <p:grpSpPr>
           <a:xfrm>
-            <a:off x="675617" y="3228222"/>
+            <a:off x="661317" y="1315810"/>
             <a:ext cx="1512168" cy="488848"/>
             <a:chOff x="2113657" y="4283314"/>
             <a:chExt cx="3647460" cy="488848"/>
@@ -16356,7 +17284,7 @@
         </p:nvSpPr>
         <p:spPr>
           <a:xfrm>
-            <a:off x="4373625" y="2518895"/>
+            <a:off x="4359325" y="606483"/>
             <a:ext cx="396750" cy="400064"/>
           </a:xfrm>
           <a:custGeom>
@@ -16625,7 +17553,7 @@
         </p:nvSpPr>
         <p:spPr>
           <a:xfrm>
-            <a:off x="1250553" y="2542260"/>
+            <a:off x="1236253" y="629848"/>
             <a:ext cx="356493" cy="333708"/>
           </a:xfrm>
           <a:custGeom>
@@ -18437,7 +19365,7 @@
         </p:nvSpPr>
         <p:spPr>
           <a:xfrm>
-            <a:off x="2847850" y="2557503"/>
+            <a:off x="2833550" y="645091"/>
             <a:ext cx="319399" cy="318465"/>
           </a:xfrm>
           <a:custGeom>
@@ -18916,7 +19844,7 @@
         </p:nvSpPr>
         <p:spPr>
           <a:xfrm>
-            <a:off x="5973822" y="2517792"/>
+            <a:off x="5959522" y="605380"/>
             <a:ext cx="378792" cy="378792"/>
           </a:xfrm>
           <a:custGeom>
@@ -19093,7 +20021,7 @@
         </p:nvSpPr>
         <p:spPr>
           <a:xfrm rot="16200000">
-            <a:off x="7547863" y="2508813"/>
+            <a:off x="7533563" y="596401"/>
             <a:ext cx="396489" cy="396751"/>
           </a:xfrm>
           <a:custGeom>
@@ -19495,7 +20423,7 @@
         </p:nvGrpSpPr>
         <p:grpSpPr>
           <a:xfrm>
-            <a:off x="2253642" y="3228222"/>
+            <a:off x="2239342" y="1315810"/>
             <a:ext cx="1512168" cy="488848"/>
             <a:chOff x="2113657" y="4283314"/>
             <a:chExt cx="3647460" cy="488848"/>
@@ -19592,7 +20520,7 @@
         </p:nvGrpSpPr>
         <p:grpSpPr>
           <a:xfrm>
-            <a:off x="3831668" y="3228222"/>
+            <a:off x="3817368" y="1315810"/>
             <a:ext cx="1545096" cy="1319983"/>
             <a:chOff x="2113658" y="4283314"/>
             <a:chExt cx="3726884" cy="1319983"/>
@@ -19701,7 +20629,7 @@
         </p:nvGrpSpPr>
         <p:grpSpPr>
           <a:xfrm>
-            <a:off x="5409692" y="3228222"/>
+            <a:off x="5395392" y="1315810"/>
             <a:ext cx="1512168" cy="1966175"/>
             <a:chOff x="2113657" y="4283314"/>
             <a:chExt cx="3647460" cy="1966175"/>
@@ -19825,7 +20753,7 @@
         </p:nvGrpSpPr>
         <p:grpSpPr>
           <a:xfrm>
-            <a:off x="6987716" y="3228222"/>
+            <a:off x="6973416" y="1315810"/>
             <a:ext cx="1512168" cy="1596844"/>
             <a:chOff x="2113657" y="4283314"/>
             <a:chExt cx="3647460" cy="1596844"/>
@@ -19928,61 +20856,6 @@
       </p:grpSp>
       <p:sp>
         <p:nvSpPr>
-          <p:cNvPr id="5" name="CuadroTexto 4">
-            <a:extLst>
-              <a:ext uri="{FF2B5EF4-FFF2-40B4-BE49-F238E27FC236}">
-                <a16:creationId xmlns:a16="http://schemas.microsoft.com/office/drawing/2014/main" id="{1C648727-546F-CD8D-AD5C-1BBDCDCBCE96}"/>
-              </a:ext>
-            </a:extLst>
-          </p:cNvPr>
-          <p:cNvSpPr txBox="1"/>
-          <p:nvPr/>
-        </p:nvSpPr>
-        <p:spPr>
-          <a:xfrm>
-            <a:off x="2283899" y="312403"/>
-            <a:ext cx="4752528" cy="769441"/>
-          </a:xfrm>
-          <a:prstGeom prst="rect">
-            <a:avLst/>
-          </a:prstGeom>
-          <a:noFill/>
-          <a:effectLst>
-            <a:outerShdw blurRad="50800" dist="38100" dir="5400000" algn="t" rotWithShape="0">
-              <a:prstClr val="black">
-                <a:alpha val="40000"/>
-              </a:prstClr>
-            </a:outerShdw>
-          </a:effectLst>
-        </p:spPr>
-        <p:txBody>
-          <a:bodyPr wrap="square" rtlCol="0">
-            <a:spAutoFit/>
-          </a:bodyPr>
-          <a:lstStyle/>
-          <a:p>
-            <a:r>
-              <a:rPr lang="es-MX" sz="4400" i="1" dirty="0">
-                <a:solidFill>
-                  <a:srgbClr val="C00000"/>
-                </a:solidFill>
-                <a:latin typeface="Aharoni" panose="02010803020104030203" pitchFamily="2" charset="-79"/>
-                <a:cs typeface="Aharoni" panose="02010803020104030203" pitchFamily="2" charset="-79"/>
-              </a:rPr>
-              <a:t>CONCLUCIONES</a:t>
-            </a:r>
-            <a:endParaRPr lang="es-AR" sz="4400" i="1" dirty="0">
-              <a:solidFill>
-                <a:srgbClr val="C00000"/>
-              </a:solidFill>
-              <a:latin typeface="Aharoni" panose="02010803020104030203" pitchFamily="2" charset="-79"/>
-              <a:cs typeface="Aharoni" panose="02010803020104030203" pitchFamily="2" charset="-79"/>
-            </a:endParaRPr>
-          </a:p>
-        </p:txBody>
-      </p:sp>
-      <p:sp>
-        <p:nvSpPr>
           <p:cNvPr id="33" name="CuadroTexto 32">
             <a:extLst>
               <a:ext uri="{FF2B5EF4-FFF2-40B4-BE49-F238E27FC236}">
@@ -19995,7 +20868,7 @@
         </p:nvSpPr>
         <p:spPr>
           <a:xfrm>
-            <a:off x="411690" y="3485615"/>
+            <a:off x="397390" y="1573203"/>
             <a:ext cx="2000070" cy="1169551"/>
           </a:xfrm>
           <a:prstGeom prst="rect">
@@ -20073,7 +20946,7 @@
         </p:nvSpPr>
         <p:spPr>
           <a:xfrm>
-            <a:off x="2548724" y="3532403"/>
+            <a:off x="2534424" y="1619991"/>
             <a:ext cx="1080120" cy="1015663"/>
           </a:xfrm>
           <a:prstGeom prst="rect">
@@ -20116,66 +20989,39 @@
           </a:p>
         </p:txBody>
       </p:sp>
-    </p:spTree>
-    <p:extLst>
-      <p:ext uri="{BB962C8B-B14F-4D97-AF65-F5344CB8AC3E}">
-        <p14:creationId xmlns:p14="http://schemas.microsoft.com/office/powerpoint/2010/main" val="366083711"/>
-      </p:ext>
-    </p:extLst>
-  </p:cSld>
-  <p:clrMapOvr>
-    <a:masterClrMapping/>
-  </p:clrMapOvr>
-</p:sld>
-</file>
-
-<file path=ppt/slides/slide21.xml><?xml version="1.0" encoding="utf-8"?>
-<p:sld xmlns:a="http://schemas.openxmlformats.org/drawingml/2006/main" xmlns:r="http://schemas.openxmlformats.org/officeDocument/2006/relationships" xmlns:p="http://schemas.openxmlformats.org/presentationml/2006/main">
-  <p:cSld>
-    <p:spTree>
-      <p:nvGrpSpPr>
-        <p:cNvPr id="1" name=""/>
-        <p:cNvGrpSpPr/>
-        <p:nvPr/>
-      </p:nvGrpSpPr>
-      <p:grpSpPr>
-        <a:xfrm>
-          <a:off x="0" y="0"/>
-          <a:ext cx="0" cy="0"/>
-          <a:chOff x="0" y="0"/>
-          <a:chExt cx="0" cy="0"/>
-        </a:xfrm>
-      </p:grpSpPr>
       <p:sp>
         <p:nvSpPr>
-          <p:cNvPr id="2" name="Title 1"/>
-          <p:cNvSpPr>
-            <a:spLocks noGrp="1"/>
-          </p:cNvSpPr>
-          <p:nvPr>
-            <p:ph type="title"/>
-          </p:nvPr>
+          <p:cNvPr id="3" name="CuadroTexto 2">
+            <a:extLst>
+              <a:ext uri="{FF2B5EF4-FFF2-40B4-BE49-F238E27FC236}">
+                <a16:creationId xmlns:a16="http://schemas.microsoft.com/office/drawing/2014/main" id="{7F012014-AE2A-CC5E-A710-694D7F3B19B0}"/>
+              </a:ext>
+            </a:extLst>
+          </p:cNvPr>
+          <p:cNvSpPr txBox="1"/>
+          <p:nvPr/>
         </p:nvSpPr>
         <p:spPr>
           <a:xfrm>
-            <a:off x="0" y="1851670"/>
-            <a:ext cx="9144000" cy="884466"/>
-          </a:xfrm>
+            <a:off x="5868144" y="4155926"/>
+            <a:ext cx="1441420" cy="369332"/>
+          </a:xfrm>
+          <a:prstGeom prst="rect">
+            <a:avLst/>
+          </a:prstGeom>
+          <a:noFill/>
         </p:spPr>
         <p:txBody>
-          <a:bodyPr/>
+          <a:bodyPr wrap="none" rtlCol="0">
+            <a:spAutoFit/>
+          </a:bodyPr>
           <a:lstStyle/>
           <a:p>
-            <a:pPr algn="ctr"/>
             <a:r>
-              <a:rPr lang="en-US" altLang="ko-KR" dirty="0">
-                <a:solidFill>
-                  <a:schemeClr val="accent5"/>
-                </a:solidFill>
-              </a:rPr>
-              <a:t>CONTINUARÁ</a:t>
+              <a:rPr lang="es-MX" dirty="0"/>
+              <a:t>Continuara..</a:t>
             </a:r>
-            <a:endParaRPr lang="ko-KR" altLang="en-US" dirty="0"/>
+            <a:endParaRPr lang="es-AR" dirty="0"/>
           </a:p>
         </p:txBody>
       </p:sp>
@@ -27608,6 +28454,321 @@
 </file>
 
 <file path=ppt/theme/theme4.xml><?xml version="1.0" encoding="utf-8"?>
+<a:theme xmlns:a="http://schemas.openxmlformats.org/drawingml/2006/main" name="Tema de Office">
+  <a:themeElements>
+    <a:clrScheme name="Office">
+      <a:dk1>
+        <a:sysClr val="windowText" lastClr="000000"/>
+      </a:dk1>
+      <a:lt1>
+        <a:sysClr val="window" lastClr="FFFFFF"/>
+      </a:lt1>
+      <a:dk2>
+        <a:srgbClr val="0E2841"/>
+      </a:dk2>
+      <a:lt2>
+        <a:srgbClr val="E8E8E8"/>
+      </a:lt2>
+      <a:accent1>
+        <a:srgbClr val="156082"/>
+      </a:accent1>
+      <a:accent2>
+        <a:srgbClr val="E97132"/>
+      </a:accent2>
+      <a:accent3>
+        <a:srgbClr val="196B24"/>
+      </a:accent3>
+      <a:accent4>
+        <a:srgbClr val="0F9ED5"/>
+      </a:accent4>
+      <a:accent5>
+        <a:srgbClr val="A02B93"/>
+      </a:accent5>
+      <a:accent6>
+        <a:srgbClr val="4EA72E"/>
+      </a:accent6>
+      <a:hlink>
+        <a:srgbClr val="467886"/>
+      </a:hlink>
+      <a:folHlink>
+        <a:srgbClr val="96607D"/>
+      </a:folHlink>
+    </a:clrScheme>
+    <a:fontScheme name="Office">
+      <a:majorFont>
+        <a:latin typeface="Aptos Display" panose="02110004020202020204"/>
+        <a:ea typeface=""/>
+        <a:cs typeface=""/>
+        <a:font script="Jpan" typeface="游ゴシック Light"/>
+        <a:font script="Hang" typeface="맑은 고딕"/>
+        <a:font script="Hans" typeface="等线 Light"/>
+        <a:font script="Hant" typeface="新細明體"/>
+        <a:font script="Arab" typeface="Times New Roman"/>
+        <a:font script="Hebr" typeface="Times New Roman"/>
+        <a:font script="Thai" typeface="Angsana New"/>
+        <a:font script="Ethi" typeface="Nyala"/>
+        <a:font script="Beng" typeface="Vrinda"/>
+        <a:font script="Gujr" typeface="Shruti"/>
+        <a:font script="Khmr" typeface="MoolBoran"/>
+        <a:font script="Knda" typeface="Tunga"/>
+        <a:font script="Guru" typeface="Raavi"/>
+        <a:font script="Cans" typeface="Euphemia"/>
+        <a:font script="Cher" typeface="Plantagenet Cherokee"/>
+        <a:font script="Yiii" typeface="Microsoft Yi Baiti"/>
+        <a:font script="Tibt" typeface="Microsoft Himalaya"/>
+        <a:font script="Thaa" typeface="MV Boli"/>
+        <a:font script="Deva" typeface="Mangal"/>
+        <a:font script="Telu" typeface="Gautami"/>
+        <a:font script="Taml" typeface="Latha"/>
+        <a:font script="Syrc" typeface="Estrangelo Edessa"/>
+        <a:font script="Orya" typeface="Kalinga"/>
+        <a:font script="Mlym" typeface="Kartika"/>
+        <a:font script="Laoo" typeface="DokChampa"/>
+        <a:font script="Sinh" typeface="Iskoola Pota"/>
+        <a:font script="Mong" typeface="Mongolian Baiti"/>
+        <a:font script="Viet" typeface="Times New Roman"/>
+        <a:font script="Uigh" typeface="Microsoft Uighur"/>
+        <a:font script="Geor" typeface="Sylfaen"/>
+        <a:font script="Armn" typeface="Arial"/>
+        <a:font script="Bugi" typeface="Leelawadee UI"/>
+        <a:font script="Bopo" typeface="Microsoft JhengHei"/>
+        <a:font script="Java" typeface="Javanese Text"/>
+        <a:font script="Lisu" typeface="Segoe UI"/>
+        <a:font script="Mymr" typeface="Myanmar Text"/>
+        <a:font script="Nkoo" typeface="Ebrima"/>
+        <a:font script="Olck" typeface="Nirmala UI"/>
+        <a:font script="Osma" typeface="Ebrima"/>
+        <a:font script="Phag" typeface="Phagspa"/>
+        <a:font script="Syrn" typeface="Estrangelo Edessa"/>
+        <a:font script="Syrj" typeface="Estrangelo Edessa"/>
+        <a:font script="Syre" typeface="Estrangelo Edessa"/>
+        <a:font script="Sora" typeface="Nirmala UI"/>
+        <a:font script="Tale" typeface="Microsoft Tai Le"/>
+        <a:font script="Talu" typeface="Microsoft New Tai Lue"/>
+        <a:font script="Tfng" typeface="Ebrima"/>
+      </a:majorFont>
+      <a:minorFont>
+        <a:latin typeface="Aptos" panose="02110004020202020204"/>
+        <a:ea typeface=""/>
+        <a:cs typeface=""/>
+        <a:font script="Jpan" typeface="游ゴシック"/>
+        <a:font script="Hang" typeface="맑은 고딕"/>
+        <a:font script="Hans" typeface="等线"/>
+        <a:font script="Hant" typeface="新細明體"/>
+        <a:font script="Arab" typeface="Arial"/>
+        <a:font script="Hebr" typeface="Arial"/>
+        <a:font script="Thai" typeface="Cordia New"/>
+        <a:font script="Ethi" typeface="Nyala"/>
+        <a:font script="Beng" typeface="Vrinda"/>
+        <a:font script="Gujr" typeface="Shruti"/>
+        <a:font script="Khmr" typeface="DaunPenh"/>
+        <a:font script="Knda" typeface="Tunga"/>
+        <a:font script="Guru" typeface="Raavi"/>
+        <a:font script="Cans" typeface="Euphemia"/>
+        <a:font script="Cher" typeface="Plantagenet Cherokee"/>
+        <a:font script="Yiii" typeface="Microsoft Yi Baiti"/>
+        <a:font script="Tibt" typeface="Microsoft Himalaya"/>
+        <a:font script="Thaa" typeface="MV Boli"/>
+        <a:font script="Deva" typeface="Mangal"/>
+        <a:font script="Telu" typeface="Gautami"/>
+        <a:font script="Taml" typeface="Latha"/>
+        <a:font script="Syrc" typeface="Estrangelo Edessa"/>
+        <a:font script="Orya" typeface="Kalinga"/>
+        <a:font script="Mlym" typeface="Kartika"/>
+        <a:font script="Laoo" typeface="DokChampa"/>
+        <a:font script="Sinh" typeface="Iskoola Pota"/>
+        <a:font script="Mong" typeface="Mongolian Baiti"/>
+        <a:font script="Viet" typeface="Arial"/>
+        <a:font script="Uigh" typeface="Microsoft Uighur"/>
+        <a:font script="Geor" typeface="Sylfaen"/>
+        <a:font script="Armn" typeface="Arial"/>
+        <a:font script="Bugi" typeface="Leelawadee UI"/>
+        <a:font script="Bopo" typeface="Microsoft JhengHei"/>
+        <a:font script="Java" typeface="Javanese Text"/>
+        <a:font script="Lisu" typeface="Segoe UI"/>
+        <a:font script="Mymr" typeface="Myanmar Text"/>
+        <a:font script="Nkoo" typeface="Ebrima"/>
+        <a:font script="Olck" typeface="Nirmala UI"/>
+        <a:font script="Osma" typeface="Ebrima"/>
+        <a:font script="Phag" typeface="Phagspa"/>
+        <a:font script="Syrn" typeface="Estrangelo Edessa"/>
+        <a:font script="Syrj" typeface="Estrangelo Edessa"/>
+        <a:font script="Syre" typeface="Estrangelo Edessa"/>
+        <a:font script="Sora" typeface="Nirmala UI"/>
+        <a:font script="Tale" typeface="Microsoft Tai Le"/>
+        <a:font script="Talu" typeface="Microsoft New Tai Lue"/>
+        <a:font script="Tfng" typeface="Ebrima"/>
+      </a:minorFont>
+    </a:fontScheme>
+    <a:fmtScheme name="Office">
+      <a:fillStyleLst>
+        <a:solidFill>
+          <a:schemeClr val="phClr"/>
+        </a:solidFill>
+        <a:gradFill rotWithShape="1">
+          <a:gsLst>
+            <a:gs pos="0">
+              <a:schemeClr val="phClr">
+                <a:lumMod val="110000"/>
+                <a:satMod val="105000"/>
+                <a:tint val="67000"/>
+              </a:schemeClr>
+            </a:gs>
+            <a:gs pos="50000">
+              <a:schemeClr val="phClr">
+                <a:lumMod val="105000"/>
+                <a:satMod val="103000"/>
+                <a:tint val="73000"/>
+              </a:schemeClr>
+            </a:gs>
+            <a:gs pos="100000">
+              <a:schemeClr val="phClr">
+                <a:lumMod val="105000"/>
+                <a:satMod val="109000"/>
+                <a:tint val="81000"/>
+              </a:schemeClr>
+            </a:gs>
+          </a:gsLst>
+          <a:lin ang="5400000" scaled="0"/>
+        </a:gradFill>
+        <a:gradFill rotWithShape="1">
+          <a:gsLst>
+            <a:gs pos="0">
+              <a:schemeClr val="phClr">
+                <a:satMod val="103000"/>
+                <a:lumMod val="102000"/>
+                <a:tint val="94000"/>
+              </a:schemeClr>
+            </a:gs>
+            <a:gs pos="50000">
+              <a:schemeClr val="phClr">
+                <a:satMod val="110000"/>
+                <a:lumMod val="100000"/>
+                <a:shade val="100000"/>
+              </a:schemeClr>
+            </a:gs>
+            <a:gs pos="100000">
+              <a:schemeClr val="phClr">
+                <a:lumMod val="99000"/>
+                <a:satMod val="120000"/>
+                <a:shade val="78000"/>
+              </a:schemeClr>
+            </a:gs>
+          </a:gsLst>
+          <a:lin ang="5400000" scaled="0"/>
+        </a:gradFill>
+      </a:fillStyleLst>
+      <a:lnStyleLst>
+        <a:ln w="12700" cap="flat" cmpd="sng" algn="ctr">
+          <a:solidFill>
+            <a:schemeClr val="phClr"/>
+          </a:solidFill>
+          <a:prstDash val="solid"/>
+          <a:miter lim="800000"/>
+        </a:ln>
+        <a:ln w="19050" cap="flat" cmpd="sng" algn="ctr">
+          <a:solidFill>
+            <a:schemeClr val="phClr"/>
+          </a:solidFill>
+          <a:prstDash val="solid"/>
+          <a:miter lim="800000"/>
+        </a:ln>
+        <a:ln w="25400" cap="flat" cmpd="sng" algn="ctr">
+          <a:solidFill>
+            <a:schemeClr val="phClr"/>
+          </a:solidFill>
+          <a:prstDash val="solid"/>
+          <a:miter lim="800000"/>
+        </a:ln>
+      </a:lnStyleLst>
+      <a:effectStyleLst>
+        <a:effectStyle>
+          <a:effectLst/>
+        </a:effectStyle>
+        <a:effectStyle>
+          <a:effectLst/>
+        </a:effectStyle>
+        <a:effectStyle>
+          <a:effectLst>
+            <a:outerShdw blurRad="57150" dist="19050" dir="5400000" algn="ctr" rotWithShape="0">
+              <a:srgbClr val="000000">
+                <a:alpha val="63000"/>
+              </a:srgbClr>
+            </a:outerShdw>
+          </a:effectLst>
+        </a:effectStyle>
+      </a:effectStyleLst>
+      <a:bgFillStyleLst>
+        <a:solidFill>
+          <a:schemeClr val="phClr"/>
+        </a:solidFill>
+        <a:solidFill>
+          <a:schemeClr val="phClr">
+            <a:tint val="95000"/>
+            <a:satMod val="170000"/>
+          </a:schemeClr>
+        </a:solidFill>
+        <a:gradFill rotWithShape="1">
+          <a:gsLst>
+            <a:gs pos="0">
+              <a:schemeClr val="phClr">
+                <a:tint val="93000"/>
+                <a:satMod val="150000"/>
+                <a:shade val="98000"/>
+                <a:lumMod val="102000"/>
+              </a:schemeClr>
+            </a:gs>
+            <a:gs pos="50000">
+              <a:schemeClr val="phClr">
+                <a:tint val="98000"/>
+                <a:satMod val="130000"/>
+                <a:shade val="90000"/>
+                <a:lumMod val="103000"/>
+              </a:schemeClr>
+            </a:gs>
+            <a:gs pos="100000">
+              <a:schemeClr val="phClr">
+                <a:shade val="63000"/>
+                <a:satMod val="120000"/>
+              </a:schemeClr>
+            </a:gs>
+          </a:gsLst>
+          <a:lin ang="5400000" scaled="0"/>
+        </a:gradFill>
+      </a:bgFillStyleLst>
+    </a:fmtScheme>
+  </a:themeElements>
+  <a:objectDefaults>
+    <a:lnDef>
+      <a:spPr/>
+      <a:bodyPr/>
+      <a:lstStyle/>
+      <a:style>
+        <a:lnRef idx="2">
+          <a:schemeClr val="accent1"/>
+        </a:lnRef>
+        <a:fillRef idx="0">
+          <a:schemeClr val="accent1"/>
+        </a:fillRef>
+        <a:effectRef idx="1">
+          <a:schemeClr val="accent1"/>
+        </a:effectRef>
+        <a:fontRef idx="minor">
+          <a:schemeClr val="tx1"/>
+        </a:fontRef>
+      </a:style>
+    </a:lnDef>
+  </a:objectDefaults>
+  <a:extraClrSchemeLst/>
+  <a:extLst>
+    <a:ext uri="{05A4C25C-085E-4340-85A3-A5531E510DB2}">
+      <thm15:themeFamily xmlns:thm15="http://schemas.microsoft.com/office/thememl/2012/main" name="Office Theme" id="{2E142A2C-CD16-42D6-873A-C26D2A0506FA}" vid="{1BDDFF52-6CD6-40A5-AB3C-68EB2F1E4D0A}"/>
+    </a:ext>
+  </a:extLst>
+</a:theme>
+</file>
+
+<file path=ppt/theme/theme5.xml><?xml version="1.0" encoding="utf-8"?>
 <a:theme xmlns:a="http://schemas.openxmlformats.org/drawingml/2006/main" name="Office Theme">
   <a:themeElements>
     <a:clrScheme name="Office">

--- a/Analisis Bancario_Juan Manuel Olguin.pptx
+++ b/Analisis Bancario_Juan Manuel Olguin.pptx
@@ -7,10 +7,10 @@
     <p:sldMasterId id="2147483654" r:id="rId3"/>
   </p:sldMasterIdLst>
   <p:notesMasterIdLst>
-    <p:notesMasterId r:id="rId27"/>
+    <p:notesMasterId r:id="rId28"/>
   </p:notesMasterIdLst>
   <p:handoutMasterIdLst>
-    <p:handoutMasterId r:id="rId28"/>
+    <p:handoutMasterId r:id="rId29"/>
   </p:handoutMasterIdLst>
   <p:sldIdLst>
     <p:sldId id="299" r:id="rId4"/>
@@ -26,16 +26,17 @@
     <p:sldId id="317" r:id="rId14"/>
     <p:sldId id="318" r:id="rId15"/>
     <p:sldId id="319" r:id="rId16"/>
-    <p:sldId id="308" r:id="rId17"/>
-    <p:sldId id="314" r:id="rId18"/>
-    <p:sldId id="320" r:id="rId19"/>
-    <p:sldId id="321" r:id="rId20"/>
-    <p:sldId id="322" r:id="rId21"/>
-    <p:sldId id="290" r:id="rId22"/>
-    <p:sldId id="289" r:id="rId23"/>
-    <p:sldId id="323" r:id="rId24"/>
-    <p:sldId id="324" r:id="rId25"/>
-    <p:sldId id="271" r:id="rId26"/>
+    <p:sldId id="325" r:id="rId17"/>
+    <p:sldId id="308" r:id="rId18"/>
+    <p:sldId id="314" r:id="rId19"/>
+    <p:sldId id="320" r:id="rId20"/>
+    <p:sldId id="321" r:id="rId21"/>
+    <p:sldId id="322" r:id="rId22"/>
+    <p:sldId id="290" r:id="rId23"/>
+    <p:sldId id="289" r:id="rId24"/>
+    <p:sldId id="323" r:id="rId25"/>
+    <p:sldId id="324" r:id="rId26"/>
+    <p:sldId id="271" r:id="rId27"/>
   </p:sldIdLst>
   <p:sldSz cx="9144000" cy="5143500" type="screen16x9"/>
   <p:notesSz cx="6858000" cy="9144000"/>
@@ -249,7 +250,7 @@
           <a:p>
             <a:fld id="{69452B2B-0BBC-4845-BD5C-6186374697E3}" type="datetimeFigureOut">
               <a:rPr lang="ko-KR" altLang="en-US" smtClean="0"/>
-              <a:t>2025-04-03</a:t>
+              <a:t>2025-04-14</a:t>
             </a:fld>
             <a:endParaRPr lang="ko-KR" altLang="en-US" dirty="0"/>
           </a:p>
@@ -414,7 +415,7 @@
           <a:p>
             <a:fld id="{C2FB2761-7E16-44CA-BF8A-25DE9AC39A10}" type="datetimeFigureOut">
               <a:rPr lang="es-AR" smtClean="0"/>
-              <a:t>3/4/2025</a:t>
+              <a:t>14/4/2025</a:t>
             </a:fld>
             <a:endParaRPr lang="es-AR"/>
           </a:p>
@@ -747,7 +748,7 @@
           <a:p>
             <a:fld id="{C669935B-DF7A-4476-8566-BD7E287530FA}" type="slidenum">
               <a:rPr lang="es-AR" smtClean="0"/>
-              <a:t>20</a:t>
+              <a:t>21</a:t>
             </a:fld>
             <a:endParaRPr lang="es-AR"/>
           </a:p>
@@ -8218,6 +8219,280 @@
         <p:cNvPr id="1" name="">
           <a:extLst>
             <a:ext uri="{FF2B5EF4-FFF2-40B4-BE49-F238E27FC236}">
+              <a16:creationId xmlns:a16="http://schemas.microsoft.com/office/drawing/2014/main" id="{85673918-DADB-0070-296A-14455DD330E4}"/>
+            </a:ext>
+          </a:extLst>
+        </p:cNvPr>
+        <p:cNvGrpSpPr/>
+        <p:nvPr/>
+      </p:nvGrpSpPr>
+      <p:grpSpPr>
+        <a:xfrm>
+          <a:off x="0" y="0"/>
+          <a:ext cx="0" cy="0"/>
+          <a:chOff x="0" y="0"/>
+          <a:chExt cx="0" cy="0"/>
+        </a:xfrm>
+      </p:grpSpPr>
+      <p:pic>
+        <p:nvPicPr>
+          <p:cNvPr id="6" name="Picture 4" descr="D:\KBM-정애\014-Fullppt\PNG이미지\노트북.png">
+            <a:extLst>
+              <a:ext uri="{FF2B5EF4-FFF2-40B4-BE49-F238E27FC236}">
+                <a16:creationId xmlns:a16="http://schemas.microsoft.com/office/drawing/2014/main" id="{A2969091-E9C7-C3DC-D08B-3FA71A3D2F9A}"/>
+              </a:ext>
+            </a:extLst>
+          </p:cNvPr>
+          <p:cNvPicPr>
+            <a:picLocks noChangeAspect="1" noChangeArrowheads="1"/>
+          </p:cNvPicPr>
+          <p:nvPr/>
+        </p:nvPicPr>
+        <p:blipFill>
+          <a:blip r:embed="rId2">
+            <a:extLst>
+              <a:ext uri="{28A0092B-C50C-407E-A947-70E740481C1C}">
+                <a14:useLocalDpi xmlns:a14="http://schemas.microsoft.com/office/drawing/2010/main" val="0"/>
+              </a:ext>
+            </a:extLst>
+          </a:blip>
+          <a:srcRect/>
+          <a:stretch>
+            <a:fillRect/>
+          </a:stretch>
+        </p:blipFill>
+        <p:spPr bwMode="auto">
+          <a:xfrm>
+            <a:off x="2961944" y="903524"/>
+            <a:ext cx="6290574" cy="3199488"/>
+          </a:xfrm>
+          <a:prstGeom prst="rect">
+            <a:avLst/>
+          </a:prstGeom>
+          <a:noFill/>
+          <a:extLst>
+            <a:ext uri="{909E8E84-426E-40DD-AFC4-6F175D3DCCD1}">
+              <a14:hiddenFill xmlns:a14="http://schemas.microsoft.com/office/drawing/2010/main">
+                <a:solidFill>
+                  <a:srgbClr val="FFFFFF"/>
+                </a:solidFill>
+              </a14:hiddenFill>
+            </a:ext>
+          </a:extLst>
+        </p:spPr>
+      </p:pic>
+      <p:sp>
+        <p:nvSpPr>
+          <p:cNvPr id="27" name="TextBox 26">
+            <a:extLst>
+              <a:ext uri="{FF2B5EF4-FFF2-40B4-BE49-F238E27FC236}">
+                <a16:creationId xmlns:a16="http://schemas.microsoft.com/office/drawing/2014/main" id="{FE307591-21C1-9BDA-2C33-9745134BD077}"/>
+              </a:ext>
+            </a:extLst>
+          </p:cNvPr>
+          <p:cNvSpPr txBox="1"/>
+          <p:nvPr/>
+        </p:nvSpPr>
+        <p:spPr>
+          <a:xfrm>
+            <a:off x="4977490" y="253171"/>
+            <a:ext cx="3588874" cy="523220"/>
+          </a:xfrm>
+          <a:prstGeom prst="rect">
+            <a:avLst/>
+          </a:prstGeom>
+          <a:noFill/>
+        </p:spPr>
+        <p:txBody>
+          <a:bodyPr wrap="square" rtlCol="0">
+            <a:spAutoFit/>
+          </a:bodyPr>
+          <a:lstStyle/>
+          <a:p>
+            <a:r>
+              <a:rPr lang="en-US" altLang="ko-KR" sz="2800" b="1" dirty="0">
+                <a:solidFill>
+                  <a:schemeClr val="tx1">
+                    <a:lumMod val="75000"/>
+                    <a:lumOff val="25000"/>
+                  </a:schemeClr>
+                </a:solidFill>
+                <a:latin typeface="+mj-lt"/>
+                <a:cs typeface="Arial" pitchFamily="34" charset="0"/>
+              </a:rPr>
+              <a:t> </a:t>
+            </a:r>
+            <a:r>
+              <a:rPr lang="en-US" altLang="ko-KR" sz="2800" b="1" dirty="0" err="1">
+                <a:solidFill>
+                  <a:schemeClr val="accent1"/>
+                </a:solidFill>
+                <a:latin typeface="+mj-lt"/>
+                <a:cs typeface="Arial" pitchFamily="34" charset="0"/>
+              </a:rPr>
+              <a:t>Visualizaciones</a:t>
+            </a:r>
+            <a:r>
+              <a:rPr lang="en-US" altLang="ko-KR" sz="2800" b="1" dirty="0">
+                <a:solidFill>
+                  <a:schemeClr val="accent1"/>
+                </a:solidFill>
+                <a:latin typeface="+mj-lt"/>
+                <a:cs typeface="Arial" pitchFamily="34" charset="0"/>
+              </a:rPr>
+              <a:t> </a:t>
+            </a:r>
+            <a:r>
+              <a:rPr lang="en-US" altLang="ko-KR" sz="2800" b="1" dirty="0">
+                <a:latin typeface="+mj-lt"/>
+                <a:cs typeface="Arial" pitchFamily="34" charset="0"/>
+              </a:rPr>
+              <a:t>TC</a:t>
+            </a:r>
+            <a:endParaRPr lang="ko-KR" altLang="en-US" sz="2800" b="1" dirty="0">
+              <a:latin typeface="+mj-lt"/>
+              <a:cs typeface="Arial" pitchFamily="34" charset="0"/>
+            </a:endParaRPr>
+          </a:p>
+        </p:txBody>
+      </p:sp>
+      <p:sp>
+        <p:nvSpPr>
+          <p:cNvPr id="10" name="CuadroTexto 9">
+            <a:extLst>
+              <a:ext uri="{FF2B5EF4-FFF2-40B4-BE49-F238E27FC236}">
+                <a16:creationId xmlns:a16="http://schemas.microsoft.com/office/drawing/2014/main" id="{9E77C967-4AE9-B3AB-CF65-640C5A409EE2}"/>
+              </a:ext>
+            </a:extLst>
+          </p:cNvPr>
+          <p:cNvSpPr txBox="1"/>
+          <p:nvPr/>
+        </p:nvSpPr>
+        <p:spPr>
+          <a:xfrm>
+            <a:off x="5292080" y="903524"/>
+            <a:ext cx="2604827" cy="276999"/>
+          </a:xfrm>
+          <a:prstGeom prst="rect">
+            <a:avLst/>
+          </a:prstGeom>
+          <a:noFill/>
+        </p:spPr>
+        <p:txBody>
+          <a:bodyPr wrap="square" rtlCol="0">
+            <a:spAutoFit/>
+          </a:bodyPr>
+          <a:lstStyle/>
+          <a:p>
+            <a:r>
+              <a:rPr lang="es-MX" sz="1200" dirty="0" err="1"/>
+              <a:t>Clusters</a:t>
+            </a:r>
+            <a:r>
+              <a:rPr lang="es-MX" sz="1200" dirty="0"/>
+              <a:t> análisis de </a:t>
+            </a:r>
+            <a:r>
+              <a:rPr lang="es-MX" sz="1200" dirty="0" err="1"/>
+              <a:t>visualizacion</a:t>
+            </a:r>
+            <a:endParaRPr lang="es-AR" sz="1200" dirty="0"/>
+          </a:p>
+        </p:txBody>
+      </p:sp>
+      <p:pic>
+        <p:nvPicPr>
+          <p:cNvPr id="3" name="Imagen 2" descr="Gráfico, Gráfico de líneas&#10;&#10;El contenido generado por IA puede ser incorrecto.">
+            <a:extLst>
+              <a:ext uri="{FF2B5EF4-FFF2-40B4-BE49-F238E27FC236}">
+                <a16:creationId xmlns:a16="http://schemas.microsoft.com/office/drawing/2014/main" id="{8E9695DD-A2AF-35DC-6335-180182D24C3D}"/>
+              </a:ext>
+            </a:extLst>
+          </p:cNvPr>
+          <p:cNvPicPr>
+            <a:picLocks noChangeAspect="1"/>
+          </p:cNvPicPr>
+          <p:nvPr/>
+        </p:nvPicPr>
+        <p:blipFill>
+          <a:blip r:embed="rId3" cstate="print">
+            <a:extLst>
+              <a:ext uri="{28A0092B-C50C-407E-A947-70E740481C1C}">
+                <a14:useLocalDpi xmlns:a14="http://schemas.microsoft.com/office/drawing/2010/main" val="0"/>
+              </a:ext>
+            </a:extLst>
+          </a:blip>
+          <a:stretch>
+            <a:fillRect/>
+          </a:stretch>
+        </p:blipFill>
+        <p:spPr>
+          <a:xfrm>
+            <a:off x="1247093" y="627534"/>
+            <a:ext cx="3193581" cy="2016224"/>
+          </a:xfrm>
+          <a:prstGeom prst="rect">
+            <a:avLst/>
+          </a:prstGeom>
+        </p:spPr>
+      </p:pic>
+      <p:pic>
+        <p:nvPicPr>
+          <p:cNvPr id="7" name="Imagen 6" descr="Gráfico&#10;&#10;El contenido generado por IA puede ser incorrecto.">
+            <a:extLst>
+              <a:ext uri="{FF2B5EF4-FFF2-40B4-BE49-F238E27FC236}">
+                <a16:creationId xmlns:a16="http://schemas.microsoft.com/office/drawing/2014/main" id="{C8A6414B-979B-74DE-FCA9-900C56ECA25B}"/>
+              </a:ext>
+            </a:extLst>
+          </p:cNvPr>
+          <p:cNvPicPr>
+            <a:picLocks noChangeAspect="1"/>
+          </p:cNvPicPr>
+          <p:nvPr/>
+        </p:nvPicPr>
+        <p:blipFill>
+          <a:blip r:embed="rId4" cstate="print">
+            <a:extLst>
+              <a:ext uri="{28A0092B-C50C-407E-A947-70E740481C1C}">
+                <a14:useLocalDpi xmlns:a14="http://schemas.microsoft.com/office/drawing/2010/main" val="0"/>
+              </a:ext>
+            </a:extLst>
+          </a:blip>
+          <a:stretch>
+            <a:fillRect/>
+          </a:stretch>
+        </p:blipFill>
+        <p:spPr>
+          <a:xfrm>
+            <a:off x="4644008" y="1328169"/>
+            <a:ext cx="3096344" cy="2144568"/>
+          </a:xfrm>
+          <a:prstGeom prst="rect">
+            <a:avLst/>
+          </a:prstGeom>
+        </p:spPr>
+      </p:pic>
+    </p:spTree>
+    <p:extLst>
+      <p:ext uri="{BB962C8B-B14F-4D97-AF65-F5344CB8AC3E}">
+        <p14:creationId xmlns:p14="http://schemas.microsoft.com/office/powerpoint/2010/main" val="2396065526"/>
+      </p:ext>
+    </p:extLst>
+  </p:cSld>
+  <p:clrMapOvr>
+    <a:masterClrMapping/>
+  </p:clrMapOvr>
+</p:sld>
+</file>
+
+<file path=ppt/slides/slide15.xml><?xml version="1.0" encoding="utf-8"?>
+<p:sld xmlns:a="http://schemas.openxmlformats.org/drawingml/2006/main" xmlns:r="http://schemas.openxmlformats.org/officeDocument/2006/relationships" xmlns:p="http://schemas.openxmlformats.org/presentationml/2006/main">
+  <p:cSld>
+    <p:spTree>
+      <p:nvGrpSpPr>
+        <p:cNvPr id="1" name="">
+          <a:extLst>
+            <a:ext uri="{FF2B5EF4-FFF2-40B4-BE49-F238E27FC236}">
               <a16:creationId xmlns:a16="http://schemas.microsoft.com/office/drawing/2014/main" id="{D77FE09F-AE0F-63D4-A9B7-0F5987FA880F}"/>
             </a:ext>
           </a:extLst>
@@ -9652,7 +9927,7 @@
 </p:sld>
 </file>
 
-<file path=ppt/slides/slide15.xml><?xml version="1.0" encoding="utf-8"?>
+<file path=ppt/slides/slide16.xml><?xml version="1.0" encoding="utf-8"?>
 <p:sld xmlns:a="http://schemas.openxmlformats.org/drawingml/2006/main" xmlns:r="http://schemas.openxmlformats.org/officeDocument/2006/relationships" xmlns:p="http://schemas.openxmlformats.org/presentationml/2006/main">
   <p:cSld>
     <p:spTree>
@@ -10997,7 +11272,7 @@
 </p:sld>
 </file>
 
-<file path=ppt/slides/slide16.xml><?xml version="1.0" encoding="utf-8"?>
+<file path=ppt/slides/slide17.xml><?xml version="1.0" encoding="utf-8"?>
 <p:sld xmlns:a="http://schemas.openxmlformats.org/drawingml/2006/main" xmlns:r="http://schemas.openxmlformats.org/officeDocument/2006/relationships" xmlns:p="http://schemas.openxmlformats.org/presentationml/2006/main">
   <p:cSld>
     <p:spTree>
@@ -11315,7 +11590,7 @@
 </p:sld>
 </file>
 
-<file path=ppt/slides/slide17.xml><?xml version="1.0" encoding="utf-8"?>
+<file path=ppt/slides/slide18.xml><?xml version="1.0" encoding="utf-8"?>
 <p:sld xmlns:a="http://schemas.openxmlformats.org/drawingml/2006/main" xmlns:r="http://schemas.openxmlformats.org/officeDocument/2006/relationships" xmlns:p="http://schemas.openxmlformats.org/presentationml/2006/main">
   <p:cSld>
     <p:spTree>
@@ -11636,7 +11911,7 @@
 </p:sld>
 </file>
 
-<file path=ppt/slides/slide18.xml><?xml version="1.0" encoding="utf-8"?>
+<file path=ppt/slides/slide19.xml><?xml version="1.0" encoding="utf-8"?>
 <p:sld xmlns:a="http://schemas.openxmlformats.org/drawingml/2006/main" xmlns:r="http://schemas.openxmlformats.org/officeDocument/2006/relationships" xmlns:p="http://schemas.openxmlformats.org/presentationml/2006/main">
   <p:cSld>
     <p:spTree>
@@ -11947,1511 +12222,6 @@
     <p:extLst>
       <p:ext uri="{BB962C8B-B14F-4D97-AF65-F5344CB8AC3E}">
         <p14:creationId xmlns:p14="http://schemas.microsoft.com/office/powerpoint/2010/main" val="3375617626"/>
-      </p:ext>
-    </p:extLst>
-  </p:cSld>
-  <p:clrMapOvr>
-    <a:masterClrMapping/>
-  </p:clrMapOvr>
-</p:sld>
-</file>
-
-<file path=ppt/slides/slide19.xml><?xml version="1.0" encoding="utf-8"?>
-<p:sld xmlns:a="http://schemas.openxmlformats.org/drawingml/2006/main" xmlns:r="http://schemas.openxmlformats.org/officeDocument/2006/relationships" xmlns:p="http://schemas.openxmlformats.org/presentationml/2006/main">
-  <p:cSld>
-    <p:spTree>
-      <p:nvGrpSpPr>
-        <p:cNvPr id="1" name=""/>
-        <p:cNvGrpSpPr/>
-        <p:nvPr/>
-      </p:nvGrpSpPr>
-      <p:grpSpPr>
-        <a:xfrm>
-          <a:off x="0" y="0"/>
-          <a:ext cx="0" cy="0"/>
-          <a:chOff x="0" y="0"/>
-          <a:chExt cx="0" cy="0"/>
-        </a:xfrm>
-      </p:grpSpPr>
-      <p:cxnSp>
-        <p:nvCxnSpPr>
-          <p:cNvPr id="51" name="Straight Connector 50"/>
-          <p:cNvCxnSpPr>
-            <a:stCxn id="2" idx="2"/>
-          </p:cNvCxnSpPr>
-          <p:nvPr/>
-        </p:nvCxnSpPr>
-        <p:spPr>
-          <a:xfrm flipH="1">
-            <a:off x="2441164" y="1943549"/>
-            <a:ext cx="6600" cy="766268"/>
-          </a:xfrm>
-          <a:prstGeom prst="line">
-            <a:avLst/>
-          </a:prstGeom>
-          <a:ln w="25400">
-            <a:solidFill>
-              <a:schemeClr val="tx1">
-                <a:lumMod val="75000"/>
-                <a:lumOff val="25000"/>
-              </a:schemeClr>
-            </a:solidFill>
-            <a:prstDash val="sysDot"/>
-          </a:ln>
-        </p:spPr>
-        <p:style>
-          <a:lnRef idx="1">
-            <a:schemeClr val="accent1"/>
-          </a:lnRef>
-          <a:fillRef idx="0">
-            <a:schemeClr val="accent1"/>
-          </a:fillRef>
-          <a:effectRef idx="0">
-            <a:schemeClr val="accent1"/>
-          </a:effectRef>
-          <a:fontRef idx="minor">
-            <a:schemeClr val="tx1"/>
-          </a:fontRef>
-        </p:style>
-      </p:cxnSp>
-      <p:cxnSp>
-        <p:nvCxnSpPr>
-          <p:cNvPr id="54" name="Straight Connector 53"/>
-          <p:cNvCxnSpPr>
-            <a:endCxn id="10" idx="0"/>
-          </p:cNvCxnSpPr>
-          <p:nvPr/>
-        </p:nvCxnSpPr>
-        <p:spPr>
-          <a:xfrm>
-            <a:off x="2441164" y="2764461"/>
-            <a:ext cx="6600" cy="714515"/>
-          </a:xfrm>
-          <a:prstGeom prst="line">
-            <a:avLst/>
-          </a:prstGeom>
-          <a:ln w="25400">
-            <a:solidFill>
-              <a:schemeClr val="tx1">
-                <a:lumMod val="75000"/>
-                <a:lumOff val="25000"/>
-              </a:schemeClr>
-            </a:solidFill>
-            <a:prstDash val="sysDot"/>
-          </a:ln>
-        </p:spPr>
-        <p:style>
-          <a:lnRef idx="1">
-            <a:schemeClr val="accent1"/>
-          </a:lnRef>
-          <a:fillRef idx="0">
-            <a:schemeClr val="accent1"/>
-          </a:fillRef>
-          <a:effectRef idx="0">
-            <a:schemeClr val="accent1"/>
-          </a:effectRef>
-          <a:fontRef idx="minor">
-            <a:schemeClr val="tx1"/>
-          </a:fontRef>
-        </p:style>
-      </p:cxnSp>
-      <p:cxnSp>
-        <p:nvCxnSpPr>
-          <p:cNvPr id="48" name="Straight Connector 47"/>
-          <p:cNvCxnSpPr/>
-          <p:nvPr/>
-        </p:nvCxnSpPr>
-        <p:spPr>
-          <a:xfrm flipH="1">
-            <a:off x="2447764" y="1546060"/>
-            <a:ext cx="993448" cy="1137048"/>
-          </a:xfrm>
-          <a:prstGeom prst="line">
-            <a:avLst/>
-          </a:prstGeom>
-          <a:ln w="25400">
-            <a:solidFill>
-              <a:schemeClr val="tx1">
-                <a:lumMod val="75000"/>
-                <a:lumOff val="25000"/>
-              </a:schemeClr>
-            </a:solidFill>
-            <a:prstDash val="sysDot"/>
-          </a:ln>
-        </p:spPr>
-        <p:style>
-          <a:lnRef idx="1">
-            <a:schemeClr val="accent1"/>
-          </a:lnRef>
-          <a:fillRef idx="0">
-            <a:schemeClr val="accent1"/>
-          </a:fillRef>
-          <a:effectRef idx="0">
-            <a:schemeClr val="accent1"/>
-          </a:effectRef>
-          <a:fontRef idx="minor">
-            <a:schemeClr val="tx1"/>
-          </a:fontRef>
-        </p:style>
-      </p:cxnSp>
-      <p:cxnSp>
-        <p:nvCxnSpPr>
-          <p:cNvPr id="49" name="Straight Connector 48"/>
-          <p:cNvCxnSpPr/>
-          <p:nvPr/>
-        </p:nvCxnSpPr>
-        <p:spPr>
-          <a:xfrm flipH="1">
-            <a:off x="2447764" y="2709817"/>
-            <a:ext cx="1044116" cy="54644"/>
-          </a:xfrm>
-          <a:prstGeom prst="line">
-            <a:avLst/>
-          </a:prstGeom>
-          <a:ln w="25400">
-            <a:solidFill>
-              <a:schemeClr val="tx1">
-                <a:lumMod val="75000"/>
-                <a:lumOff val="25000"/>
-              </a:schemeClr>
-            </a:solidFill>
-            <a:prstDash val="sysDot"/>
-          </a:ln>
-        </p:spPr>
-        <p:style>
-          <a:lnRef idx="1">
-            <a:schemeClr val="accent1"/>
-          </a:lnRef>
-          <a:fillRef idx="0">
-            <a:schemeClr val="accent1"/>
-          </a:fillRef>
-          <a:effectRef idx="0">
-            <a:schemeClr val="accent1"/>
-          </a:effectRef>
-          <a:fontRef idx="minor">
-            <a:schemeClr val="tx1"/>
-          </a:fontRef>
-        </p:style>
-      </p:cxnSp>
-      <p:cxnSp>
-        <p:nvCxnSpPr>
-          <p:cNvPr id="50" name="Straight Connector 49"/>
-          <p:cNvCxnSpPr/>
-          <p:nvPr/>
-        </p:nvCxnSpPr>
-        <p:spPr>
-          <a:xfrm flipH="1" flipV="1">
-            <a:off x="2447764" y="2902960"/>
-            <a:ext cx="1044116" cy="970615"/>
-          </a:xfrm>
-          <a:prstGeom prst="line">
-            <a:avLst/>
-          </a:prstGeom>
-          <a:ln w="25400">
-            <a:solidFill>
-              <a:schemeClr val="tx1">
-                <a:lumMod val="75000"/>
-                <a:lumOff val="25000"/>
-              </a:schemeClr>
-            </a:solidFill>
-            <a:prstDash val="sysDot"/>
-          </a:ln>
-        </p:spPr>
-        <p:style>
-          <a:lnRef idx="1">
-            <a:schemeClr val="accent1"/>
-          </a:lnRef>
-          <a:fillRef idx="0">
-            <a:schemeClr val="accent1"/>
-          </a:fillRef>
-          <a:effectRef idx="0">
-            <a:schemeClr val="accent1"/>
-          </a:effectRef>
-          <a:fontRef idx="minor">
-            <a:schemeClr val="tx1"/>
-          </a:fontRef>
-        </p:style>
-      </p:cxnSp>
-      <p:cxnSp>
-        <p:nvCxnSpPr>
-          <p:cNvPr id="39" name="Straight Connector 38"/>
-          <p:cNvCxnSpPr>
-            <a:stCxn id="6" idx="3"/>
-          </p:cNvCxnSpPr>
-          <p:nvPr/>
-        </p:nvCxnSpPr>
-        <p:spPr>
-          <a:xfrm>
-            <a:off x="1403648" y="1547505"/>
-            <a:ext cx="993448" cy="1137048"/>
-          </a:xfrm>
-          <a:prstGeom prst="line">
-            <a:avLst/>
-          </a:prstGeom>
-          <a:ln w="25400">
-            <a:solidFill>
-              <a:schemeClr val="tx1">
-                <a:lumMod val="75000"/>
-                <a:lumOff val="25000"/>
-              </a:schemeClr>
-            </a:solidFill>
-            <a:prstDash val="sysDot"/>
-          </a:ln>
-        </p:spPr>
-        <p:style>
-          <a:lnRef idx="1">
-            <a:schemeClr val="accent1"/>
-          </a:lnRef>
-          <a:fillRef idx="0">
-            <a:schemeClr val="accent1"/>
-          </a:fillRef>
-          <a:effectRef idx="0">
-            <a:schemeClr val="accent1"/>
-          </a:effectRef>
-          <a:fontRef idx="minor">
-            <a:schemeClr val="tx1"/>
-          </a:fontRef>
-        </p:style>
-      </p:cxnSp>
-      <p:cxnSp>
-        <p:nvCxnSpPr>
-          <p:cNvPr id="41" name="Straight Connector 40"/>
-          <p:cNvCxnSpPr>
-            <a:stCxn id="12" idx="3"/>
-          </p:cNvCxnSpPr>
-          <p:nvPr/>
-        </p:nvCxnSpPr>
-        <p:spPr>
-          <a:xfrm>
-            <a:off x="1403648" y="2711262"/>
-            <a:ext cx="1044116" cy="54644"/>
-          </a:xfrm>
-          <a:prstGeom prst="line">
-            <a:avLst/>
-          </a:prstGeom>
-          <a:ln w="25400">
-            <a:solidFill>
-              <a:schemeClr val="tx1">
-                <a:lumMod val="75000"/>
-                <a:lumOff val="25000"/>
-              </a:schemeClr>
-            </a:solidFill>
-            <a:prstDash val="sysDot"/>
-          </a:ln>
-        </p:spPr>
-        <p:style>
-          <a:lnRef idx="1">
-            <a:schemeClr val="accent1"/>
-          </a:lnRef>
-          <a:fillRef idx="0">
-            <a:schemeClr val="accent1"/>
-          </a:fillRef>
-          <a:effectRef idx="0">
-            <a:schemeClr val="accent1"/>
-          </a:effectRef>
-          <a:fontRef idx="minor">
-            <a:schemeClr val="tx1"/>
-          </a:fontRef>
-        </p:style>
-      </p:cxnSp>
-      <p:cxnSp>
-        <p:nvCxnSpPr>
-          <p:cNvPr id="43" name="Straight Connector 42"/>
-          <p:cNvCxnSpPr>
-            <a:stCxn id="11" idx="3"/>
-          </p:cNvCxnSpPr>
-          <p:nvPr/>
-        </p:nvCxnSpPr>
-        <p:spPr>
-          <a:xfrm flipV="1">
-            <a:off x="1403648" y="2904405"/>
-            <a:ext cx="1044116" cy="970615"/>
-          </a:xfrm>
-          <a:prstGeom prst="line">
-            <a:avLst/>
-          </a:prstGeom>
-          <a:ln w="25400">
-            <a:solidFill>
-              <a:schemeClr val="tx1">
-                <a:lumMod val="75000"/>
-                <a:lumOff val="25000"/>
-              </a:schemeClr>
-            </a:solidFill>
-            <a:prstDash val="sysDot"/>
-          </a:ln>
-        </p:spPr>
-        <p:style>
-          <a:lnRef idx="1">
-            <a:schemeClr val="accent1"/>
-          </a:lnRef>
-          <a:fillRef idx="0">
-            <a:schemeClr val="accent1"/>
-          </a:fillRef>
-          <a:effectRef idx="0">
-            <a:schemeClr val="accent1"/>
-          </a:effectRef>
-          <a:fontRef idx="minor">
-            <a:schemeClr val="tx1"/>
-          </a:fontRef>
-        </p:style>
-      </p:cxnSp>
-      <p:sp>
-        <p:nvSpPr>
-          <p:cNvPr id="17" name="Title 16"/>
-          <p:cNvSpPr>
-            <a:spLocks noGrp="1"/>
-          </p:cNvSpPr>
-          <p:nvPr>
-            <p:ph type="title"/>
-          </p:nvPr>
-        </p:nvSpPr>
-        <p:spPr/>
-        <p:txBody>
-          <a:bodyPr/>
-          <a:lstStyle/>
-          <a:p>
-            <a:r>
-              <a:rPr lang="en-US" altLang="ko-KR" dirty="0" err="1">
-                <a:solidFill>
-                  <a:schemeClr val="accent5"/>
-                </a:solidFill>
-              </a:rPr>
-              <a:t>Entrelazando</a:t>
-            </a:r>
-            <a:r>
-              <a:rPr lang="en-US" altLang="ko-KR" dirty="0"/>
-              <a:t> </a:t>
-            </a:r>
-            <a:r>
-              <a:rPr lang="en-US" altLang="ko-KR" dirty="0" err="1"/>
-              <a:t>Historias</a:t>
-            </a:r>
-            <a:endParaRPr lang="ko-KR" altLang="en-US" dirty="0"/>
-          </a:p>
-        </p:txBody>
-      </p:sp>
-      <p:pic>
-        <p:nvPicPr>
-          <p:cNvPr id="5" name="Picture 3" descr="D:\KBM-정애\014-Fullppt\PNG이미지\노트북2.png"/>
-          <p:cNvPicPr>
-            <a:picLocks noChangeAspect="1" noChangeArrowheads="1"/>
-          </p:cNvPicPr>
-          <p:nvPr/>
-        </p:nvPicPr>
-        <p:blipFill>
-          <a:blip r:embed="rId2" cstate="print">
-            <a:extLst>
-              <a:ext uri="{28A0092B-C50C-407E-A947-70E740481C1C}">
-                <a14:useLocalDpi xmlns:a14="http://schemas.microsoft.com/office/drawing/2010/main" val="0"/>
-              </a:ext>
-            </a:extLst>
-          </a:blip>
-          <a:srcRect/>
-          <a:stretch>
-            <a:fillRect/>
-          </a:stretch>
-        </p:blipFill>
-        <p:spPr bwMode="auto">
-          <a:xfrm>
-            <a:off x="1763512" y="2192920"/>
-            <a:ext cx="1267168" cy="1088439"/>
-          </a:xfrm>
-          <a:prstGeom prst="rect">
-            <a:avLst/>
-          </a:prstGeom>
-          <a:noFill/>
-          <a:extLst>
-            <a:ext uri="{909E8E84-426E-40DD-AFC4-6F175D3DCCD1}">
-              <a14:hiddenFill xmlns:a14="http://schemas.microsoft.com/office/drawing/2010/main">
-                <a:solidFill>
-                  <a:srgbClr val="FFFFFF"/>
-                </a:solidFill>
-              </a14:hiddenFill>
-            </a:ext>
-          </a:extLst>
-        </p:spPr>
-      </p:pic>
-      <p:sp>
-        <p:nvSpPr>
-          <p:cNvPr id="2" name="Rectangle 1"/>
-          <p:cNvSpPr/>
-          <p:nvPr/>
-        </p:nvSpPr>
-        <p:spPr>
-          <a:xfrm>
-            <a:off x="2051720" y="1151461"/>
-            <a:ext cx="792088" cy="792088"/>
-          </a:xfrm>
-          <a:prstGeom prst="rect">
-            <a:avLst/>
-          </a:prstGeom>
-          <a:noFill/>
-          <a:ln w="38100">
-            <a:solidFill>
-              <a:schemeClr val="accent2"/>
-            </a:solidFill>
-          </a:ln>
-        </p:spPr>
-        <p:style>
-          <a:lnRef idx="2">
-            <a:schemeClr val="accent1">
-              <a:shade val="50000"/>
-            </a:schemeClr>
-          </a:lnRef>
-          <a:fillRef idx="1">
-            <a:schemeClr val="accent1"/>
-          </a:fillRef>
-          <a:effectRef idx="0">
-            <a:schemeClr val="accent1"/>
-          </a:effectRef>
-          <a:fontRef idx="minor">
-            <a:schemeClr val="lt1"/>
-          </a:fontRef>
-        </p:style>
-        <p:txBody>
-          <a:bodyPr rot="0" spcFirstLastPara="0" vertOverflow="overflow" horzOverflow="overflow" vert="horz" wrap="square" lIns="91440" tIns="45720" rIns="91440" bIns="45720" numCol="1" spcCol="0" rtlCol="0" fromWordArt="0" anchor="ctr" anchorCtr="0" forceAA="0" compatLnSpc="1">
-            <a:prstTxWarp prst="textNoShape">
-              <a:avLst/>
-            </a:prstTxWarp>
-            <a:noAutofit/>
-          </a:bodyPr>
-          <a:lstStyle/>
-          <a:p>
-            <a:pPr algn="ctr"/>
-            <a:endParaRPr lang="ko-KR" altLang="en-US" dirty="0"/>
-          </a:p>
-        </p:txBody>
-      </p:sp>
-      <p:sp>
-        <p:nvSpPr>
-          <p:cNvPr id="6" name="Rectangle 5"/>
-          <p:cNvSpPr/>
-          <p:nvPr/>
-        </p:nvSpPr>
-        <p:spPr>
-          <a:xfrm>
-            <a:off x="611560" y="1151461"/>
-            <a:ext cx="792088" cy="792088"/>
-          </a:xfrm>
-          <a:prstGeom prst="rect">
-            <a:avLst/>
-          </a:prstGeom>
-          <a:noFill/>
-          <a:ln w="38100">
-            <a:solidFill>
-              <a:schemeClr val="accent5"/>
-            </a:solidFill>
-          </a:ln>
-        </p:spPr>
-        <p:style>
-          <a:lnRef idx="2">
-            <a:schemeClr val="accent1">
-              <a:shade val="50000"/>
-            </a:schemeClr>
-          </a:lnRef>
-          <a:fillRef idx="1">
-            <a:schemeClr val="accent1"/>
-          </a:fillRef>
-          <a:effectRef idx="0">
-            <a:schemeClr val="accent1"/>
-          </a:effectRef>
-          <a:fontRef idx="minor">
-            <a:schemeClr val="lt1"/>
-          </a:fontRef>
-        </p:style>
-        <p:txBody>
-          <a:bodyPr rot="0" spcFirstLastPara="0" vertOverflow="overflow" horzOverflow="overflow" vert="horz" wrap="square" lIns="91440" tIns="45720" rIns="91440" bIns="45720" numCol="1" spcCol="0" rtlCol="0" fromWordArt="0" anchor="ctr" anchorCtr="0" forceAA="0" compatLnSpc="1">
-            <a:prstTxWarp prst="textNoShape">
-              <a:avLst/>
-            </a:prstTxWarp>
-            <a:noAutofit/>
-          </a:bodyPr>
-          <a:lstStyle/>
-          <a:p>
-            <a:pPr algn="ctr"/>
-            <a:endParaRPr lang="ko-KR" altLang="en-US" dirty="0"/>
-          </a:p>
-        </p:txBody>
-      </p:sp>
-      <p:sp>
-        <p:nvSpPr>
-          <p:cNvPr id="7" name="Rectangle 6"/>
-          <p:cNvSpPr/>
-          <p:nvPr/>
-        </p:nvSpPr>
-        <p:spPr>
-          <a:xfrm>
-            <a:off x="3491880" y="1151461"/>
-            <a:ext cx="792088" cy="792088"/>
-          </a:xfrm>
-          <a:prstGeom prst="rect">
-            <a:avLst/>
-          </a:prstGeom>
-          <a:noFill/>
-          <a:ln w="38100">
-            <a:solidFill>
-              <a:schemeClr val="accent3"/>
-            </a:solidFill>
-          </a:ln>
-        </p:spPr>
-        <p:style>
-          <a:lnRef idx="2">
-            <a:schemeClr val="accent1">
-              <a:shade val="50000"/>
-            </a:schemeClr>
-          </a:lnRef>
-          <a:fillRef idx="1">
-            <a:schemeClr val="accent1"/>
-          </a:fillRef>
-          <a:effectRef idx="0">
-            <a:schemeClr val="accent1"/>
-          </a:effectRef>
-          <a:fontRef idx="minor">
-            <a:schemeClr val="lt1"/>
-          </a:fontRef>
-        </p:style>
-        <p:txBody>
-          <a:bodyPr rot="0" spcFirstLastPara="0" vertOverflow="overflow" horzOverflow="overflow" vert="horz" wrap="square" lIns="91440" tIns="45720" rIns="91440" bIns="45720" numCol="1" spcCol="0" rtlCol="0" fromWordArt="0" anchor="ctr" anchorCtr="0" forceAA="0" compatLnSpc="1">
-            <a:prstTxWarp prst="textNoShape">
-              <a:avLst/>
-            </a:prstTxWarp>
-            <a:noAutofit/>
-          </a:bodyPr>
-          <a:lstStyle/>
-          <a:p>
-            <a:pPr algn="ctr"/>
-            <a:endParaRPr lang="ko-KR" altLang="en-US" dirty="0"/>
-          </a:p>
-        </p:txBody>
-      </p:sp>
-      <p:sp>
-        <p:nvSpPr>
-          <p:cNvPr id="8" name="Rectangle 7"/>
-          <p:cNvSpPr/>
-          <p:nvPr/>
-        </p:nvSpPr>
-        <p:spPr>
-          <a:xfrm>
-            <a:off x="3491880" y="2315218"/>
-            <a:ext cx="792088" cy="792088"/>
-          </a:xfrm>
-          <a:prstGeom prst="rect">
-            <a:avLst/>
-          </a:prstGeom>
-          <a:noFill/>
-          <a:ln w="38100">
-            <a:solidFill>
-              <a:schemeClr val="accent4"/>
-            </a:solidFill>
-          </a:ln>
-        </p:spPr>
-        <p:style>
-          <a:lnRef idx="2">
-            <a:schemeClr val="accent1">
-              <a:shade val="50000"/>
-            </a:schemeClr>
-          </a:lnRef>
-          <a:fillRef idx="1">
-            <a:schemeClr val="accent1"/>
-          </a:fillRef>
-          <a:effectRef idx="0">
-            <a:schemeClr val="accent1"/>
-          </a:effectRef>
-          <a:fontRef idx="minor">
-            <a:schemeClr val="lt1"/>
-          </a:fontRef>
-        </p:style>
-        <p:txBody>
-          <a:bodyPr rot="0" spcFirstLastPara="0" vertOverflow="overflow" horzOverflow="overflow" vert="horz" wrap="square" lIns="91440" tIns="45720" rIns="91440" bIns="45720" numCol="1" spcCol="0" rtlCol="0" fromWordArt="0" anchor="ctr" anchorCtr="0" forceAA="0" compatLnSpc="1">
-            <a:prstTxWarp prst="textNoShape">
-              <a:avLst/>
-            </a:prstTxWarp>
-            <a:noAutofit/>
-          </a:bodyPr>
-          <a:lstStyle/>
-          <a:p>
-            <a:pPr algn="ctr"/>
-            <a:endParaRPr lang="ko-KR" altLang="en-US" dirty="0"/>
-          </a:p>
-        </p:txBody>
-      </p:sp>
-      <p:sp>
-        <p:nvSpPr>
-          <p:cNvPr id="9" name="Rectangle 8"/>
-          <p:cNvSpPr/>
-          <p:nvPr/>
-        </p:nvSpPr>
-        <p:spPr>
-          <a:xfrm>
-            <a:off x="3491880" y="3478976"/>
-            <a:ext cx="792088" cy="792088"/>
-          </a:xfrm>
-          <a:prstGeom prst="rect">
-            <a:avLst/>
-          </a:prstGeom>
-          <a:noFill/>
-          <a:ln w="38100">
-            <a:solidFill>
-              <a:schemeClr val="accent5"/>
-            </a:solidFill>
-          </a:ln>
-        </p:spPr>
-        <p:style>
-          <a:lnRef idx="2">
-            <a:schemeClr val="accent1">
-              <a:shade val="50000"/>
-            </a:schemeClr>
-          </a:lnRef>
-          <a:fillRef idx="1">
-            <a:schemeClr val="accent1"/>
-          </a:fillRef>
-          <a:effectRef idx="0">
-            <a:schemeClr val="accent1"/>
-          </a:effectRef>
-          <a:fontRef idx="minor">
-            <a:schemeClr val="lt1"/>
-          </a:fontRef>
-        </p:style>
-        <p:txBody>
-          <a:bodyPr rot="0" spcFirstLastPara="0" vertOverflow="overflow" horzOverflow="overflow" vert="horz" wrap="square" lIns="91440" tIns="45720" rIns="91440" bIns="45720" numCol="1" spcCol="0" rtlCol="0" fromWordArt="0" anchor="ctr" anchorCtr="0" forceAA="0" compatLnSpc="1">
-            <a:prstTxWarp prst="textNoShape">
-              <a:avLst/>
-            </a:prstTxWarp>
-            <a:noAutofit/>
-          </a:bodyPr>
-          <a:lstStyle/>
-          <a:p>
-            <a:pPr algn="ctr"/>
-            <a:endParaRPr lang="ko-KR" altLang="en-US" dirty="0"/>
-          </a:p>
-        </p:txBody>
-      </p:sp>
-      <p:sp>
-        <p:nvSpPr>
-          <p:cNvPr id="10" name="Rectangle 9"/>
-          <p:cNvSpPr/>
-          <p:nvPr/>
-        </p:nvSpPr>
-        <p:spPr>
-          <a:xfrm>
-            <a:off x="2051720" y="3478976"/>
-            <a:ext cx="792088" cy="792088"/>
-          </a:xfrm>
-          <a:prstGeom prst="rect">
-            <a:avLst/>
-          </a:prstGeom>
-          <a:noFill/>
-          <a:ln w="38100">
-            <a:solidFill>
-              <a:schemeClr val="accent2"/>
-            </a:solidFill>
-          </a:ln>
-        </p:spPr>
-        <p:style>
-          <a:lnRef idx="2">
-            <a:schemeClr val="accent1">
-              <a:shade val="50000"/>
-            </a:schemeClr>
-          </a:lnRef>
-          <a:fillRef idx="1">
-            <a:schemeClr val="accent1"/>
-          </a:fillRef>
-          <a:effectRef idx="0">
-            <a:schemeClr val="accent1"/>
-          </a:effectRef>
-          <a:fontRef idx="minor">
-            <a:schemeClr val="lt1"/>
-          </a:fontRef>
-        </p:style>
-        <p:txBody>
-          <a:bodyPr rot="0" spcFirstLastPara="0" vertOverflow="overflow" horzOverflow="overflow" vert="horz" wrap="square" lIns="91440" tIns="45720" rIns="91440" bIns="45720" numCol="1" spcCol="0" rtlCol="0" fromWordArt="0" anchor="ctr" anchorCtr="0" forceAA="0" compatLnSpc="1">
-            <a:prstTxWarp prst="textNoShape">
-              <a:avLst/>
-            </a:prstTxWarp>
-            <a:noAutofit/>
-          </a:bodyPr>
-          <a:lstStyle/>
-          <a:p>
-            <a:pPr algn="ctr"/>
-            <a:endParaRPr lang="ko-KR" altLang="en-US" dirty="0"/>
-          </a:p>
-        </p:txBody>
-      </p:sp>
-      <p:sp>
-        <p:nvSpPr>
-          <p:cNvPr id="11" name="Rectangle 10"/>
-          <p:cNvSpPr/>
-          <p:nvPr/>
-        </p:nvSpPr>
-        <p:spPr>
-          <a:xfrm>
-            <a:off x="611560" y="3478976"/>
-            <a:ext cx="792088" cy="792088"/>
-          </a:xfrm>
-          <a:prstGeom prst="rect">
-            <a:avLst/>
-          </a:prstGeom>
-          <a:noFill/>
-          <a:ln w="38100">
-            <a:solidFill>
-              <a:schemeClr val="accent3"/>
-            </a:solidFill>
-          </a:ln>
-        </p:spPr>
-        <p:style>
-          <a:lnRef idx="2">
-            <a:schemeClr val="accent1">
-              <a:shade val="50000"/>
-            </a:schemeClr>
-          </a:lnRef>
-          <a:fillRef idx="1">
-            <a:schemeClr val="accent1"/>
-          </a:fillRef>
-          <a:effectRef idx="0">
-            <a:schemeClr val="accent1"/>
-          </a:effectRef>
-          <a:fontRef idx="minor">
-            <a:schemeClr val="lt1"/>
-          </a:fontRef>
-        </p:style>
-        <p:txBody>
-          <a:bodyPr rot="0" spcFirstLastPara="0" vertOverflow="overflow" horzOverflow="overflow" vert="horz" wrap="square" lIns="91440" tIns="45720" rIns="91440" bIns="45720" numCol="1" spcCol="0" rtlCol="0" fromWordArt="0" anchor="ctr" anchorCtr="0" forceAA="0" compatLnSpc="1">
-            <a:prstTxWarp prst="textNoShape">
-              <a:avLst/>
-            </a:prstTxWarp>
-            <a:noAutofit/>
-          </a:bodyPr>
-          <a:lstStyle/>
-          <a:p>
-            <a:pPr algn="ctr"/>
-            <a:endParaRPr lang="ko-KR" altLang="en-US" dirty="0"/>
-          </a:p>
-        </p:txBody>
-      </p:sp>
-      <p:sp>
-        <p:nvSpPr>
-          <p:cNvPr id="12" name="Rectangle 11"/>
-          <p:cNvSpPr/>
-          <p:nvPr/>
-        </p:nvSpPr>
-        <p:spPr>
-          <a:xfrm>
-            <a:off x="611560" y="2315218"/>
-            <a:ext cx="792088" cy="792088"/>
-          </a:xfrm>
-          <a:prstGeom prst="rect">
-            <a:avLst/>
-          </a:prstGeom>
-          <a:noFill/>
-          <a:ln w="38100">
-            <a:solidFill>
-              <a:schemeClr val="accent4"/>
-            </a:solidFill>
-          </a:ln>
-        </p:spPr>
-        <p:style>
-          <a:lnRef idx="2">
-            <a:schemeClr val="accent1">
-              <a:shade val="50000"/>
-            </a:schemeClr>
-          </a:lnRef>
-          <a:fillRef idx="1">
-            <a:schemeClr val="accent1"/>
-          </a:fillRef>
-          <a:effectRef idx="0">
-            <a:schemeClr val="accent1"/>
-          </a:effectRef>
-          <a:fontRef idx="minor">
-            <a:schemeClr val="lt1"/>
-          </a:fontRef>
-        </p:style>
-        <p:txBody>
-          <a:bodyPr rot="0" spcFirstLastPara="0" vertOverflow="overflow" horzOverflow="overflow" vert="horz" wrap="square" lIns="91440" tIns="45720" rIns="91440" bIns="45720" numCol="1" spcCol="0" rtlCol="0" fromWordArt="0" anchor="ctr" anchorCtr="0" forceAA="0" compatLnSpc="1">
-            <a:prstTxWarp prst="textNoShape">
-              <a:avLst/>
-            </a:prstTxWarp>
-            <a:noAutofit/>
-          </a:bodyPr>
-          <a:lstStyle/>
-          <a:p>
-            <a:pPr algn="ctr"/>
-            <a:endParaRPr lang="ko-KR" altLang="en-US" dirty="0"/>
-          </a:p>
-        </p:txBody>
-      </p:sp>
-      <p:grpSp>
-        <p:nvGrpSpPr>
-          <p:cNvPr id="26" name="Group 25"/>
-          <p:cNvGrpSpPr/>
-          <p:nvPr/>
-        </p:nvGrpSpPr>
-        <p:grpSpPr>
-          <a:xfrm>
-            <a:off x="5004047" y="1138875"/>
-            <a:ext cx="3744416" cy="516301"/>
-            <a:chOff x="7134294" y="864211"/>
-            <a:chExt cx="1559687" cy="516301"/>
-          </a:xfrm>
-        </p:grpSpPr>
-        <p:sp>
-          <p:nvSpPr>
-            <p:cNvPr id="27" name="TextBox 26"/>
-            <p:cNvSpPr txBox="1"/>
-            <p:nvPr/>
-          </p:nvSpPr>
-          <p:spPr>
-            <a:xfrm>
-              <a:off x="7134294" y="864211"/>
-              <a:ext cx="1439711" cy="307777"/>
-            </a:xfrm>
-            <a:prstGeom prst="rect">
-              <a:avLst/>
-            </a:prstGeom>
-            <a:noFill/>
-          </p:spPr>
-          <p:txBody>
-            <a:bodyPr wrap="square" rtlCol="0">
-              <a:spAutoFit/>
-            </a:bodyPr>
-            <a:lstStyle/>
-            <a:p>
-              <a:r>
-                <a:rPr lang="en-US" altLang="ko-KR" sz="1400" dirty="0" err="1">
-                  <a:solidFill>
-                    <a:schemeClr val="accent5"/>
-                  </a:solidFill>
-                  <a:cs typeface="Arial" pitchFamily="34" charset="0"/>
-                </a:rPr>
-                <a:t>Entonces</a:t>
-              </a:r>
-              <a:r>
-                <a:rPr lang="en-US" altLang="ko-KR" sz="1400" dirty="0">
-                  <a:solidFill>
-                    <a:schemeClr val="accent5"/>
-                  </a:solidFill>
-                  <a:cs typeface="Arial" pitchFamily="34" charset="0"/>
-                </a:rPr>
-                <a:t>…</a:t>
-              </a:r>
-              <a:endParaRPr lang="ko-KR" altLang="en-US" sz="1400" dirty="0">
-                <a:solidFill>
-                  <a:schemeClr val="accent5"/>
-                </a:solidFill>
-                <a:cs typeface="Arial" pitchFamily="34" charset="0"/>
-              </a:endParaRPr>
-            </a:p>
-          </p:txBody>
-        </p:sp>
-        <p:sp>
-          <p:nvSpPr>
-            <p:cNvPr id="28" name="TextBox 27"/>
-            <p:cNvSpPr txBox="1"/>
-            <p:nvPr/>
-          </p:nvSpPr>
-          <p:spPr>
-            <a:xfrm>
-              <a:off x="7164288" y="1103513"/>
-              <a:ext cx="1529693" cy="276999"/>
-            </a:xfrm>
-            <a:prstGeom prst="rect">
-              <a:avLst/>
-            </a:prstGeom>
-            <a:noFill/>
-          </p:spPr>
-          <p:txBody>
-            <a:bodyPr wrap="square" rtlCol="0">
-              <a:spAutoFit/>
-            </a:bodyPr>
-            <a:lstStyle/>
-            <a:p>
-              <a:r>
-                <a:rPr lang="es-MX" sz="1200" b="0" i="0" dirty="0">
-                  <a:solidFill>
-                    <a:srgbClr val="000000"/>
-                  </a:solidFill>
-                  <a:effectLst/>
-                  <a:latin typeface="Inter"/>
-                </a:rPr>
-                <a:t>Comenzamos a conectar las diferentes hojas de datos.</a:t>
-              </a:r>
-              <a:endParaRPr lang="en-US" altLang="ko-KR" sz="1200" dirty="0">
-                <a:solidFill>
-                  <a:schemeClr val="tx1">
-                    <a:lumMod val="75000"/>
-                    <a:lumOff val="25000"/>
-                  </a:schemeClr>
-                </a:solidFill>
-                <a:cs typeface="Arial" pitchFamily="34" charset="0"/>
-              </a:endParaRPr>
-            </a:p>
-          </p:txBody>
-        </p:sp>
-      </p:grpSp>
-      <p:grpSp>
-        <p:nvGrpSpPr>
-          <p:cNvPr id="29" name="Group 28"/>
-          <p:cNvGrpSpPr/>
-          <p:nvPr/>
-        </p:nvGrpSpPr>
-        <p:grpSpPr>
-          <a:xfrm>
-            <a:off x="5004047" y="3365245"/>
-            <a:ext cx="3456384" cy="892918"/>
-            <a:chOff x="7164288" y="856926"/>
-            <a:chExt cx="1439711" cy="892918"/>
-          </a:xfrm>
-        </p:grpSpPr>
-        <p:sp>
-          <p:nvSpPr>
-            <p:cNvPr id="30" name="TextBox 29"/>
-            <p:cNvSpPr txBox="1"/>
-            <p:nvPr/>
-          </p:nvSpPr>
-          <p:spPr>
-            <a:xfrm>
-              <a:off x="7164288" y="856926"/>
-              <a:ext cx="1439711" cy="307777"/>
-            </a:xfrm>
-            <a:prstGeom prst="rect">
-              <a:avLst/>
-            </a:prstGeom>
-            <a:noFill/>
-          </p:spPr>
-          <p:txBody>
-            <a:bodyPr wrap="square" rtlCol="0">
-              <a:spAutoFit/>
-            </a:bodyPr>
-            <a:lstStyle/>
-            <a:p>
-              <a:r>
-                <a:rPr lang="en-US" altLang="ko-KR" sz="1400" dirty="0">
-                  <a:solidFill>
-                    <a:schemeClr val="accent2"/>
-                  </a:solidFill>
-                  <a:cs typeface="Arial" pitchFamily="34" charset="0"/>
-                </a:rPr>
-                <a:t>3</a:t>
-              </a:r>
-              <a:endParaRPr lang="ko-KR" altLang="en-US" sz="1400" dirty="0">
-                <a:solidFill>
-                  <a:schemeClr val="accent2"/>
-                </a:solidFill>
-                <a:cs typeface="Arial" pitchFamily="34" charset="0"/>
-              </a:endParaRPr>
-            </a:p>
-          </p:txBody>
-        </p:sp>
-        <p:sp>
-          <p:nvSpPr>
-            <p:cNvPr id="31" name="TextBox 30"/>
-            <p:cNvSpPr txBox="1"/>
-            <p:nvPr/>
-          </p:nvSpPr>
-          <p:spPr>
-            <a:xfrm>
-              <a:off x="7164288" y="1103513"/>
-              <a:ext cx="1439711" cy="646331"/>
-            </a:xfrm>
-            <a:prstGeom prst="rect">
-              <a:avLst/>
-            </a:prstGeom>
-            <a:noFill/>
-          </p:spPr>
-          <p:txBody>
-            <a:bodyPr wrap="square" rtlCol="0">
-              <a:spAutoFit/>
-            </a:bodyPr>
-            <a:lstStyle/>
-            <a:p>
-              <a:pPr algn="l"/>
-              <a:r>
-                <a:rPr lang="es-MX" sz="1200" b="0" i="0" dirty="0">
-                  <a:solidFill>
-                    <a:srgbClr val="000000"/>
-                  </a:solidFill>
-                  <a:effectLst/>
-                  <a:latin typeface="Inter"/>
-                </a:rPr>
-                <a:t>¿Hay datos demográficos o regiones de clientes específicos que son más propensos a los incumplimientos de préstamos?</a:t>
-              </a:r>
-            </a:p>
-          </p:txBody>
-        </p:sp>
-      </p:grpSp>
-      <p:grpSp>
-        <p:nvGrpSpPr>
-          <p:cNvPr id="32" name="Group 31"/>
-          <p:cNvGrpSpPr/>
-          <p:nvPr/>
-        </p:nvGrpSpPr>
-        <p:grpSpPr>
-          <a:xfrm>
-            <a:off x="5004046" y="1675692"/>
-            <a:ext cx="3456384" cy="708252"/>
-            <a:chOff x="7164288" y="856926"/>
-            <a:chExt cx="1439711" cy="708252"/>
-          </a:xfrm>
-        </p:grpSpPr>
-        <p:sp>
-          <p:nvSpPr>
-            <p:cNvPr id="33" name="TextBox 32"/>
-            <p:cNvSpPr txBox="1"/>
-            <p:nvPr/>
-          </p:nvSpPr>
-          <p:spPr>
-            <a:xfrm>
-              <a:off x="7164288" y="856926"/>
-              <a:ext cx="1439711" cy="307777"/>
-            </a:xfrm>
-            <a:prstGeom prst="rect">
-              <a:avLst/>
-            </a:prstGeom>
-            <a:noFill/>
-          </p:spPr>
-          <p:txBody>
-            <a:bodyPr wrap="square" rtlCol="0">
-              <a:spAutoFit/>
-            </a:bodyPr>
-            <a:lstStyle/>
-            <a:p>
-              <a:r>
-                <a:rPr lang="en-US" altLang="ko-KR" sz="1400" dirty="0">
-                  <a:solidFill>
-                    <a:schemeClr val="accent4"/>
-                  </a:solidFill>
-                  <a:cs typeface="Arial" pitchFamily="34" charset="0"/>
-                </a:rPr>
-                <a:t>1</a:t>
-              </a:r>
-              <a:endParaRPr lang="ko-KR" altLang="en-US" sz="1400" dirty="0">
-                <a:solidFill>
-                  <a:schemeClr val="accent4"/>
-                </a:solidFill>
-                <a:cs typeface="Arial" pitchFamily="34" charset="0"/>
-              </a:endParaRPr>
-            </a:p>
-          </p:txBody>
-        </p:sp>
-        <p:sp>
-          <p:nvSpPr>
-            <p:cNvPr id="34" name="TextBox 33"/>
-            <p:cNvSpPr txBox="1"/>
-            <p:nvPr/>
-          </p:nvSpPr>
-          <p:spPr>
-            <a:xfrm>
-              <a:off x="7164288" y="1103513"/>
-              <a:ext cx="1439711" cy="461665"/>
-            </a:xfrm>
-            <a:prstGeom prst="rect">
-              <a:avLst/>
-            </a:prstGeom>
-            <a:noFill/>
-          </p:spPr>
-          <p:txBody>
-            <a:bodyPr wrap="square" rtlCol="0">
-              <a:spAutoFit/>
-            </a:bodyPr>
-            <a:lstStyle/>
-            <a:p>
-              <a:pPr algn="l"/>
-              <a:r>
-                <a:rPr lang="es-MX" sz="1200" b="0" i="0" dirty="0">
-                  <a:solidFill>
-                    <a:srgbClr val="000000"/>
-                  </a:solidFill>
-                  <a:effectLst/>
-                  <a:latin typeface="Inter"/>
-                </a:rPr>
-                <a:t>¿Los clientes con tarjetas de crédito también tienden a solicitar préstamos?</a:t>
-              </a:r>
-            </a:p>
-          </p:txBody>
-        </p:sp>
-      </p:grpSp>
-      <p:grpSp>
-        <p:nvGrpSpPr>
-          <p:cNvPr id="35" name="Group 34"/>
-          <p:cNvGrpSpPr/>
-          <p:nvPr/>
-        </p:nvGrpSpPr>
-        <p:grpSpPr>
-          <a:xfrm>
-            <a:off x="5004047" y="2548087"/>
-            <a:ext cx="3456384" cy="892918"/>
-            <a:chOff x="7164288" y="856926"/>
-            <a:chExt cx="1439711" cy="892918"/>
-          </a:xfrm>
-        </p:grpSpPr>
-        <p:sp>
-          <p:nvSpPr>
-            <p:cNvPr id="36" name="TextBox 35"/>
-            <p:cNvSpPr txBox="1"/>
-            <p:nvPr/>
-          </p:nvSpPr>
-          <p:spPr>
-            <a:xfrm>
-              <a:off x="7164288" y="856926"/>
-              <a:ext cx="1439711" cy="307777"/>
-            </a:xfrm>
-            <a:prstGeom prst="rect">
-              <a:avLst/>
-            </a:prstGeom>
-            <a:noFill/>
-          </p:spPr>
-          <p:txBody>
-            <a:bodyPr wrap="square" rtlCol="0">
-              <a:spAutoFit/>
-            </a:bodyPr>
-            <a:lstStyle/>
-            <a:p>
-              <a:r>
-                <a:rPr lang="en-US" altLang="ko-KR" sz="1400" dirty="0">
-                  <a:solidFill>
-                    <a:schemeClr val="accent3"/>
-                  </a:solidFill>
-                  <a:cs typeface="Arial" pitchFamily="34" charset="0"/>
-                </a:rPr>
-                <a:t>2</a:t>
-              </a:r>
-              <a:endParaRPr lang="ko-KR" altLang="en-US" sz="1400" dirty="0">
-                <a:solidFill>
-                  <a:schemeClr val="accent3"/>
-                </a:solidFill>
-                <a:cs typeface="Arial" pitchFamily="34" charset="0"/>
-              </a:endParaRPr>
-            </a:p>
-          </p:txBody>
-        </p:sp>
-        <p:sp>
-          <p:nvSpPr>
-            <p:cNvPr id="37" name="TextBox 36"/>
-            <p:cNvSpPr txBox="1"/>
-            <p:nvPr/>
-          </p:nvSpPr>
-          <p:spPr>
-            <a:xfrm>
-              <a:off x="7164288" y="1103513"/>
-              <a:ext cx="1439711" cy="646331"/>
-            </a:xfrm>
-            <a:prstGeom prst="rect">
-              <a:avLst/>
-            </a:prstGeom>
-            <a:noFill/>
-          </p:spPr>
-          <p:txBody>
-            <a:bodyPr wrap="square" rtlCol="0">
-              <a:spAutoFit/>
-            </a:bodyPr>
-            <a:lstStyle/>
-            <a:p>
-              <a:pPr algn="l"/>
-              <a:r>
-                <a:rPr lang="es-MX" sz="1200" b="0" i="0" dirty="0">
-                  <a:solidFill>
-                    <a:srgbClr val="000000"/>
-                  </a:solidFill>
-                  <a:effectLst/>
-                  <a:latin typeface="Inter"/>
-                </a:rPr>
-                <a:t>¿Existe una correlación entre los hábitos de gasto con tarjeta de crédito y el comportamiento de pago de los préstamos?</a:t>
-              </a:r>
-            </a:p>
-          </p:txBody>
-        </p:sp>
-      </p:grpSp>
-      <p:sp>
-        <p:nvSpPr>
-          <p:cNvPr id="13" name="CuadroTexto 12">
-            <a:extLst>
-              <a:ext uri="{FF2B5EF4-FFF2-40B4-BE49-F238E27FC236}">
-                <a16:creationId xmlns:a16="http://schemas.microsoft.com/office/drawing/2014/main" id="{9F4D5A5F-B7EE-EB56-D541-65CD4706A721}"/>
-              </a:ext>
-            </a:extLst>
-          </p:cNvPr>
-          <p:cNvSpPr txBox="1"/>
-          <p:nvPr/>
-        </p:nvSpPr>
-        <p:spPr>
-          <a:xfrm>
-            <a:off x="735735" y="1378177"/>
-            <a:ext cx="543739" cy="369332"/>
-          </a:xfrm>
-          <a:prstGeom prst="rect">
-            <a:avLst/>
-          </a:prstGeom>
-          <a:noFill/>
-        </p:spPr>
-        <p:txBody>
-          <a:bodyPr wrap="none" rtlCol="0">
-            <a:spAutoFit/>
-          </a:bodyPr>
-          <a:lstStyle/>
-          <a:p>
-            <a:r>
-              <a:rPr lang="es-MX" dirty="0"/>
-              <a:t>CLI</a:t>
-            </a:r>
-            <a:endParaRPr lang="es-AR" dirty="0"/>
-          </a:p>
-        </p:txBody>
-      </p:sp>
-      <p:sp>
-        <p:nvSpPr>
-          <p:cNvPr id="14" name="CuadroTexto 13">
-            <a:extLst>
-              <a:ext uri="{FF2B5EF4-FFF2-40B4-BE49-F238E27FC236}">
-                <a16:creationId xmlns:a16="http://schemas.microsoft.com/office/drawing/2014/main" id="{81BB96D2-5332-253E-B7D3-1D285CBA8616}"/>
-              </a:ext>
-            </a:extLst>
-          </p:cNvPr>
-          <p:cNvSpPr txBox="1"/>
-          <p:nvPr/>
-        </p:nvSpPr>
-        <p:spPr>
-          <a:xfrm>
-            <a:off x="3616054" y="3706175"/>
-            <a:ext cx="543739" cy="369332"/>
-          </a:xfrm>
-          <a:prstGeom prst="rect">
-            <a:avLst/>
-          </a:prstGeom>
-          <a:noFill/>
-        </p:spPr>
-        <p:txBody>
-          <a:bodyPr wrap="none" rtlCol="0">
-            <a:spAutoFit/>
-          </a:bodyPr>
-          <a:lstStyle/>
-          <a:p>
-            <a:r>
-              <a:rPr lang="es-MX" dirty="0"/>
-              <a:t>CLI</a:t>
-            </a:r>
-            <a:endParaRPr lang="es-AR" dirty="0"/>
-          </a:p>
-        </p:txBody>
-      </p:sp>
-      <p:sp>
-        <p:nvSpPr>
-          <p:cNvPr id="15" name="CuadroTexto 14">
-            <a:extLst>
-              <a:ext uri="{FF2B5EF4-FFF2-40B4-BE49-F238E27FC236}">
-                <a16:creationId xmlns:a16="http://schemas.microsoft.com/office/drawing/2014/main" id="{32CFFAA4-B2C9-1349-DA5C-4A8F5D0CAE9A}"/>
-              </a:ext>
-            </a:extLst>
-          </p:cNvPr>
-          <p:cNvSpPr txBox="1"/>
-          <p:nvPr/>
-        </p:nvSpPr>
-        <p:spPr>
-          <a:xfrm>
-            <a:off x="699554" y="2571750"/>
-            <a:ext cx="492443" cy="369332"/>
-          </a:xfrm>
-          <a:prstGeom prst="rect">
-            <a:avLst/>
-          </a:prstGeom>
-          <a:noFill/>
-        </p:spPr>
-        <p:txBody>
-          <a:bodyPr wrap="none" rtlCol="0">
-            <a:spAutoFit/>
-          </a:bodyPr>
-          <a:lstStyle/>
-          <a:p>
-            <a:r>
-              <a:rPr lang="es-MX" dirty="0"/>
-              <a:t>TC</a:t>
-            </a:r>
-            <a:endParaRPr lang="es-AR" dirty="0"/>
-          </a:p>
-        </p:txBody>
-      </p:sp>
-      <p:sp>
-        <p:nvSpPr>
-          <p:cNvPr id="38" name="CuadroTexto 37">
-            <a:extLst>
-              <a:ext uri="{FF2B5EF4-FFF2-40B4-BE49-F238E27FC236}">
-                <a16:creationId xmlns:a16="http://schemas.microsoft.com/office/drawing/2014/main" id="{13CB72CF-6AE9-2C05-FA07-BAD8CDCA7D32}"/>
-              </a:ext>
-            </a:extLst>
-          </p:cNvPr>
-          <p:cNvSpPr txBox="1"/>
-          <p:nvPr/>
-        </p:nvSpPr>
-        <p:spPr>
-          <a:xfrm>
-            <a:off x="3584994" y="1361394"/>
-            <a:ext cx="518091" cy="369332"/>
-          </a:xfrm>
-          <a:prstGeom prst="rect">
-            <a:avLst/>
-          </a:prstGeom>
-          <a:noFill/>
-        </p:spPr>
-        <p:txBody>
-          <a:bodyPr wrap="none" rtlCol="0">
-            <a:spAutoFit/>
-          </a:bodyPr>
-          <a:lstStyle/>
-          <a:p>
-            <a:r>
-              <a:rPr lang="es-MX" dirty="0"/>
-              <a:t>PQ</a:t>
-            </a:r>
-            <a:endParaRPr lang="es-AR" dirty="0"/>
-          </a:p>
-        </p:txBody>
-      </p:sp>
-      <p:sp>
-        <p:nvSpPr>
-          <p:cNvPr id="40" name="CuadroTexto 39">
-            <a:extLst>
-              <a:ext uri="{FF2B5EF4-FFF2-40B4-BE49-F238E27FC236}">
-                <a16:creationId xmlns:a16="http://schemas.microsoft.com/office/drawing/2014/main" id="{50BEB62A-F08E-687D-9928-B8F9BE2C4E5C}"/>
-              </a:ext>
-            </a:extLst>
-          </p:cNvPr>
-          <p:cNvSpPr txBox="1"/>
-          <p:nvPr/>
-        </p:nvSpPr>
-        <p:spPr>
-          <a:xfrm>
-            <a:off x="704442" y="3706175"/>
-            <a:ext cx="518091" cy="369332"/>
-          </a:xfrm>
-          <a:prstGeom prst="rect">
-            <a:avLst/>
-          </a:prstGeom>
-          <a:noFill/>
-        </p:spPr>
-        <p:txBody>
-          <a:bodyPr wrap="none" rtlCol="0">
-            <a:spAutoFit/>
-          </a:bodyPr>
-          <a:lstStyle/>
-          <a:p>
-            <a:r>
-              <a:rPr lang="es-MX" dirty="0"/>
-              <a:t>PQ</a:t>
-            </a:r>
-            <a:endParaRPr lang="es-AR" dirty="0"/>
-          </a:p>
-        </p:txBody>
-      </p:sp>
-      <p:sp>
-        <p:nvSpPr>
-          <p:cNvPr id="42" name="CuadroTexto 41">
-            <a:extLst>
-              <a:ext uri="{FF2B5EF4-FFF2-40B4-BE49-F238E27FC236}">
-                <a16:creationId xmlns:a16="http://schemas.microsoft.com/office/drawing/2014/main" id="{494A20AB-B963-7B4A-C886-9A71B47F6EFF}"/>
-              </a:ext>
-            </a:extLst>
-          </p:cNvPr>
-          <p:cNvSpPr txBox="1"/>
-          <p:nvPr/>
-        </p:nvSpPr>
-        <p:spPr>
-          <a:xfrm>
-            <a:off x="3581725" y="2539484"/>
-            <a:ext cx="492443" cy="369332"/>
-          </a:xfrm>
-          <a:prstGeom prst="rect">
-            <a:avLst/>
-          </a:prstGeom>
-          <a:noFill/>
-        </p:spPr>
-        <p:txBody>
-          <a:bodyPr wrap="none" rtlCol="0">
-            <a:spAutoFit/>
-          </a:bodyPr>
-          <a:lstStyle/>
-          <a:p>
-            <a:r>
-              <a:rPr lang="es-MX" dirty="0"/>
-              <a:t>TC</a:t>
-            </a:r>
-            <a:endParaRPr lang="es-AR" dirty="0"/>
-          </a:p>
-        </p:txBody>
-      </p:sp>
-      <p:sp>
-        <p:nvSpPr>
-          <p:cNvPr id="46" name="CuadroTexto 45">
-            <a:extLst>
-              <a:ext uri="{FF2B5EF4-FFF2-40B4-BE49-F238E27FC236}">
-                <a16:creationId xmlns:a16="http://schemas.microsoft.com/office/drawing/2014/main" id="{8615BD60-9869-56C3-9CEB-834E6559A02F}"/>
-              </a:ext>
-            </a:extLst>
-          </p:cNvPr>
-          <p:cNvSpPr txBox="1"/>
-          <p:nvPr/>
-        </p:nvSpPr>
-        <p:spPr>
-          <a:xfrm>
-            <a:off x="1981571" y="1174830"/>
-            <a:ext cx="1046608" cy="769441"/>
-          </a:xfrm>
-          <a:prstGeom prst="rect">
-            <a:avLst/>
-          </a:prstGeom>
-          <a:noFill/>
-        </p:spPr>
-        <p:txBody>
-          <a:bodyPr wrap="square" rtlCol="0">
-            <a:spAutoFit/>
-          </a:bodyPr>
-          <a:lstStyle/>
-          <a:p>
-            <a:r>
-              <a:rPr lang="es-MX" sz="4400" dirty="0"/>
-              <a:t>📶</a:t>
-            </a:r>
-            <a:endParaRPr lang="es-AR" sz="4400" dirty="0"/>
-          </a:p>
-        </p:txBody>
-      </p:sp>
-      <p:sp>
-        <p:nvSpPr>
-          <p:cNvPr id="47" name="CuadroTexto 46">
-            <a:extLst>
-              <a:ext uri="{FF2B5EF4-FFF2-40B4-BE49-F238E27FC236}">
-                <a16:creationId xmlns:a16="http://schemas.microsoft.com/office/drawing/2014/main" id="{E540569D-C8DB-60B2-BEE1-1CB540B5BFA2}"/>
-              </a:ext>
-            </a:extLst>
-          </p:cNvPr>
-          <p:cNvSpPr txBox="1"/>
-          <p:nvPr/>
-        </p:nvSpPr>
-        <p:spPr>
-          <a:xfrm>
-            <a:off x="1966744" y="3488854"/>
-            <a:ext cx="1046608" cy="769441"/>
-          </a:xfrm>
-          <a:prstGeom prst="rect">
-            <a:avLst/>
-          </a:prstGeom>
-          <a:noFill/>
-        </p:spPr>
-        <p:txBody>
-          <a:bodyPr wrap="square" rtlCol="0">
-            <a:spAutoFit/>
-          </a:bodyPr>
-          <a:lstStyle/>
-          <a:p>
-            <a:r>
-              <a:rPr lang="es-MX" sz="4400" dirty="0"/>
-              <a:t>📶</a:t>
-            </a:r>
-            <a:endParaRPr lang="es-AR" sz="4400" dirty="0"/>
-          </a:p>
-        </p:txBody>
-      </p:sp>
-    </p:spTree>
-    <p:extLst>
-      <p:ext uri="{BB962C8B-B14F-4D97-AF65-F5344CB8AC3E}">
-        <p14:creationId xmlns:p14="http://schemas.microsoft.com/office/powerpoint/2010/main" val="1875296017"/>
       </p:ext>
     </p:extLst>
   </p:cSld>
@@ -16397,6 +15167,1511 @@
           <a:chExt cx="0" cy="0"/>
         </a:xfrm>
       </p:grpSpPr>
+      <p:cxnSp>
+        <p:nvCxnSpPr>
+          <p:cNvPr id="51" name="Straight Connector 50"/>
+          <p:cNvCxnSpPr>
+            <a:stCxn id="2" idx="2"/>
+          </p:cNvCxnSpPr>
+          <p:nvPr/>
+        </p:nvCxnSpPr>
+        <p:spPr>
+          <a:xfrm flipH="1">
+            <a:off x="2441164" y="1943549"/>
+            <a:ext cx="6600" cy="766268"/>
+          </a:xfrm>
+          <a:prstGeom prst="line">
+            <a:avLst/>
+          </a:prstGeom>
+          <a:ln w="25400">
+            <a:solidFill>
+              <a:schemeClr val="tx1">
+                <a:lumMod val="75000"/>
+                <a:lumOff val="25000"/>
+              </a:schemeClr>
+            </a:solidFill>
+            <a:prstDash val="sysDot"/>
+          </a:ln>
+        </p:spPr>
+        <p:style>
+          <a:lnRef idx="1">
+            <a:schemeClr val="accent1"/>
+          </a:lnRef>
+          <a:fillRef idx="0">
+            <a:schemeClr val="accent1"/>
+          </a:fillRef>
+          <a:effectRef idx="0">
+            <a:schemeClr val="accent1"/>
+          </a:effectRef>
+          <a:fontRef idx="minor">
+            <a:schemeClr val="tx1"/>
+          </a:fontRef>
+        </p:style>
+      </p:cxnSp>
+      <p:cxnSp>
+        <p:nvCxnSpPr>
+          <p:cNvPr id="54" name="Straight Connector 53"/>
+          <p:cNvCxnSpPr>
+            <a:endCxn id="10" idx="0"/>
+          </p:cNvCxnSpPr>
+          <p:nvPr/>
+        </p:nvCxnSpPr>
+        <p:spPr>
+          <a:xfrm>
+            <a:off x="2441164" y="2764461"/>
+            <a:ext cx="6600" cy="714515"/>
+          </a:xfrm>
+          <a:prstGeom prst="line">
+            <a:avLst/>
+          </a:prstGeom>
+          <a:ln w="25400">
+            <a:solidFill>
+              <a:schemeClr val="tx1">
+                <a:lumMod val="75000"/>
+                <a:lumOff val="25000"/>
+              </a:schemeClr>
+            </a:solidFill>
+            <a:prstDash val="sysDot"/>
+          </a:ln>
+        </p:spPr>
+        <p:style>
+          <a:lnRef idx="1">
+            <a:schemeClr val="accent1"/>
+          </a:lnRef>
+          <a:fillRef idx="0">
+            <a:schemeClr val="accent1"/>
+          </a:fillRef>
+          <a:effectRef idx="0">
+            <a:schemeClr val="accent1"/>
+          </a:effectRef>
+          <a:fontRef idx="minor">
+            <a:schemeClr val="tx1"/>
+          </a:fontRef>
+        </p:style>
+      </p:cxnSp>
+      <p:cxnSp>
+        <p:nvCxnSpPr>
+          <p:cNvPr id="48" name="Straight Connector 47"/>
+          <p:cNvCxnSpPr/>
+          <p:nvPr/>
+        </p:nvCxnSpPr>
+        <p:spPr>
+          <a:xfrm flipH="1">
+            <a:off x="2447764" y="1546060"/>
+            <a:ext cx="993448" cy="1137048"/>
+          </a:xfrm>
+          <a:prstGeom prst="line">
+            <a:avLst/>
+          </a:prstGeom>
+          <a:ln w="25400">
+            <a:solidFill>
+              <a:schemeClr val="tx1">
+                <a:lumMod val="75000"/>
+                <a:lumOff val="25000"/>
+              </a:schemeClr>
+            </a:solidFill>
+            <a:prstDash val="sysDot"/>
+          </a:ln>
+        </p:spPr>
+        <p:style>
+          <a:lnRef idx="1">
+            <a:schemeClr val="accent1"/>
+          </a:lnRef>
+          <a:fillRef idx="0">
+            <a:schemeClr val="accent1"/>
+          </a:fillRef>
+          <a:effectRef idx="0">
+            <a:schemeClr val="accent1"/>
+          </a:effectRef>
+          <a:fontRef idx="minor">
+            <a:schemeClr val="tx1"/>
+          </a:fontRef>
+        </p:style>
+      </p:cxnSp>
+      <p:cxnSp>
+        <p:nvCxnSpPr>
+          <p:cNvPr id="49" name="Straight Connector 48"/>
+          <p:cNvCxnSpPr/>
+          <p:nvPr/>
+        </p:nvCxnSpPr>
+        <p:spPr>
+          <a:xfrm flipH="1">
+            <a:off x="2447764" y="2709817"/>
+            <a:ext cx="1044116" cy="54644"/>
+          </a:xfrm>
+          <a:prstGeom prst="line">
+            <a:avLst/>
+          </a:prstGeom>
+          <a:ln w="25400">
+            <a:solidFill>
+              <a:schemeClr val="tx1">
+                <a:lumMod val="75000"/>
+                <a:lumOff val="25000"/>
+              </a:schemeClr>
+            </a:solidFill>
+            <a:prstDash val="sysDot"/>
+          </a:ln>
+        </p:spPr>
+        <p:style>
+          <a:lnRef idx="1">
+            <a:schemeClr val="accent1"/>
+          </a:lnRef>
+          <a:fillRef idx="0">
+            <a:schemeClr val="accent1"/>
+          </a:fillRef>
+          <a:effectRef idx="0">
+            <a:schemeClr val="accent1"/>
+          </a:effectRef>
+          <a:fontRef idx="minor">
+            <a:schemeClr val="tx1"/>
+          </a:fontRef>
+        </p:style>
+      </p:cxnSp>
+      <p:cxnSp>
+        <p:nvCxnSpPr>
+          <p:cNvPr id="50" name="Straight Connector 49"/>
+          <p:cNvCxnSpPr/>
+          <p:nvPr/>
+        </p:nvCxnSpPr>
+        <p:spPr>
+          <a:xfrm flipH="1" flipV="1">
+            <a:off x="2447764" y="2902960"/>
+            <a:ext cx="1044116" cy="970615"/>
+          </a:xfrm>
+          <a:prstGeom prst="line">
+            <a:avLst/>
+          </a:prstGeom>
+          <a:ln w="25400">
+            <a:solidFill>
+              <a:schemeClr val="tx1">
+                <a:lumMod val="75000"/>
+                <a:lumOff val="25000"/>
+              </a:schemeClr>
+            </a:solidFill>
+            <a:prstDash val="sysDot"/>
+          </a:ln>
+        </p:spPr>
+        <p:style>
+          <a:lnRef idx="1">
+            <a:schemeClr val="accent1"/>
+          </a:lnRef>
+          <a:fillRef idx="0">
+            <a:schemeClr val="accent1"/>
+          </a:fillRef>
+          <a:effectRef idx="0">
+            <a:schemeClr val="accent1"/>
+          </a:effectRef>
+          <a:fontRef idx="minor">
+            <a:schemeClr val="tx1"/>
+          </a:fontRef>
+        </p:style>
+      </p:cxnSp>
+      <p:cxnSp>
+        <p:nvCxnSpPr>
+          <p:cNvPr id="39" name="Straight Connector 38"/>
+          <p:cNvCxnSpPr>
+            <a:stCxn id="6" idx="3"/>
+          </p:cNvCxnSpPr>
+          <p:nvPr/>
+        </p:nvCxnSpPr>
+        <p:spPr>
+          <a:xfrm>
+            <a:off x="1403648" y="1547505"/>
+            <a:ext cx="993448" cy="1137048"/>
+          </a:xfrm>
+          <a:prstGeom prst="line">
+            <a:avLst/>
+          </a:prstGeom>
+          <a:ln w="25400">
+            <a:solidFill>
+              <a:schemeClr val="tx1">
+                <a:lumMod val="75000"/>
+                <a:lumOff val="25000"/>
+              </a:schemeClr>
+            </a:solidFill>
+            <a:prstDash val="sysDot"/>
+          </a:ln>
+        </p:spPr>
+        <p:style>
+          <a:lnRef idx="1">
+            <a:schemeClr val="accent1"/>
+          </a:lnRef>
+          <a:fillRef idx="0">
+            <a:schemeClr val="accent1"/>
+          </a:fillRef>
+          <a:effectRef idx="0">
+            <a:schemeClr val="accent1"/>
+          </a:effectRef>
+          <a:fontRef idx="minor">
+            <a:schemeClr val="tx1"/>
+          </a:fontRef>
+        </p:style>
+      </p:cxnSp>
+      <p:cxnSp>
+        <p:nvCxnSpPr>
+          <p:cNvPr id="41" name="Straight Connector 40"/>
+          <p:cNvCxnSpPr>
+            <a:stCxn id="12" idx="3"/>
+          </p:cNvCxnSpPr>
+          <p:nvPr/>
+        </p:nvCxnSpPr>
+        <p:spPr>
+          <a:xfrm>
+            <a:off x="1403648" y="2711262"/>
+            <a:ext cx="1044116" cy="54644"/>
+          </a:xfrm>
+          <a:prstGeom prst="line">
+            <a:avLst/>
+          </a:prstGeom>
+          <a:ln w="25400">
+            <a:solidFill>
+              <a:schemeClr val="tx1">
+                <a:lumMod val="75000"/>
+                <a:lumOff val="25000"/>
+              </a:schemeClr>
+            </a:solidFill>
+            <a:prstDash val="sysDot"/>
+          </a:ln>
+        </p:spPr>
+        <p:style>
+          <a:lnRef idx="1">
+            <a:schemeClr val="accent1"/>
+          </a:lnRef>
+          <a:fillRef idx="0">
+            <a:schemeClr val="accent1"/>
+          </a:fillRef>
+          <a:effectRef idx="0">
+            <a:schemeClr val="accent1"/>
+          </a:effectRef>
+          <a:fontRef idx="minor">
+            <a:schemeClr val="tx1"/>
+          </a:fontRef>
+        </p:style>
+      </p:cxnSp>
+      <p:cxnSp>
+        <p:nvCxnSpPr>
+          <p:cNvPr id="43" name="Straight Connector 42"/>
+          <p:cNvCxnSpPr>
+            <a:stCxn id="11" idx="3"/>
+          </p:cNvCxnSpPr>
+          <p:nvPr/>
+        </p:nvCxnSpPr>
+        <p:spPr>
+          <a:xfrm flipV="1">
+            <a:off x="1403648" y="2904405"/>
+            <a:ext cx="1044116" cy="970615"/>
+          </a:xfrm>
+          <a:prstGeom prst="line">
+            <a:avLst/>
+          </a:prstGeom>
+          <a:ln w="25400">
+            <a:solidFill>
+              <a:schemeClr val="tx1">
+                <a:lumMod val="75000"/>
+                <a:lumOff val="25000"/>
+              </a:schemeClr>
+            </a:solidFill>
+            <a:prstDash val="sysDot"/>
+          </a:ln>
+        </p:spPr>
+        <p:style>
+          <a:lnRef idx="1">
+            <a:schemeClr val="accent1"/>
+          </a:lnRef>
+          <a:fillRef idx="0">
+            <a:schemeClr val="accent1"/>
+          </a:fillRef>
+          <a:effectRef idx="0">
+            <a:schemeClr val="accent1"/>
+          </a:effectRef>
+          <a:fontRef idx="minor">
+            <a:schemeClr val="tx1"/>
+          </a:fontRef>
+        </p:style>
+      </p:cxnSp>
+      <p:sp>
+        <p:nvSpPr>
+          <p:cNvPr id="17" name="Title 16"/>
+          <p:cNvSpPr>
+            <a:spLocks noGrp="1"/>
+          </p:cNvSpPr>
+          <p:nvPr>
+            <p:ph type="title"/>
+          </p:nvPr>
+        </p:nvSpPr>
+        <p:spPr/>
+        <p:txBody>
+          <a:bodyPr/>
+          <a:lstStyle/>
+          <a:p>
+            <a:r>
+              <a:rPr lang="en-US" altLang="ko-KR" dirty="0" err="1">
+                <a:solidFill>
+                  <a:schemeClr val="accent5"/>
+                </a:solidFill>
+              </a:rPr>
+              <a:t>Entrelazando</a:t>
+            </a:r>
+            <a:r>
+              <a:rPr lang="en-US" altLang="ko-KR" dirty="0"/>
+              <a:t> </a:t>
+            </a:r>
+            <a:r>
+              <a:rPr lang="en-US" altLang="ko-KR" dirty="0" err="1"/>
+              <a:t>Historias</a:t>
+            </a:r>
+            <a:endParaRPr lang="ko-KR" altLang="en-US" dirty="0"/>
+          </a:p>
+        </p:txBody>
+      </p:sp>
+      <p:pic>
+        <p:nvPicPr>
+          <p:cNvPr id="5" name="Picture 3" descr="D:\KBM-정애\014-Fullppt\PNG이미지\노트북2.png"/>
+          <p:cNvPicPr>
+            <a:picLocks noChangeAspect="1" noChangeArrowheads="1"/>
+          </p:cNvPicPr>
+          <p:nvPr/>
+        </p:nvPicPr>
+        <p:blipFill>
+          <a:blip r:embed="rId2" cstate="print">
+            <a:extLst>
+              <a:ext uri="{28A0092B-C50C-407E-A947-70E740481C1C}">
+                <a14:useLocalDpi xmlns:a14="http://schemas.microsoft.com/office/drawing/2010/main" val="0"/>
+              </a:ext>
+            </a:extLst>
+          </a:blip>
+          <a:srcRect/>
+          <a:stretch>
+            <a:fillRect/>
+          </a:stretch>
+        </p:blipFill>
+        <p:spPr bwMode="auto">
+          <a:xfrm>
+            <a:off x="1763512" y="2192920"/>
+            <a:ext cx="1267168" cy="1088439"/>
+          </a:xfrm>
+          <a:prstGeom prst="rect">
+            <a:avLst/>
+          </a:prstGeom>
+          <a:noFill/>
+          <a:extLst>
+            <a:ext uri="{909E8E84-426E-40DD-AFC4-6F175D3DCCD1}">
+              <a14:hiddenFill xmlns:a14="http://schemas.microsoft.com/office/drawing/2010/main">
+                <a:solidFill>
+                  <a:srgbClr val="FFFFFF"/>
+                </a:solidFill>
+              </a14:hiddenFill>
+            </a:ext>
+          </a:extLst>
+        </p:spPr>
+      </p:pic>
+      <p:sp>
+        <p:nvSpPr>
+          <p:cNvPr id="2" name="Rectangle 1"/>
+          <p:cNvSpPr/>
+          <p:nvPr/>
+        </p:nvSpPr>
+        <p:spPr>
+          <a:xfrm>
+            <a:off x="2051720" y="1151461"/>
+            <a:ext cx="792088" cy="792088"/>
+          </a:xfrm>
+          <a:prstGeom prst="rect">
+            <a:avLst/>
+          </a:prstGeom>
+          <a:noFill/>
+          <a:ln w="38100">
+            <a:solidFill>
+              <a:schemeClr val="accent2"/>
+            </a:solidFill>
+          </a:ln>
+        </p:spPr>
+        <p:style>
+          <a:lnRef idx="2">
+            <a:schemeClr val="accent1">
+              <a:shade val="50000"/>
+            </a:schemeClr>
+          </a:lnRef>
+          <a:fillRef idx="1">
+            <a:schemeClr val="accent1"/>
+          </a:fillRef>
+          <a:effectRef idx="0">
+            <a:schemeClr val="accent1"/>
+          </a:effectRef>
+          <a:fontRef idx="minor">
+            <a:schemeClr val="lt1"/>
+          </a:fontRef>
+        </p:style>
+        <p:txBody>
+          <a:bodyPr rot="0" spcFirstLastPara="0" vertOverflow="overflow" horzOverflow="overflow" vert="horz" wrap="square" lIns="91440" tIns="45720" rIns="91440" bIns="45720" numCol="1" spcCol="0" rtlCol="0" fromWordArt="0" anchor="ctr" anchorCtr="0" forceAA="0" compatLnSpc="1">
+            <a:prstTxWarp prst="textNoShape">
+              <a:avLst/>
+            </a:prstTxWarp>
+            <a:noAutofit/>
+          </a:bodyPr>
+          <a:lstStyle/>
+          <a:p>
+            <a:pPr algn="ctr"/>
+            <a:endParaRPr lang="ko-KR" altLang="en-US" dirty="0"/>
+          </a:p>
+        </p:txBody>
+      </p:sp>
+      <p:sp>
+        <p:nvSpPr>
+          <p:cNvPr id="6" name="Rectangle 5"/>
+          <p:cNvSpPr/>
+          <p:nvPr/>
+        </p:nvSpPr>
+        <p:spPr>
+          <a:xfrm>
+            <a:off x="611560" y="1151461"/>
+            <a:ext cx="792088" cy="792088"/>
+          </a:xfrm>
+          <a:prstGeom prst="rect">
+            <a:avLst/>
+          </a:prstGeom>
+          <a:noFill/>
+          <a:ln w="38100">
+            <a:solidFill>
+              <a:schemeClr val="accent5"/>
+            </a:solidFill>
+          </a:ln>
+        </p:spPr>
+        <p:style>
+          <a:lnRef idx="2">
+            <a:schemeClr val="accent1">
+              <a:shade val="50000"/>
+            </a:schemeClr>
+          </a:lnRef>
+          <a:fillRef idx="1">
+            <a:schemeClr val="accent1"/>
+          </a:fillRef>
+          <a:effectRef idx="0">
+            <a:schemeClr val="accent1"/>
+          </a:effectRef>
+          <a:fontRef idx="minor">
+            <a:schemeClr val="lt1"/>
+          </a:fontRef>
+        </p:style>
+        <p:txBody>
+          <a:bodyPr rot="0" spcFirstLastPara="0" vertOverflow="overflow" horzOverflow="overflow" vert="horz" wrap="square" lIns="91440" tIns="45720" rIns="91440" bIns="45720" numCol="1" spcCol="0" rtlCol="0" fromWordArt="0" anchor="ctr" anchorCtr="0" forceAA="0" compatLnSpc="1">
+            <a:prstTxWarp prst="textNoShape">
+              <a:avLst/>
+            </a:prstTxWarp>
+            <a:noAutofit/>
+          </a:bodyPr>
+          <a:lstStyle/>
+          <a:p>
+            <a:pPr algn="ctr"/>
+            <a:endParaRPr lang="ko-KR" altLang="en-US" dirty="0"/>
+          </a:p>
+        </p:txBody>
+      </p:sp>
+      <p:sp>
+        <p:nvSpPr>
+          <p:cNvPr id="7" name="Rectangle 6"/>
+          <p:cNvSpPr/>
+          <p:nvPr/>
+        </p:nvSpPr>
+        <p:spPr>
+          <a:xfrm>
+            <a:off x="3491880" y="1151461"/>
+            <a:ext cx="792088" cy="792088"/>
+          </a:xfrm>
+          <a:prstGeom prst="rect">
+            <a:avLst/>
+          </a:prstGeom>
+          <a:noFill/>
+          <a:ln w="38100">
+            <a:solidFill>
+              <a:schemeClr val="accent3"/>
+            </a:solidFill>
+          </a:ln>
+        </p:spPr>
+        <p:style>
+          <a:lnRef idx="2">
+            <a:schemeClr val="accent1">
+              <a:shade val="50000"/>
+            </a:schemeClr>
+          </a:lnRef>
+          <a:fillRef idx="1">
+            <a:schemeClr val="accent1"/>
+          </a:fillRef>
+          <a:effectRef idx="0">
+            <a:schemeClr val="accent1"/>
+          </a:effectRef>
+          <a:fontRef idx="minor">
+            <a:schemeClr val="lt1"/>
+          </a:fontRef>
+        </p:style>
+        <p:txBody>
+          <a:bodyPr rot="0" spcFirstLastPara="0" vertOverflow="overflow" horzOverflow="overflow" vert="horz" wrap="square" lIns="91440" tIns="45720" rIns="91440" bIns="45720" numCol="1" spcCol="0" rtlCol="0" fromWordArt="0" anchor="ctr" anchorCtr="0" forceAA="0" compatLnSpc="1">
+            <a:prstTxWarp prst="textNoShape">
+              <a:avLst/>
+            </a:prstTxWarp>
+            <a:noAutofit/>
+          </a:bodyPr>
+          <a:lstStyle/>
+          <a:p>
+            <a:pPr algn="ctr"/>
+            <a:endParaRPr lang="ko-KR" altLang="en-US" dirty="0"/>
+          </a:p>
+        </p:txBody>
+      </p:sp>
+      <p:sp>
+        <p:nvSpPr>
+          <p:cNvPr id="8" name="Rectangle 7"/>
+          <p:cNvSpPr/>
+          <p:nvPr/>
+        </p:nvSpPr>
+        <p:spPr>
+          <a:xfrm>
+            <a:off x="3491880" y="2315218"/>
+            <a:ext cx="792088" cy="792088"/>
+          </a:xfrm>
+          <a:prstGeom prst="rect">
+            <a:avLst/>
+          </a:prstGeom>
+          <a:noFill/>
+          <a:ln w="38100">
+            <a:solidFill>
+              <a:schemeClr val="accent4"/>
+            </a:solidFill>
+          </a:ln>
+        </p:spPr>
+        <p:style>
+          <a:lnRef idx="2">
+            <a:schemeClr val="accent1">
+              <a:shade val="50000"/>
+            </a:schemeClr>
+          </a:lnRef>
+          <a:fillRef idx="1">
+            <a:schemeClr val="accent1"/>
+          </a:fillRef>
+          <a:effectRef idx="0">
+            <a:schemeClr val="accent1"/>
+          </a:effectRef>
+          <a:fontRef idx="minor">
+            <a:schemeClr val="lt1"/>
+          </a:fontRef>
+        </p:style>
+        <p:txBody>
+          <a:bodyPr rot="0" spcFirstLastPara="0" vertOverflow="overflow" horzOverflow="overflow" vert="horz" wrap="square" lIns="91440" tIns="45720" rIns="91440" bIns="45720" numCol="1" spcCol="0" rtlCol="0" fromWordArt="0" anchor="ctr" anchorCtr="0" forceAA="0" compatLnSpc="1">
+            <a:prstTxWarp prst="textNoShape">
+              <a:avLst/>
+            </a:prstTxWarp>
+            <a:noAutofit/>
+          </a:bodyPr>
+          <a:lstStyle/>
+          <a:p>
+            <a:pPr algn="ctr"/>
+            <a:endParaRPr lang="ko-KR" altLang="en-US" dirty="0"/>
+          </a:p>
+        </p:txBody>
+      </p:sp>
+      <p:sp>
+        <p:nvSpPr>
+          <p:cNvPr id="9" name="Rectangle 8"/>
+          <p:cNvSpPr/>
+          <p:nvPr/>
+        </p:nvSpPr>
+        <p:spPr>
+          <a:xfrm>
+            <a:off x="3491880" y="3478976"/>
+            <a:ext cx="792088" cy="792088"/>
+          </a:xfrm>
+          <a:prstGeom prst="rect">
+            <a:avLst/>
+          </a:prstGeom>
+          <a:noFill/>
+          <a:ln w="38100">
+            <a:solidFill>
+              <a:schemeClr val="accent5"/>
+            </a:solidFill>
+          </a:ln>
+        </p:spPr>
+        <p:style>
+          <a:lnRef idx="2">
+            <a:schemeClr val="accent1">
+              <a:shade val="50000"/>
+            </a:schemeClr>
+          </a:lnRef>
+          <a:fillRef idx="1">
+            <a:schemeClr val="accent1"/>
+          </a:fillRef>
+          <a:effectRef idx="0">
+            <a:schemeClr val="accent1"/>
+          </a:effectRef>
+          <a:fontRef idx="minor">
+            <a:schemeClr val="lt1"/>
+          </a:fontRef>
+        </p:style>
+        <p:txBody>
+          <a:bodyPr rot="0" spcFirstLastPara="0" vertOverflow="overflow" horzOverflow="overflow" vert="horz" wrap="square" lIns="91440" tIns="45720" rIns="91440" bIns="45720" numCol="1" spcCol="0" rtlCol="0" fromWordArt="0" anchor="ctr" anchorCtr="0" forceAA="0" compatLnSpc="1">
+            <a:prstTxWarp prst="textNoShape">
+              <a:avLst/>
+            </a:prstTxWarp>
+            <a:noAutofit/>
+          </a:bodyPr>
+          <a:lstStyle/>
+          <a:p>
+            <a:pPr algn="ctr"/>
+            <a:endParaRPr lang="ko-KR" altLang="en-US" dirty="0"/>
+          </a:p>
+        </p:txBody>
+      </p:sp>
+      <p:sp>
+        <p:nvSpPr>
+          <p:cNvPr id="10" name="Rectangle 9"/>
+          <p:cNvSpPr/>
+          <p:nvPr/>
+        </p:nvSpPr>
+        <p:spPr>
+          <a:xfrm>
+            <a:off x="2051720" y="3478976"/>
+            <a:ext cx="792088" cy="792088"/>
+          </a:xfrm>
+          <a:prstGeom prst="rect">
+            <a:avLst/>
+          </a:prstGeom>
+          <a:noFill/>
+          <a:ln w="38100">
+            <a:solidFill>
+              <a:schemeClr val="accent2"/>
+            </a:solidFill>
+          </a:ln>
+        </p:spPr>
+        <p:style>
+          <a:lnRef idx="2">
+            <a:schemeClr val="accent1">
+              <a:shade val="50000"/>
+            </a:schemeClr>
+          </a:lnRef>
+          <a:fillRef idx="1">
+            <a:schemeClr val="accent1"/>
+          </a:fillRef>
+          <a:effectRef idx="0">
+            <a:schemeClr val="accent1"/>
+          </a:effectRef>
+          <a:fontRef idx="minor">
+            <a:schemeClr val="lt1"/>
+          </a:fontRef>
+        </p:style>
+        <p:txBody>
+          <a:bodyPr rot="0" spcFirstLastPara="0" vertOverflow="overflow" horzOverflow="overflow" vert="horz" wrap="square" lIns="91440" tIns="45720" rIns="91440" bIns="45720" numCol="1" spcCol="0" rtlCol="0" fromWordArt="0" anchor="ctr" anchorCtr="0" forceAA="0" compatLnSpc="1">
+            <a:prstTxWarp prst="textNoShape">
+              <a:avLst/>
+            </a:prstTxWarp>
+            <a:noAutofit/>
+          </a:bodyPr>
+          <a:lstStyle/>
+          <a:p>
+            <a:pPr algn="ctr"/>
+            <a:endParaRPr lang="ko-KR" altLang="en-US" dirty="0"/>
+          </a:p>
+        </p:txBody>
+      </p:sp>
+      <p:sp>
+        <p:nvSpPr>
+          <p:cNvPr id="11" name="Rectangle 10"/>
+          <p:cNvSpPr/>
+          <p:nvPr/>
+        </p:nvSpPr>
+        <p:spPr>
+          <a:xfrm>
+            <a:off x="611560" y="3478976"/>
+            <a:ext cx="792088" cy="792088"/>
+          </a:xfrm>
+          <a:prstGeom prst="rect">
+            <a:avLst/>
+          </a:prstGeom>
+          <a:noFill/>
+          <a:ln w="38100">
+            <a:solidFill>
+              <a:schemeClr val="accent3"/>
+            </a:solidFill>
+          </a:ln>
+        </p:spPr>
+        <p:style>
+          <a:lnRef idx="2">
+            <a:schemeClr val="accent1">
+              <a:shade val="50000"/>
+            </a:schemeClr>
+          </a:lnRef>
+          <a:fillRef idx="1">
+            <a:schemeClr val="accent1"/>
+          </a:fillRef>
+          <a:effectRef idx="0">
+            <a:schemeClr val="accent1"/>
+          </a:effectRef>
+          <a:fontRef idx="minor">
+            <a:schemeClr val="lt1"/>
+          </a:fontRef>
+        </p:style>
+        <p:txBody>
+          <a:bodyPr rot="0" spcFirstLastPara="0" vertOverflow="overflow" horzOverflow="overflow" vert="horz" wrap="square" lIns="91440" tIns="45720" rIns="91440" bIns="45720" numCol="1" spcCol="0" rtlCol="0" fromWordArt="0" anchor="ctr" anchorCtr="0" forceAA="0" compatLnSpc="1">
+            <a:prstTxWarp prst="textNoShape">
+              <a:avLst/>
+            </a:prstTxWarp>
+            <a:noAutofit/>
+          </a:bodyPr>
+          <a:lstStyle/>
+          <a:p>
+            <a:pPr algn="ctr"/>
+            <a:endParaRPr lang="ko-KR" altLang="en-US" dirty="0"/>
+          </a:p>
+        </p:txBody>
+      </p:sp>
+      <p:sp>
+        <p:nvSpPr>
+          <p:cNvPr id="12" name="Rectangle 11"/>
+          <p:cNvSpPr/>
+          <p:nvPr/>
+        </p:nvSpPr>
+        <p:spPr>
+          <a:xfrm>
+            <a:off x="611560" y="2315218"/>
+            <a:ext cx="792088" cy="792088"/>
+          </a:xfrm>
+          <a:prstGeom prst="rect">
+            <a:avLst/>
+          </a:prstGeom>
+          <a:noFill/>
+          <a:ln w="38100">
+            <a:solidFill>
+              <a:schemeClr val="accent4"/>
+            </a:solidFill>
+          </a:ln>
+        </p:spPr>
+        <p:style>
+          <a:lnRef idx="2">
+            <a:schemeClr val="accent1">
+              <a:shade val="50000"/>
+            </a:schemeClr>
+          </a:lnRef>
+          <a:fillRef idx="1">
+            <a:schemeClr val="accent1"/>
+          </a:fillRef>
+          <a:effectRef idx="0">
+            <a:schemeClr val="accent1"/>
+          </a:effectRef>
+          <a:fontRef idx="minor">
+            <a:schemeClr val="lt1"/>
+          </a:fontRef>
+        </p:style>
+        <p:txBody>
+          <a:bodyPr rot="0" spcFirstLastPara="0" vertOverflow="overflow" horzOverflow="overflow" vert="horz" wrap="square" lIns="91440" tIns="45720" rIns="91440" bIns="45720" numCol="1" spcCol="0" rtlCol="0" fromWordArt="0" anchor="ctr" anchorCtr="0" forceAA="0" compatLnSpc="1">
+            <a:prstTxWarp prst="textNoShape">
+              <a:avLst/>
+            </a:prstTxWarp>
+            <a:noAutofit/>
+          </a:bodyPr>
+          <a:lstStyle/>
+          <a:p>
+            <a:pPr algn="ctr"/>
+            <a:endParaRPr lang="ko-KR" altLang="en-US" dirty="0"/>
+          </a:p>
+        </p:txBody>
+      </p:sp>
+      <p:grpSp>
+        <p:nvGrpSpPr>
+          <p:cNvPr id="26" name="Group 25"/>
+          <p:cNvGrpSpPr/>
+          <p:nvPr/>
+        </p:nvGrpSpPr>
+        <p:grpSpPr>
+          <a:xfrm>
+            <a:off x="5004047" y="1138875"/>
+            <a:ext cx="3744416" cy="516301"/>
+            <a:chOff x="7134294" y="864211"/>
+            <a:chExt cx="1559687" cy="516301"/>
+          </a:xfrm>
+        </p:grpSpPr>
+        <p:sp>
+          <p:nvSpPr>
+            <p:cNvPr id="27" name="TextBox 26"/>
+            <p:cNvSpPr txBox="1"/>
+            <p:nvPr/>
+          </p:nvSpPr>
+          <p:spPr>
+            <a:xfrm>
+              <a:off x="7134294" y="864211"/>
+              <a:ext cx="1439711" cy="307777"/>
+            </a:xfrm>
+            <a:prstGeom prst="rect">
+              <a:avLst/>
+            </a:prstGeom>
+            <a:noFill/>
+          </p:spPr>
+          <p:txBody>
+            <a:bodyPr wrap="square" rtlCol="0">
+              <a:spAutoFit/>
+            </a:bodyPr>
+            <a:lstStyle/>
+            <a:p>
+              <a:r>
+                <a:rPr lang="en-US" altLang="ko-KR" sz="1400" dirty="0" err="1">
+                  <a:solidFill>
+                    <a:schemeClr val="accent5"/>
+                  </a:solidFill>
+                  <a:cs typeface="Arial" pitchFamily="34" charset="0"/>
+                </a:rPr>
+                <a:t>Entonces</a:t>
+              </a:r>
+              <a:r>
+                <a:rPr lang="en-US" altLang="ko-KR" sz="1400" dirty="0">
+                  <a:solidFill>
+                    <a:schemeClr val="accent5"/>
+                  </a:solidFill>
+                  <a:cs typeface="Arial" pitchFamily="34" charset="0"/>
+                </a:rPr>
+                <a:t>…</a:t>
+              </a:r>
+              <a:endParaRPr lang="ko-KR" altLang="en-US" sz="1400" dirty="0">
+                <a:solidFill>
+                  <a:schemeClr val="accent5"/>
+                </a:solidFill>
+                <a:cs typeface="Arial" pitchFamily="34" charset="0"/>
+              </a:endParaRPr>
+            </a:p>
+          </p:txBody>
+        </p:sp>
+        <p:sp>
+          <p:nvSpPr>
+            <p:cNvPr id="28" name="TextBox 27"/>
+            <p:cNvSpPr txBox="1"/>
+            <p:nvPr/>
+          </p:nvSpPr>
+          <p:spPr>
+            <a:xfrm>
+              <a:off x="7164288" y="1103513"/>
+              <a:ext cx="1529693" cy="276999"/>
+            </a:xfrm>
+            <a:prstGeom prst="rect">
+              <a:avLst/>
+            </a:prstGeom>
+            <a:noFill/>
+          </p:spPr>
+          <p:txBody>
+            <a:bodyPr wrap="square" rtlCol="0">
+              <a:spAutoFit/>
+            </a:bodyPr>
+            <a:lstStyle/>
+            <a:p>
+              <a:r>
+                <a:rPr lang="es-MX" sz="1200" b="0" i="0" dirty="0">
+                  <a:solidFill>
+                    <a:srgbClr val="000000"/>
+                  </a:solidFill>
+                  <a:effectLst/>
+                  <a:latin typeface="Inter"/>
+                </a:rPr>
+                <a:t>Comenzamos a conectar las diferentes hojas de datos.</a:t>
+              </a:r>
+              <a:endParaRPr lang="en-US" altLang="ko-KR" sz="1200" dirty="0">
+                <a:solidFill>
+                  <a:schemeClr val="tx1">
+                    <a:lumMod val="75000"/>
+                    <a:lumOff val="25000"/>
+                  </a:schemeClr>
+                </a:solidFill>
+                <a:cs typeface="Arial" pitchFamily="34" charset="0"/>
+              </a:endParaRPr>
+            </a:p>
+          </p:txBody>
+        </p:sp>
+      </p:grpSp>
+      <p:grpSp>
+        <p:nvGrpSpPr>
+          <p:cNvPr id="29" name="Group 28"/>
+          <p:cNvGrpSpPr/>
+          <p:nvPr/>
+        </p:nvGrpSpPr>
+        <p:grpSpPr>
+          <a:xfrm>
+            <a:off x="5004047" y="3365245"/>
+            <a:ext cx="3456384" cy="892918"/>
+            <a:chOff x="7164288" y="856926"/>
+            <a:chExt cx="1439711" cy="892918"/>
+          </a:xfrm>
+        </p:grpSpPr>
+        <p:sp>
+          <p:nvSpPr>
+            <p:cNvPr id="30" name="TextBox 29"/>
+            <p:cNvSpPr txBox="1"/>
+            <p:nvPr/>
+          </p:nvSpPr>
+          <p:spPr>
+            <a:xfrm>
+              <a:off x="7164288" y="856926"/>
+              <a:ext cx="1439711" cy="307777"/>
+            </a:xfrm>
+            <a:prstGeom prst="rect">
+              <a:avLst/>
+            </a:prstGeom>
+            <a:noFill/>
+          </p:spPr>
+          <p:txBody>
+            <a:bodyPr wrap="square" rtlCol="0">
+              <a:spAutoFit/>
+            </a:bodyPr>
+            <a:lstStyle/>
+            <a:p>
+              <a:r>
+                <a:rPr lang="en-US" altLang="ko-KR" sz="1400" dirty="0">
+                  <a:solidFill>
+                    <a:schemeClr val="accent2"/>
+                  </a:solidFill>
+                  <a:cs typeface="Arial" pitchFamily="34" charset="0"/>
+                </a:rPr>
+                <a:t>3</a:t>
+              </a:r>
+              <a:endParaRPr lang="ko-KR" altLang="en-US" sz="1400" dirty="0">
+                <a:solidFill>
+                  <a:schemeClr val="accent2"/>
+                </a:solidFill>
+                <a:cs typeface="Arial" pitchFamily="34" charset="0"/>
+              </a:endParaRPr>
+            </a:p>
+          </p:txBody>
+        </p:sp>
+        <p:sp>
+          <p:nvSpPr>
+            <p:cNvPr id="31" name="TextBox 30"/>
+            <p:cNvSpPr txBox="1"/>
+            <p:nvPr/>
+          </p:nvSpPr>
+          <p:spPr>
+            <a:xfrm>
+              <a:off x="7164288" y="1103513"/>
+              <a:ext cx="1439711" cy="646331"/>
+            </a:xfrm>
+            <a:prstGeom prst="rect">
+              <a:avLst/>
+            </a:prstGeom>
+            <a:noFill/>
+          </p:spPr>
+          <p:txBody>
+            <a:bodyPr wrap="square" rtlCol="0">
+              <a:spAutoFit/>
+            </a:bodyPr>
+            <a:lstStyle/>
+            <a:p>
+              <a:pPr algn="l"/>
+              <a:r>
+                <a:rPr lang="es-MX" sz="1200" b="0" i="0" dirty="0">
+                  <a:solidFill>
+                    <a:srgbClr val="000000"/>
+                  </a:solidFill>
+                  <a:effectLst/>
+                  <a:latin typeface="Inter"/>
+                </a:rPr>
+                <a:t>¿Hay datos demográficos o regiones de clientes específicos que son más propensos a los incumplimientos de préstamos?</a:t>
+              </a:r>
+            </a:p>
+          </p:txBody>
+        </p:sp>
+      </p:grpSp>
+      <p:grpSp>
+        <p:nvGrpSpPr>
+          <p:cNvPr id="32" name="Group 31"/>
+          <p:cNvGrpSpPr/>
+          <p:nvPr/>
+        </p:nvGrpSpPr>
+        <p:grpSpPr>
+          <a:xfrm>
+            <a:off x="5004046" y="1675692"/>
+            <a:ext cx="3456384" cy="708252"/>
+            <a:chOff x="7164288" y="856926"/>
+            <a:chExt cx="1439711" cy="708252"/>
+          </a:xfrm>
+        </p:grpSpPr>
+        <p:sp>
+          <p:nvSpPr>
+            <p:cNvPr id="33" name="TextBox 32"/>
+            <p:cNvSpPr txBox="1"/>
+            <p:nvPr/>
+          </p:nvSpPr>
+          <p:spPr>
+            <a:xfrm>
+              <a:off x="7164288" y="856926"/>
+              <a:ext cx="1439711" cy="307777"/>
+            </a:xfrm>
+            <a:prstGeom prst="rect">
+              <a:avLst/>
+            </a:prstGeom>
+            <a:noFill/>
+          </p:spPr>
+          <p:txBody>
+            <a:bodyPr wrap="square" rtlCol="0">
+              <a:spAutoFit/>
+            </a:bodyPr>
+            <a:lstStyle/>
+            <a:p>
+              <a:r>
+                <a:rPr lang="en-US" altLang="ko-KR" sz="1400" dirty="0">
+                  <a:solidFill>
+                    <a:schemeClr val="accent4"/>
+                  </a:solidFill>
+                  <a:cs typeface="Arial" pitchFamily="34" charset="0"/>
+                </a:rPr>
+                <a:t>1</a:t>
+              </a:r>
+              <a:endParaRPr lang="ko-KR" altLang="en-US" sz="1400" dirty="0">
+                <a:solidFill>
+                  <a:schemeClr val="accent4"/>
+                </a:solidFill>
+                <a:cs typeface="Arial" pitchFamily="34" charset="0"/>
+              </a:endParaRPr>
+            </a:p>
+          </p:txBody>
+        </p:sp>
+        <p:sp>
+          <p:nvSpPr>
+            <p:cNvPr id="34" name="TextBox 33"/>
+            <p:cNvSpPr txBox="1"/>
+            <p:nvPr/>
+          </p:nvSpPr>
+          <p:spPr>
+            <a:xfrm>
+              <a:off x="7164288" y="1103513"/>
+              <a:ext cx="1439711" cy="461665"/>
+            </a:xfrm>
+            <a:prstGeom prst="rect">
+              <a:avLst/>
+            </a:prstGeom>
+            <a:noFill/>
+          </p:spPr>
+          <p:txBody>
+            <a:bodyPr wrap="square" rtlCol="0">
+              <a:spAutoFit/>
+            </a:bodyPr>
+            <a:lstStyle/>
+            <a:p>
+              <a:pPr algn="l"/>
+              <a:r>
+                <a:rPr lang="es-MX" sz="1200" b="0" i="0" dirty="0">
+                  <a:solidFill>
+                    <a:srgbClr val="000000"/>
+                  </a:solidFill>
+                  <a:effectLst/>
+                  <a:latin typeface="Inter"/>
+                </a:rPr>
+                <a:t>¿Los clientes con tarjetas de crédito también tienden a solicitar préstamos?</a:t>
+              </a:r>
+            </a:p>
+          </p:txBody>
+        </p:sp>
+      </p:grpSp>
+      <p:grpSp>
+        <p:nvGrpSpPr>
+          <p:cNvPr id="35" name="Group 34"/>
+          <p:cNvGrpSpPr/>
+          <p:nvPr/>
+        </p:nvGrpSpPr>
+        <p:grpSpPr>
+          <a:xfrm>
+            <a:off x="5004047" y="2548087"/>
+            <a:ext cx="3456384" cy="892918"/>
+            <a:chOff x="7164288" y="856926"/>
+            <a:chExt cx="1439711" cy="892918"/>
+          </a:xfrm>
+        </p:grpSpPr>
+        <p:sp>
+          <p:nvSpPr>
+            <p:cNvPr id="36" name="TextBox 35"/>
+            <p:cNvSpPr txBox="1"/>
+            <p:nvPr/>
+          </p:nvSpPr>
+          <p:spPr>
+            <a:xfrm>
+              <a:off x="7164288" y="856926"/>
+              <a:ext cx="1439711" cy="307777"/>
+            </a:xfrm>
+            <a:prstGeom prst="rect">
+              <a:avLst/>
+            </a:prstGeom>
+            <a:noFill/>
+          </p:spPr>
+          <p:txBody>
+            <a:bodyPr wrap="square" rtlCol="0">
+              <a:spAutoFit/>
+            </a:bodyPr>
+            <a:lstStyle/>
+            <a:p>
+              <a:r>
+                <a:rPr lang="en-US" altLang="ko-KR" sz="1400" dirty="0">
+                  <a:solidFill>
+                    <a:schemeClr val="accent3"/>
+                  </a:solidFill>
+                  <a:cs typeface="Arial" pitchFamily="34" charset="0"/>
+                </a:rPr>
+                <a:t>2</a:t>
+              </a:r>
+              <a:endParaRPr lang="ko-KR" altLang="en-US" sz="1400" dirty="0">
+                <a:solidFill>
+                  <a:schemeClr val="accent3"/>
+                </a:solidFill>
+                <a:cs typeface="Arial" pitchFamily="34" charset="0"/>
+              </a:endParaRPr>
+            </a:p>
+          </p:txBody>
+        </p:sp>
+        <p:sp>
+          <p:nvSpPr>
+            <p:cNvPr id="37" name="TextBox 36"/>
+            <p:cNvSpPr txBox="1"/>
+            <p:nvPr/>
+          </p:nvSpPr>
+          <p:spPr>
+            <a:xfrm>
+              <a:off x="7164288" y="1103513"/>
+              <a:ext cx="1439711" cy="646331"/>
+            </a:xfrm>
+            <a:prstGeom prst="rect">
+              <a:avLst/>
+            </a:prstGeom>
+            <a:noFill/>
+          </p:spPr>
+          <p:txBody>
+            <a:bodyPr wrap="square" rtlCol="0">
+              <a:spAutoFit/>
+            </a:bodyPr>
+            <a:lstStyle/>
+            <a:p>
+              <a:pPr algn="l"/>
+              <a:r>
+                <a:rPr lang="es-MX" sz="1200" b="0" i="0" dirty="0">
+                  <a:solidFill>
+                    <a:srgbClr val="000000"/>
+                  </a:solidFill>
+                  <a:effectLst/>
+                  <a:latin typeface="Inter"/>
+                </a:rPr>
+                <a:t>¿Existe una correlación entre los hábitos de gasto con tarjeta de crédito y el comportamiento de pago de los préstamos?</a:t>
+              </a:r>
+            </a:p>
+          </p:txBody>
+        </p:sp>
+      </p:grpSp>
+      <p:sp>
+        <p:nvSpPr>
+          <p:cNvPr id="13" name="CuadroTexto 12">
+            <a:extLst>
+              <a:ext uri="{FF2B5EF4-FFF2-40B4-BE49-F238E27FC236}">
+                <a16:creationId xmlns:a16="http://schemas.microsoft.com/office/drawing/2014/main" id="{9F4D5A5F-B7EE-EB56-D541-65CD4706A721}"/>
+              </a:ext>
+            </a:extLst>
+          </p:cNvPr>
+          <p:cNvSpPr txBox="1"/>
+          <p:nvPr/>
+        </p:nvSpPr>
+        <p:spPr>
+          <a:xfrm>
+            <a:off x="735735" y="1378177"/>
+            <a:ext cx="543739" cy="369332"/>
+          </a:xfrm>
+          <a:prstGeom prst="rect">
+            <a:avLst/>
+          </a:prstGeom>
+          <a:noFill/>
+        </p:spPr>
+        <p:txBody>
+          <a:bodyPr wrap="none" rtlCol="0">
+            <a:spAutoFit/>
+          </a:bodyPr>
+          <a:lstStyle/>
+          <a:p>
+            <a:r>
+              <a:rPr lang="es-MX" dirty="0"/>
+              <a:t>CLI</a:t>
+            </a:r>
+            <a:endParaRPr lang="es-AR" dirty="0"/>
+          </a:p>
+        </p:txBody>
+      </p:sp>
+      <p:sp>
+        <p:nvSpPr>
+          <p:cNvPr id="14" name="CuadroTexto 13">
+            <a:extLst>
+              <a:ext uri="{FF2B5EF4-FFF2-40B4-BE49-F238E27FC236}">
+                <a16:creationId xmlns:a16="http://schemas.microsoft.com/office/drawing/2014/main" id="{81BB96D2-5332-253E-B7D3-1D285CBA8616}"/>
+              </a:ext>
+            </a:extLst>
+          </p:cNvPr>
+          <p:cNvSpPr txBox="1"/>
+          <p:nvPr/>
+        </p:nvSpPr>
+        <p:spPr>
+          <a:xfrm>
+            <a:off x="3616054" y="3706175"/>
+            <a:ext cx="543739" cy="369332"/>
+          </a:xfrm>
+          <a:prstGeom prst="rect">
+            <a:avLst/>
+          </a:prstGeom>
+          <a:noFill/>
+        </p:spPr>
+        <p:txBody>
+          <a:bodyPr wrap="none" rtlCol="0">
+            <a:spAutoFit/>
+          </a:bodyPr>
+          <a:lstStyle/>
+          <a:p>
+            <a:r>
+              <a:rPr lang="es-MX" dirty="0"/>
+              <a:t>CLI</a:t>
+            </a:r>
+            <a:endParaRPr lang="es-AR" dirty="0"/>
+          </a:p>
+        </p:txBody>
+      </p:sp>
+      <p:sp>
+        <p:nvSpPr>
+          <p:cNvPr id="15" name="CuadroTexto 14">
+            <a:extLst>
+              <a:ext uri="{FF2B5EF4-FFF2-40B4-BE49-F238E27FC236}">
+                <a16:creationId xmlns:a16="http://schemas.microsoft.com/office/drawing/2014/main" id="{32CFFAA4-B2C9-1349-DA5C-4A8F5D0CAE9A}"/>
+              </a:ext>
+            </a:extLst>
+          </p:cNvPr>
+          <p:cNvSpPr txBox="1"/>
+          <p:nvPr/>
+        </p:nvSpPr>
+        <p:spPr>
+          <a:xfrm>
+            <a:off x="699554" y="2571750"/>
+            <a:ext cx="492443" cy="369332"/>
+          </a:xfrm>
+          <a:prstGeom prst="rect">
+            <a:avLst/>
+          </a:prstGeom>
+          <a:noFill/>
+        </p:spPr>
+        <p:txBody>
+          <a:bodyPr wrap="none" rtlCol="0">
+            <a:spAutoFit/>
+          </a:bodyPr>
+          <a:lstStyle/>
+          <a:p>
+            <a:r>
+              <a:rPr lang="es-MX" dirty="0"/>
+              <a:t>TC</a:t>
+            </a:r>
+            <a:endParaRPr lang="es-AR" dirty="0"/>
+          </a:p>
+        </p:txBody>
+      </p:sp>
+      <p:sp>
+        <p:nvSpPr>
+          <p:cNvPr id="38" name="CuadroTexto 37">
+            <a:extLst>
+              <a:ext uri="{FF2B5EF4-FFF2-40B4-BE49-F238E27FC236}">
+                <a16:creationId xmlns:a16="http://schemas.microsoft.com/office/drawing/2014/main" id="{13CB72CF-6AE9-2C05-FA07-BAD8CDCA7D32}"/>
+              </a:ext>
+            </a:extLst>
+          </p:cNvPr>
+          <p:cNvSpPr txBox="1"/>
+          <p:nvPr/>
+        </p:nvSpPr>
+        <p:spPr>
+          <a:xfrm>
+            <a:off x="3584994" y="1361394"/>
+            <a:ext cx="518091" cy="369332"/>
+          </a:xfrm>
+          <a:prstGeom prst="rect">
+            <a:avLst/>
+          </a:prstGeom>
+          <a:noFill/>
+        </p:spPr>
+        <p:txBody>
+          <a:bodyPr wrap="none" rtlCol="0">
+            <a:spAutoFit/>
+          </a:bodyPr>
+          <a:lstStyle/>
+          <a:p>
+            <a:r>
+              <a:rPr lang="es-MX" dirty="0"/>
+              <a:t>PQ</a:t>
+            </a:r>
+            <a:endParaRPr lang="es-AR" dirty="0"/>
+          </a:p>
+        </p:txBody>
+      </p:sp>
+      <p:sp>
+        <p:nvSpPr>
+          <p:cNvPr id="40" name="CuadroTexto 39">
+            <a:extLst>
+              <a:ext uri="{FF2B5EF4-FFF2-40B4-BE49-F238E27FC236}">
+                <a16:creationId xmlns:a16="http://schemas.microsoft.com/office/drawing/2014/main" id="{50BEB62A-F08E-687D-9928-B8F9BE2C4E5C}"/>
+              </a:ext>
+            </a:extLst>
+          </p:cNvPr>
+          <p:cNvSpPr txBox="1"/>
+          <p:nvPr/>
+        </p:nvSpPr>
+        <p:spPr>
+          <a:xfrm>
+            <a:off x="704442" y="3706175"/>
+            <a:ext cx="518091" cy="369332"/>
+          </a:xfrm>
+          <a:prstGeom prst="rect">
+            <a:avLst/>
+          </a:prstGeom>
+          <a:noFill/>
+        </p:spPr>
+        <p:txBody>
+          <a:bodyPr wrap="none" rtlCol="0">
+            <a:spAutoFit/>
+          </a:bodyPr>
+          <a:lstStyle/>
+          <a:p>
+            <a:r>
+              <a:rPr lang="es-MX" dirty="0"/>
+              <a:t>PQ</a:t>
+            </a:r>
+            <a:endParaRPr lang="es-AR" dirty="0"/>
+          </a:p>
+        </p:txBody>
+      </p:sp>
+      <p:sp>
+        <p:nvSpPr>
+          <p:cNvPr id="42" name="CuadroTexto 41">
+            <a:extLst>
+              <a:ext uri="{FF2B5EF4-FFF2-40B4-BE49-F238E27FC236}">
+                <a16:creationId xmlns:a16="http://schemas.microsoft.com/office/drawing/2014/main" id="{494A20AB-B963-7B4A-C886-9A71B47F6EFF}"/>
+              </a:ext>
+            </a:extLst>
+          </p:cNvPr>
+          <p:cNvSpPr txBox="1"/>
+          <p:nvPr/>
+        </p:nvSpPr>
+        <p:spPr>
+          <a:xfrm>
+            <a:off x="3581725" y="2539484"/>
+            <a:ext cx="492443" cy="369332"/>
+          </a:xfrm>
+          <a:prstGeom prst="rect">
+            <a:avLst/>
+          </a:prstGeom>
+          <a:noFill/>
+        </p:spPr>
+        <p:txBody>
+          <a:bodyPr wrap="none" rtlCol="0">
+            <a:spAutoFit/>
+          </a:bodyPr>
+          <a:lstStyle/>
+          <a:p>
+            <a:r>
+              <a:rPr lang="es-MX" dirty="0"/>
+              <a:t>TC</a:t>
+            </a:r>
+            <a:endParaRPr lang="es-AR" dirty="0"/>
+          </a:p>
+        </p:txBody>
+      </p:sp>
+      <p:sp>
+        <p:nvSpPr>
+          <p:cNvPr id="46" name="CuadroTexto 45">
+            <a:extLst>
+              <a:ext uri="{FF2B5EF4-FFF2-40B4-BE49-F238E27FC236}">
+                <a16:creationId xmlns:a16="http://schemas.microsoft.com/office/drawing/2014/main" id="{8615BD60-9869-56C3-9CEB-834E6559A02F}"/>
+              </a:ext>
+            </a:extLst>
+          </p:cNvPr>
+          <p:cNvSpPr txBox="1"/>
+          <p:nvPr/>
+        </p:nvSpPr>
+        <p:spPr>
+          <a:xfrm>
+            <a:off x="1981571" y="1174830"/>
+            <a:ext cx="1046608" cy="769441"/>
+          </a:xfrm>
+          <a:prstGeom prst="rect">
+            <a:avLst/>
+          </a:prstGeom>
+          <a:noFill/>
+        </p:spPr>
+        <p:txBody>
+          <a:bodyPr wrap="square" rtlCol="0">
+            <a:spAutoFit/>
+          </a:bodyPr>
+          <a:lstStyle/>
+          <a:p>
+            <a:r>
+              <a:rPr lang="es-MX" sz="4400" dirty="0"/>
+              <a:t>📶</a:t>
+            </a:r>
+            <a:endParaRPr lang="es-AR" sz="4400" dirty="0"/>
+          </a:p>
+        </p:txBody>
+      </p:sp>
+      <p:sp>
+        <p:nvSpPr>
+          <p:cNvPr id="47" name="CuadroTexto 46">
+            <a:extLst>
+              <a:ext uri="{FF2B5EF4-FFF2-40B4-BE49-F238E27FC236}">
+                <a16:creationId xmlns:a16="http://schemas.microsoft.com/office/drawing/2014/main" id="{E540569D-C8DB-60B2-BEE1-1CB540B5BFA2}"/>
+              </a:ext>
+            </a:extLst>
+          </p:cNvPr>
+          <p:cNvSpPr txBox="1"/>
+          <p:nvPr/>
+        </p:nvSpPr>
+        <p:spPr>
+          <a:xfrm>
+            <a:off x="1966744" y="3488854"/>
+            <a:ext cx="1046608" cy="769441"/>
+          </a:xfrm>
+          <a:prstGeom prst="rect">
+            <a:avLst/>
+          </a:prstGeom>
+          <a:noFill/>
+        </p:spPr>
+        <p:txBody>
+          <a:bodyPr wrap="square" rtlCol="0">
+            <a:spAutoFit/>
+          </a:bodyPr>
+          <a:lstStyle/>
+          <a:p>
+            <a:r>
+              <a:rPr lang="es-MX" sz="4400" dirty="0"/>
+              <a:t>📶</a:t>
+            </a:r>
+            <a:endParaRPr lang="es-AR" sz="4400" dirty="0"/>
+          </a:p>
+        </p:txBody>
+      </p:sp>
+    </p:spTree>
+    <p:extLst>
+      <p:ext uri="{BB962C8B-B14F-4D97-AF65-F5344CB8AC3E}">
+        <p14:creationId xmlns:p14="http://schemas.microsoft.com/office/powerpoint/2010/main" val="1875296017"/>
+      </p:ext>
+    </p:extLst>
+  </p:cSld>
+  <p:clrMapOvr>
+    <a:masterClrMapping/>
+  </p:clrMapOvr>
+</p:sld>
+</file>
+
+<file path=ppt/slides/slide21.xml><?xml version="1.0" encoding="utf-8"?>
+<p:sld xmlns:a="http://schemas.openxmlformats.org/drawingml/2006/main" xmlns:r="http://schemas.openxmlformats.org/officeDocument/2006/relationships" xmlns:p="http://schemas.openxmlformats.org/presentationml/2006/main">
+  <p:cSld>
+    <p:spTree>
+      <p:nvGrpSpPr>
+        <p:cNvPr id="1" name=""/>
+        <p:cNvGrpSpPr/>
+        <p:nvPr/>
+      </p:nvGrpSpPr>
+      <p:grpSpPr>
+        <a:xfrm>
+          <a:off x="0" y="0"/>
+          <a:ext cx="0" cy="0"/>
+          <a:chOff x="0" y="0"/>
+          <a:chExt cx="0" cy="0"/>
+        </a:xfrm>
+      </p:grpSpPr>
       <p:pic>
         <p:nvPicPr>
           <p:cNvPr id="4" name="Marcador de posición de imagen 3">
@@ -16551,7 +16826,7 @@
 </p:sld>
 </file>
 
-<file path=ppt/slides/slide21.xml><?xml version="1.0" encoding="utf-8"?>
+<file path=ppt/slides/slide22.xml><?xml version="1.0" encoding="utf-8"?>
 <p:sld xmlns:a="http://schemas.openxmlformats.org/drawingml/2006/main" xmlns:r="http://schemas.openxmlformats.org/officeDocument/2006/relationships" xmlns:p="http://schemas.openxmlformats.org/presentationml/2006/main">
   <p:cSld>
     <p:spTree>
@@ -16728,7 +17003,7 @@
 </p:sld>
 </file>
 
-<file path=ppt/slides/slide22.xml><?xml version="1.0" encoding="utf-8"?>
+<file path=ppt/slides/slide23.xml><?xml version="1.0" encoding="utf-8"?>
 <p:sld xmlns:a="http://schemas.openxmlformats.org/drawingml/2006/main" xmlns:r="http://schemas.openxmlformats.org/officeDocument/2006/relationships" xmlns:p="http://schemas.openxmlformats.org/presentationml/2006/main">
   <p:cSld>
     <p:spTree>
@@ -16905,7 +17180,7 @@
 </p:sld>
 </file>
 
-<file path=ppt/slides/slide23.xml><?xml version="1.0" encoding="utf-8"?>
+<file path=ppt/slides/slide24.xml><?xml version="1.0" encoding="utf-8"?>
 <p:sld xmlns:a="http://schemas.openxmlformats.org/drawingml/2006/main" xmlns:r="http://schemas.openxmlformats.org/officeDocument/2006/relationships" xmlns:p="http://schemas.openxmlformats.org/presentationml/2006/main">
   <p:cSld>
     <p:spTree>

--- a/Analisis Bancario_Juan Manuel Olguin.pptx
+++ b/Analisis Bancario_Juan Manuel Olguin.pptx
@@ -7,10 +7,10 @@
     <p:sldMasterId id="2147483654" r:id="rId3"/>
   </p:sldMasterIdLst>
   <p:notesMasterIdLst>
-    <p:notesMasterId r:id="rId28"/>
+    <p:notesMasterId r:id="rId37"/>
   </p:notesMasterIdLst>
   <p:handoutMasterIdLst>
-    <p:handoutMasterId r:id="rId29"/>
+    <p:handoutMasterId r:id="rId38"/>
   </p:handoutMasterIdLst>
   <p:sldIdLst>
     <p:sldId id="299" r:id="rId4"/>
@@ -37,6 +37,15 @@
     <p:sldId id="323" r:id="rId25"/>
     <p:sldId id="324" r:id="rId26"/>
     <p:sldId id="271" r:id="rId27"/>
+    <p:sldId id="326" r:id="rId28"/>
+    <p:sldId id="327" r:id="rId29"/>
+    <p:sldId id="328" r:id="rId30"/>
+    <p:sldId id="329" r:id="rId31"/>
+    <p:sldId id="330" r:id="rId32"/>
+    <p:sldId id="331" r:id="rId33"/>
+    <p:sldId id="332" r:id="rId34"/>
+    <p:sldId id="333" r:id="rId35"/>
+    <p:sldId id="334" r:id="rId36"/>
   </p:sldIdLst>
   <p:sldSz cx="9144000" cy="5143500" type="screen16x9"/>
   <p:notesSz cx="6858000" cy="9144000"/>
@@ -250,7 +259,7 @@
           <a:p>
             <a:fld id="{69452B2B-0BBC-4845-BD5C-6186374697E3}" type="datetimeFigureOut">
               <a:rPr lang="ko-KR" altLang="en-US" smtClean="0"/>
-              <a:t>2025-04-14</a:t>
+              <a:t>2025-05-17</a:t>
             </a:fld>
             <a:endParaRPr lang="ko-KR" altLang="en-US" dirty="0"/>
           </a:p>
@@ -415,7 +424,7 @@
           <a:p>
             <a:fld id="{C2FB2761-7E16-44CA-BF8A-25DE9AC39A10}" type="datetimeFigureOut">
               <a:rPr lang="es-AR" smtClean="0"/>
-              <a:t>14/4/2025</a:t>
+              <a:t>17/5/2025</a:t>
             </a:fld>
             <a:endParaRPr lang="es-AR"/>
           </a:p>
@@ -15137,6 +15146,257 @@
           </p:txBody>
         </p:sp>
       </p:grpSp>
+      <p:sp>
+        <p:nvSpPr>
+          <p:cNvPr id="3" name="Pentagon 114">
+            <a:extLst>
+              <a:ext uri="{FF2B5EF4-FFF2-40B4-BE49-F238E27FC236}">
+                <a16:creationId xmlns:a16="http://schemas.microsoft.com/office/drawing/2014/main" id="{CEF433C8-A90F-A96D-78F1-B7ED0B91A924}"/>
+              </a:ext>
+            </a:extLst>
+          </p:cNvPr>
+          <p:cNvSpPr/>
+          <p:nvPr/>
+        </p:nvSpPr>
+        <p:spPr>
+          <a:xfrm>
+            <a:off x="93155" y="272660"/>
+            <a:ext cx="1442105" cy="913806"/>
+          </a:xfrm>
+          <a:prstGeom prst="homePlate">
+            <a:avLst>
+              <a:gd name="adj" fmla="val 54918"/>
+            </a:avLst>
+          </a:prstGeom>
+          <a:solidFill>
+            <a:schemeClr val="accent3"/>
+          </a:solidFill>
+          <a:ln>
+            <a:noFill/>
+          </a:ln>
+        </p:spPr>
+        <p:style>
+          <a:lnRef idx="2">
+            <a:schemeClr val="accent1">
+              <a:shade val="50000"/>
+            </a:schemeClr>
+          </a:lnRef>
+          <a:fillRef idx="1">
+            <a:schemeClr val="accent1"/>
+          </a:fillRef>
+          <a:effectRef idx="0">
+            <a:schemeClr val="accent1"/>
+          </a:effectRef>
+          <a:fontRef idx="minor">
+            <a:schemeClr val="lt1"/>
+          </a:fontRef>
+        </p:style>
+        <p:txBody>
+          <a:bodyPr rot="0" spcFirstLastPara="0" vertOverflow="overflow" horzOverflow="overflow" vert="horz" wrap="square" lIns="91440" tIns="45720" rIns="91440" bIns="45720" numCol="1" spcCol="0" rtlCol="0" fromWordArt="0" anchor="ctr" anchorCtr="0" forceAA="0" compatLnSpc="1">
+            <a:prstTxWarp prst="textNoShape">
+              <a:avLst/>
+            </a:prstTxWarp>
+            <a:noAutofit/>
+          </a:bodyPr>
+          <a:lstStyle/>
+          <a:p>
+            <a:pPr algn="ctr"/>
+            <a:endParaRPr lang="ko-KR" altLang="en-US" dirty="0"/>
+          </a:p>
+        </p:txBody>
+      </p:sp>
+      <p:sp>
+        <p:nvSpPr>
+          <p:cNvPr id="4" name="TextBox 116">
+            <a:extLst>
+              <a:ext uri="{FF2B5EF4-FFF2-40B4-BE49-F238E27FC236}">
+                <a16:creationId xmlns:a16="http://schemas.microsoft.com/office/drawing/2014/main" id="{E224642B-52E8-629F-AE85-6993BA989C9B}"/>
+              </a:ext>
+            </a:extLst>
+          </p:cNvPr>
+          <p:cNvSpPr txBox="1"/>
+          <p:nvPr/>
+        </p:nvSpPr>
+        <p:spPr>
+          <a:xfrm>
+            <a:off x="56643" y="504355"/>
+            <a:ext cx="1442105" cy="430887"/>
+          </a:xfrm>
+          <a:prstGeom prst="rect">
+            <a:avLst/>
+          </a:prstGeom>
+          <a:noFill/>
+        </p:spPr>
+        <p:txBody>
+          <a:bodyPr wrap="square" tIns="0" bIns="0" rtlCol="0" anchor="ctr">
+            <a:spAutoFit/>
+          </a:bodyPr>
+          <a:lstStyle/>
+          <a:p>
+            <a:r>
+              <a:rPr lang="en-US" altLang="ko-KR" sz="2800" b="1" dirty="0">
+                <a:solidFill>
+                  <a:schemeClr val="bg1"/>
+                </a:solidFill>
+                <a:cs typeface="Arial" pitchFamily="34" charset="0"/>
+              </a:rPr>
+              <a:t>PLUS</a:t>
+            </a:r>
+          </a:p>
+        </p:txBody>
+      </p:sp>
+      <p:sp>
+        <p:nvSpPr>
+          <p:cNvPr id="5" name="TextBox 10">
+            <a:extLst>
+              <a:ext uri="{FF2B5EF4-FFF2-40B4-BE49-F238E27FC236}">
+                <a16:creationId xmlns:a16="http://schemas.microsoft.com/office/drawing/2014/main" id="{1ED236D2-3BA3-ACB9-937B-898044682DB2}"/>
+              </a:ext>
+            </a:extLst>
+          </p:cNvPr>
+          <p:cNvSpPr txBox="1"/>
+          <p:nvPr/>
+        </p:nvSpPr>
+        <p:spPr bwMode="auto">
+          <a:xfrm>
+            <a:off x="93155" y="1247823"/>
+            <a:ext cx="1431924" cy="830997"/>
+          </a:xfrm>
+          <a:prstGeom prst="rect">
+            <a:avLst/>
+          </a:prstGeom>
+          <a:noFill/>
+          <a:effectLst/>
+        </p:spPr>
+        <p:txBody>
+          <a:bodyPr wrap="square">
+            <a:spAutoFit/>
+          </a:bodyPr>
+          <a:lstStyle>
+            <a:defPPr>
+              <a:defRPr lang="ko-KR"/>
+            </a:defPPr>
+            <a:lvl1pPr marL="0" algn="l" defTabSz="914400" rtl="0" eaLnBrk="1" latinLnBrk="1" hangingPunct="1">
+              <a:defRPr sz="1800" kern="1200">
+                <a:solidFill>
+                  <a:schemeClr val="tx1"/>
+                </a:solidFill>
+                <a:latin typeface="+mn-lt"/>
+                <a:ea typeface="+mn-ea"/>
+                <a:cs typeface="+mn-cs"/>
+              </a:defRPr>
+            </a:lvl1pPr>
+            <a:lvl2pPr marL="457200" algn="l" defTabSz="914400" rtl="0" eaLnBrk="1" latinLnBrk="1" hangingPunct="1">
+              <a:defRPr sz="1800" kern="1200">
+                <a:solidFill>
+                  <a:schemeClr val="tx1"/>
+                </a:solidFill>
+                <a:latin typeface="+mn-lt"/>
+                <a:ea typeface="+mn-ea"/>
+                <a:cs typeface="+mn-cs"/>
+              </a:defRPr>
+            </a:lvl2pPr>
+            <a:lvl3pPr marL="914400" algn="l" defTabSz="914400" rtl="0" eaLnBrk="1" latinLnBrk="1" hangingPunct="1">
+              <a:defRPr sz="1800" kern="1200">
+                <a:solidFill>
+                  <a:schemeClr val="tx1"/>
+                </a:solidFill>
+                <a:latin typeface="+mn-lt"/>
+                <a:ea typeface="+mn-ea"/>
+                <a:cs typeface="+mn-cs"/>
+              </a:defRPr>
+            </a:lvl3pPr>
+            <a:lvl4pPr marL="1371600" algn="l" defTabSz="914400" rtl="0" eaLnBrk="1" latinLnBrk="1" hangingPunct="1">
+              <a:defRPr sz="1800" kern="1200">
+                <a:solidFill>
+                  <a:schemeClr val="tx1"/>
+                </a:solidFill>
+                <a:latin typeface="+mn-lt"/>
+                <a:ea typeface="+mn-ea"/>
+                <a:cs typeface="+mn-cs"/>
+              </a:defRPr>
+            </a:lvl4pPr>
+            <a:lvl5pPr marL="1828800" algn="l" defTabSz="914400" rtl="0" eaLnBrk="1" latinLnBrk="1" hangingPunct="1">
+              <a:defRPr sz="1800" kern="1200">
+                <a:solidFill>
+                  <a:schemeClr val="tx1"/>
+                </a:solidFill>
+                <a:latin typeface="+mn-lt"/>
+                <a:ea typeface="+mn-ea"/>
+                <a:cs typeface="+mn-cs"/>
+              </a:defRPr>
+            </a:lvl5pPr>
+            <a:lvl6pPr marL="2286000" algn="l" defTabSz="914400" rtl="0" eaLnBrk="1" latinLnBrk="1" hangingPunct="1">
+              <a:defRPr sz="1800" kern="1200">
+                <a:solidFill>
+                  <a:schemeClr val="tx1"/>
+                </a:solidFill>
+                <a:latin typeface="+mn-lt"/>
+                <a:ea typeface="+mn-ea"/>
+                <a:cs typeface="+mn-cs"/>
+              </a:defRPr>
+            </a:lvl6pPr>
+            <a:lvl7pPr marL="2743200" algn="l" defTabSz="914400" rtl="0" eaLnBrk="1" latinLnBrk="1" hangingPunct="1">
+              <a:defRPr sz="1800" kern="1200">
+                <a:solidFill>
+                  <a:schemeClr val="tx1"/>
+                </a:solidFill>
+                <a:latin typeface="+mn-lt"/>
+                <a:ea typeface="+mn-ea"/>
+                <a:cs typeface="+mn-cs"/>
+              </a:defRPr>
+            </a:lvl7pPr>
+            <a:lvl8pPr marL="3200400" algn="l" defTabSz="914400" rtl="0" eaLnBrk="1" latinLnBrk="1" hangingPunct="1">
+              <a:defRPr sz="1800" kern="1200">
+                <a:solidFill>
+                  <a:schemeClr val="tx1"/>
+                </a:solidFill>
+                <a:latin typeface="+mn-lt"/>
+                <a:ea typeface="+mn-ea"/>
+                <a:cs typeface="+mn-cs"/>
+              </a:defRPr>
+            </a:lvl8pPr>
+            <a:lvl9pPr marL="3657600" algn="l" defTabSz="914400" rtl="0" eaLnBrk="1" latinLnBrk="1" hangingPunct="1">
+              <a:defRPr sz="1800" kern="1200">
+                <a:solidFill>
+                  <a:schemeClr val="tx1"/>
+                </a:solidFill>
+                <a:latin typeface="+mn-lt"/>
+                <a:ea typeface="+mn-ea"/>
+                <a:cs typeface="+mn-cs"/>
+              </a:defRPr>
+            </a:lvl9pPr>
+          </a:lstStyle>
+          <a:p>
+            <a:pPr>
+              <a:defRPr/>
+            </a:pPr>
+            <a:r>
+              <a:rPr lang="en-US" altLang="ko-KR" sz="1200" b="1" dirty="0">
+                <a:solidFill>
+                  <a:schemeClr val="accent5"/>
+                </a:solidFill>
+                <a:cs typeface="Arial" pitchFamily="34" charset="0"/>
+              </a:rPr>
+              <a:t>Machine LEARNING</a:t>
+            </a:r>
+          </a:p>
+          <a:p>
+            <a:pPr>
+              <a:defRPr/>
+            </a:pPr>
+            <a:r>
+              <a:rPr lang="en-US" altLang="ko-KR" sz="1200" b="1" dirty="0">
+                <a:solidFill>
+                  <a:schemeClr val="accent5"/>
+                </a:solidFill>
+                <a:cs typeface="Arial" pitchFamily="34" charset="0"/>
+              </a:rPr>
+              <a:t>Etapa 2 del Proyecto</a:t>
+            </a:r>
+          </a:p>
+        </p:txBody>
+      </p:sp>
     </p:spTree>
     <p:extLst>
       <p:ext uri="{BB962C8B-B14F-4D97-AF65-F5344CB8AC3E}">
@@ -16674,6 +16934,36 @@
       </p:grpSpPr>
       <p:pic>
         <p:nvPicPr>
+          <p:cNvPr id="88" name="Imagen 87">
+            <a:extLst>
+              <a:ext uri="{FF2B5EF4-FFF2-40B4-BE49-F238E27FC236}">
+                <a16:creationId xmlns:a16="http://schemas.microsoft.com/office/drawing/2014/main" id="{5D3F9069-EFDA-591F-3F87-04CC4E62242D}"/>
+              </a:ext>
+            </a:extLst>
+          </p:cNvPr>
+          <p:cNvPicPr>
+            <a:picLocks noChangeAspect="1"/>
+          </p:cNvPicPr>
+          <p:nvPr/>
+        </p:nvPicPr>
+        <p:blipFill>
+          <a:blip r:embed="rId3"/>
+          <a:stretch>
+            <a:fillRect/>
+          </a:stretch>
+        </p:blipFill>
+        <p:spPr>
+          <a:xfrm>
+            <a:off x="0" y="2398085"/>
+            <a:ext cx="9144000" cy="2765953"/>
+          </a:xfrm>
+          <a:prstGeom prst="rect">
+            <a:avLst/>
+          </a:prstGeom>
+        </p:spPr>
+      </p:pic>
+      <p:pic>
+        <p:nvPicPr>
           <p:cNvPr id="4" name="Marcador de posición de imagen 3">
             <a:extLst>
               <a:ext uri="{FF2B5EF4-FFF2-40B4-BE49-F238E27FC236}">
@@ -16689,7 +16979,7 @@
           </p:nvPr>
         </p:nvPicPr>
         <p:blipFill>
-          <a:blip r:embed="rId3">
+          <a:blip r:embed="rId4">
             <a:extLst>
               <a:ext uri="{28A0092B-C50C-407E-A947-70E740481C1C}">
                 <a14:useLocalDpi xmlns:a14="http://schemas.microsoft.com/office/drawing/2010/main" val="0"/>
@@ -16703,44 +16993,14 @@
         </p:blipFill>
         <p:spPr>
           <a:xfrm>
-            <a:off x="0" y="-9025"/>
+            <a:off x="0" y="5017"/>
             <a:ext cx="9144000" cy="2716213"/>
           </a:xfrm>
-        </p:spPr>
-      </p:pic>
-      <p:pic>
-        <p:nvPicPr>
-          <p:cNvPr id="88" name="Imagen 87">
-            <a:extLst>
-              <a:ext uri="{FF2B5EF4-FFF2-40B4-BE49-F238E27FC236}">
-                <a16:creationId xmlns:a16="http://schemas.microsoft.com/office/drawing/2014/main" id="{5D3F9069-EFDA-591F-3F87-04CC4E62242D}"/>
-              </a:ext>
-            </a:extLst>
-          </p:cNvPr>
-          <p:cNvPicPr>
-            <a:picLocks noChangeAspect="1"/>
-          </p:cNvPicPr>
-          <p:nvPr/>
-        </p:nvPicPr>
-        <p:blipFill>
-          <a:blip r:embed="rId4"/>
-          <a:stretch>
-            <a:fillRect/>
-          </a:stretch>
-        </p:blipFill>
-        <p:spPr>
-          <a:xfrm>
-            <a:off x="0" y="2359343"/>
-            <a:ext cx="9144000" cy="2765953"/>
-          </a:xfrm>
-          <a:prstGeom prst="rect">
-            <a:avLst/>
-          </a:prstGeom>
         </p:spPr>
       </p:pic>
       <p:sp>
         <p:nvSpPr>
-          <p:cNvPr id="89" name="CuadroTexto 88">
+          <p:cNvPr id="2" name="CuadroTexto 1">
             <a:extLst>
               <a:ext uri="{FF2B5EF4-FFF2-40B4-BE49-F238E27FC236}">
                 <a16:creationId xmlns:a16="http://schemas.microsoft.com/office/drawing/2014/main" id="{D597FBC3-C6C5-FE8F-0028-46F6F3E59EF3}"/>
@@ -16752,7 +17012,7 @@
         </p:nvSpPr>
         <p:spPr>
           <a:xfrm>
-            <a:off x="755576" y="687277"/>
+            <a:off x="820100" y="302556"/>
             <a:ext cx="8280920" cy="769441"/>
           </a:xfrm>
           <a:prstGeom prst="rect">
@@ -16781,27 +17041,7 @@
                 <a:latin typeface="Aharoni" panose="02010803020104030203" pitchFamily="2" charset="-79"/>
                 <a:cs typeface="Aharoni" panose="02010803020104030203" pitchFamily="2" charset="-79"/>
               </a:rPr>
-              <a:t>Análisis de </a:t>
-            </a:r>
-            <a:r>
-              <a:rPr lang="es-MX" sz="4400" i="1" dirty="0" err="1">
-                <a:solidFill>
-                  <a:srgbClr val="C00000"/>
-                </a:solidFill>
-                <a:latin typeface="Aharoni" panose="02010803020104030203" pitchFamily="2" charset="-79"/>
-                <a:cs typeface="Aharoni" panose="02010803020104030203" pitchFamily="2" charset="-79"/>
-              </a:rPr>
-              <a:t>Insights</a:t>
-            </a:r>
-            <a:r>
-              <a:rPr lang="es-MX" sz="4400" i="1" dirty="0">
-                <a:solidFill>
-                  <a:srgbClr val="C00000"/>
-                </a:solidFill>
-                <a:latin typeface="Aharoni" panose="02010803020104030203" pitchFamily="2" charset="-79"/>
-                <a:cs typeface="Aharoni" panose="02010803020104030203" pitchFamily="2" charset="-79"/>
-              </a:rPr>
-              <a:t> Clientes</a:t>
+              <a:t>Análisis de Insights Clientes</a:t>
             </a:r>
             <a:endParaRPr lang="es-AR" sz="4400" i="1" dirty="0">
               <a:solidFill>
@@ -16958,27 +17198,7 @@
                 <a:latin typeface="Aharoni" panose="02010803020104030203" pitchFamily="2" charset="-79"/>
                 <a:cs typeface="Aharoni" panose="02010803020104030203" pitchFamily="2" charset="-79"/>
               </a:rPr>
-              <a:t>Análisis de </a:t>
-            </a:r>
-            <a:r>
-              <a:rPr lang="es-MX" sz="4400" i="1" dirty="0" err="1">
-                <a:solidFill>
-                  <a:srgbClr val="C00000"/>
-                </a:solidFill>
-                <a:latin typeface="Aharoni" panose="02010803020104030203" pitchFamily="2" charset="-79"/>
-                <a:cs typeface="Aharoni" panose="02010803020104030203" pitchFamily="2" charset="-79"/>
-              </a:rPr>
-              <a:t>Insights</a:t>
-            </a:r>
-            <a:r>
-              <a:rPr lang="es-MX" sz="4400" i="1" dirty="0">
-                <a:solidFill>
-                  <a:srgbClr val="C00000"/>
-                </a:solidFill>
-                <a:latin typeface="Aharoni" panose="02010803020104030203" pitchFamily="2" charset="-79"/>
-                <a:cs typeface="Aharoni" panose="02010803020104030203" pitchFamily="2" charset="-79"/>
-              </a:rPr>
-              <a:t> Tarjetas</a:t>
+              <a:t>Análisis de Insights Tarjetas</a:t>
             </a:r>
             <a:endParaRPr lang="es-AR" sz="4400" i="1" dirty="0">
               <a:solidFill>
@@ -17057,7 +17277,7 @@
         </p:blipFill>
         <p:spPr>
           <a:xfrm>
-            <a:off x="0" y="-9025"/>
+            <a:off x="0" y="-144463"/>
             <a:ext cx="9144000" cy="2716213"/>
           </a:xfrm>
         </p:spPr>
@@ -17076,7 +17296,7 @@
         </p:nvSpPr>
         <p:spPr>
           <a:xfrm>
-            <a:off x="611560" y="771550"/>
+            <a:off x="611560" y="195486"/>
             <a:ext cx="8280920" cy="769441"/>
           </a:xfrm>
           <a:prstGeom prst="rect">
@@ -17105,27 +17325,7 @@
                 <a:latin typeface="Aharoni" panose="02010803020104030203" pitchFamily="2" charset="-79"/>
                 <a:cs typeface="Aharoni" panose="02010803020104030203" pitchFamily="2" charset="-79"/>
               </a:rPr>
-              <a:t>Análisis de </a:t>
-            </a:r>
-            <a:r>
-              <a:rPr lang="es-MX" sz="4400" i="1" dirty="0" err="1">
-                <a:solidFill>
-                  <a:srgbClr val="C00000"/>
-                </a:solidFill>
-                <a:latin typeface="Aharoni" panose="02010803020104030203" pitchFamily="2" charset="-79"/>
-                <a:cs typeface="Aharoni" panose="02010803020104030203" pitchFamily="2" charset="-79"/>
-              </a:rPr>
-              <a:t>Insights</a:t>
-            </a:r>
-            <a:r>
-              <a:rPr lang="es-MX" sz="4400" i="1" dirty="0">
-                <a:solidFill>
-                  <a:srgbClr val="C00000"/>
-                </a:solidFill>
-                <a:latin typeface="Aharoni" panose="02010803020104030203" pitchFamily="2" charset="-79"/>
-                <a:cs typeface="Aharoni" panose="02010803020104030203" pitchFamily="2" charset="-79"/>
-              </a:rPr>
-              <a:t> Prestamos</a:t>
+              <a:t>Análisis de Insights Prestamos</a:t>
             </a:r>
             <a:endParaRPr lang="es-AR" sz="4400" i="1" dirty="0">
               <a:solidFill>
@@ -21278,8 +21478,8 @@
         </p:nvSpPr>
         <p:spPr>
           <a:xfrm>
-            <a:off x="5868144" y="4155926"/>
-            <a:ext cx="1441420" cy="369332"/>
+            <a:off x="3730580" y="3867894"/>
+            <a:ext cx="4762842" cy="369332"/>
           </a:xfrm>
           <a:prstGeom prst="rect">
             <a:avLst/>
@@ -21294,7 +21494,7 @@
           <a:p>
             <a:r>
               <a:rPr lang="es-MX" dirty="0"/>
-              <a:t>Continuara..</a:t>
+              <a:t>Pasamos a la etapa 2 de Machine Learning..</a:t>
             </a:r>
             <a:endParaRPr lang="es-AR" dirty="0"/>
           </a:p>
@@ -21304,6 +21504,2564 @@
     <p:extLst>
       <p:ext uri="{BB962C8B-B14F-4D97-AF65-F5344CB8AC3E}">
         <p14:creationId xmlns:p14="http://schemas.microsoft.com/office/powerpoint/2010/main" val="3312449938"/>
+      </p:ext>
+    </p:extLst>
+  </p:cSld>
+  <p:clrMapOvr>
+    <a:masterClrMapping/>
+  </p:clrMapOvr>
+</p:sld>
+</file>
+
+<file path=ppt/slides/slide25.xml><?xml version="1.0" encoding="utf-8"?>
+<p:sld xmlns:a="http://schemas.openxmlformats.org/drawingml/2006/main" xmlns:r="http://schemas.openxmlformats.org/officeDocument/2006/relationships" xmlns:p="http://schemas.openxmlformats.org/presentationml/2006/main">
+  <p:cSld>
+    <p:spTree>
+      <p:nvGrpSpPr>
+        <p:cNvPr id="1" name="">
+          <a:extLst>
+            <a:ext uri="{FF2B5EF4-FFF2-40B4-BE49-F238E27FC236}">
+              <a16:creationId xmlns:a16="http://schemas.microsoft.com/office/drawing/2014/main" id="{087F8305-B86A-10EA-11A9-4F464134CF0A}"/>
+            </a:ext>
+          </a:extLst>
+        </p:cNvPr>
+        <p:cNvGrpSpPr/>
+        <p:nvPr/>
+      </p:nvGrpSpPr>
+      <p:grpSpPr>
+        <a:xfrm>
+          <a:off x="0" y="0"/>
+          <a:ext cx="0" cy="0"/>
+          <a:chOff x="0" y="0"/>
+          <a:chExt cx="0" cy="0"/>
+        </a:xfrm>
+      </p:grpSpPr>
+      <p:sp>
+        <p:nvSpPr>
+          <p:cNvPr id="2" name="Title 1">
+            <a:extLst>
+              <a:ext uri="{FF2B5EF4-FFF2-40B4-BE49-F238E27FC236}">
+                <a16:creationId xmlns:a16="http://schemas.microsoft.com/office/drawing/2014/main" id="{48CF6D8E-2A36-1AC8-9F70-ED453C78214A}"/>
+              </a:ext>
+            </a:extLst>
+          </p:cNvPr>
+          <p:cNvSpPr>
+            <a:spLocks noGrp="1"/>
+          </p:cNvSpPr>
+          <p:nvPr>
+            <p:ph type="title"/>
+          </p:nvPr>
+        </p:nvSpPr>
+        <p:spPr/>
+        <p:txBody>
+          <a:bodyPr/>
+          <a:lstStyle/>
+          <a:p>
+            <a:r>
+              <a:rPr lang="en-US" altLang="ko-KR" dirty="0">
+                <a:solidFill>
+                  <a:schemeClr val="accent5"/>
+                </a:solidFill>
+              </a:rPr>
+              <a:t>Machine</a:t>
+            </a:r>
+            <a:r>
+              <a:rPr lang="en-US" altLang="ko-KR" dirty="0"/>
+              <a:t> Learning</a:t>
+            </a:r>
+            <a:endParaRPr lang="ko-KR" altLang="en-US" dirty="0"/>
+          </a:p>
+        </p:txBody>
+      </p:sp>
+      <p:grpSp>
+        <p:nvGrpSpPr>
+          <p:cNvPr id="13" name="Group 12">
+            <a:extLst>
+              <a:ext uri="{FF2B5EF4-FFF2-40B4-BE49-F238E27FC236}">
+                <a16:creationId xmlns:a16="http://schemas.microsoft.com/office/drawing/2014/main" id="{605E1A66-689D-7331-511E-FD76B9D76D49}"/>
+              </a:ext>
+            </a:extLst>
+          </p:cNvPr>
+          <p:cNvGrpSpPr/>
+          <p:nvPr/>
+        </p:nvGrpSpPr>
+        <p:grpSpPr>
+          <a:xfrm>
+            <a:off x="934134" y="1168566"/>
+            <a:ext cx="8102362" cy="1552788"/>
+            <a:chOff x="541393" y="1168566"/>
+            <a:chExt cx="8102362" cy="1552788"/>
+          </a:xfrm>
+        </p:grpSpPr>
+        <p:sp>
+          <p:nvSpPr>
+            <p:cNvPr id="3" name="Chevron 2">
+              <a:extLst>
+                <a:ext uri="{FF2B5EF4-FFF2-40B4-BE49-F238E27FC236}">
+                  <a16:creationId xmlns:a16="http://schemas.microsoft.com/office/drawing/2014/main" id="{E5DA4028-642F-0704-9FE8-BCBBA2279A60}"/>
+                </a:ext>
+              </a:extLst>
+            </p:cNvPr>
+            <p:cNvSpPr/>
+            <p:nvPr/>
+          </p:nvSpPr>
+          <p:spPr>
+            <a:xfrm>
+              <a:off x="541393" y="1558628"/>
+              <a:ext cx="1428225" cy="772664"/>
+            </a:xfrm>
+            <a:prstGeom prst="chevron">
+              <a:avLst>
+                <a:gd name="adj" fmla="val 44855"/>
+              </a:avLst>
+            </a:prstGeom>
+            <a:solidFill>
+              <a:schemeClr val="accent6"/>
+            </a:solidFill>
+            <a:ln>
+              <a:noFill/>
+            </a:ln>
+          </p:spPr>
+          <p:style>
+            <a:lnRef idx="2">
+              <a:schemeClr val="accent1">
+                <a:shade val="50000"/>
+              </a:schemeClr>
+            </a:lnRef>
+            <a:fillRef idx="1">
+              <a:schemeClr val="accent1"/>
+            </a:fillRef>
+            <a:effectRef idx="0">
+              <a:schemeClr val="accent1"/>
+            </a:effectRef>
+            <a:fontRef idx="minor">
+              <a:schemeClr val="lt1"/>
+            </a:fontRef>
+          </p:style>
+          <p:txBody>
+            <a:bodyPr rot="0" spcFirstLastPara="0" vertOverflow="overflow" horzOverflow="overflow" vert="horz" wrap="square" lIns="91440" tIns="45720" rIns="91440" bIns="45720" numCol="1" spcCol="0" rtlCol="0" fromWordArt="0" anchor="ctr" anchorCtr="0" forceAA="0" compatLnSpc="1">
+              <a:prstTxWarp prst="textNoShape">
+                <a:avLst/>
+              </a:prstTxWarp>
+              <a:noAutofit/>
+            </a:bodyPr>
+            <a:lstStyle/>
+            <a:p>
+              <a:pPr algn="ctr"/>
+              <a:endParaRPr lang="ko-KR" altLang="en-US" dirty="0">
+                <a:solidFill>
+                  <a:schemeClr val="tx1"/>
+                </a:solidFill>
+              </a:endParaRPr>
+            </a:p>
+          </p:txBody>
+        </p:sp>
+        <p:sp>
+          <p:nvSpPr>
+            <p:cNvPr id="9" name="Chevron 8">
+              <a:extLst>
+                <a:ext uri="{FF2B5EF4-FFF2-40B4-BE49-F238E27FC236}">
+                  <a16:creationId xmlns:a16="http://schemas.microsoft.com/office/drawing/2014/main" id="{6C1C6F2F-D550-221A-BD5C-22851F06B787}"/>
+                </a:ext>
+              </a:extLst>
+            </p:cNvPr>
+            <p:cNvSpPr/>
+            <p:nvPr/>
+          </p:nvSpPr>
+          <p:spPr>
+            <a:xfrm>
+              <a:off x="1761977" y="1558628"/>
+              <a:ext cx="1428225" cy="772664"/>
+            </a:xfrm>
+            <a:prstGeom prst="chevron">
+              <a:avLst>
+                <a:gd name="adj" fmla="val 44855"/>
+              </a:avLst>
+            </a:prstGeom>
+            <a:solidFill>
+              <a:schemeClr val="accent5"/>
+            </a:solidFill>
+            <a:ln>
+              <a:noFill/>
+            </a:ln>
+          </p:spPr>
+          <p:style>
+            <a:lnRef idx="2">
+              <a:schemeClr val="accent1">
+                <a:shade val="50000"/>
+              </a:schemeClr>
+            </a:lnRef>
+            <a:fillRef idx="1">
+              <a:schemeClr val="accent1"/>
+            </a:fillRef>
+            <a:effectRef idx="0">
+              <a:schemeClr val="accent1"/>
+            </a:effectRef>
+            <a:fontRef idx="minor">
+              <a:schemeClr val="lt1"/>
+            </a:fontRef>
+          </p:style>
+          <p:txBody>
+            <a:bodyPr rot="0" spcFirstLastPara="0" vertOverflow="overflow" horzOverflow="overflow" vert="horz" wrap="square" lIns="91440" tIns="45720" rIns="91440" bIns="45720" numCol="1" spcCol="0" rtlCol="0" fromWordArt="0" anchor="ctr" anchorCtr="0" forceAA="0" compatLnSpc="1">
+              <a:prstTxWarp prst="textNoShape">
+                <a:avLst/>
+              </a:prstTxWarp>
+              <a:noAutofit/>
+            </a:bodyPr>
+            <a:lstStyle/>
+            <a:p>
+              <a:pPr algn="ctr"/>
+              <a:endParaRPr lang="ko-KR" altLang="en-US" dirty="0">
+                <a:solidFill>
+                  <a:schemeClr val="tx1"/>
+                </a:solidFill>
+              </a:endParaRPr>
+            </a:p>
+          </p:txBody>
+        </p:sp>
+        <p:sp>
+          <p:nvSpPr>
+            <p:cNvPr id="10" name="Chevron 9">
+              <a:extLst>
+                <a:ext uri="{FF2B5EF4-FFF2-40B4-BE49-F238E27FC236}">
+                  <a16:creationId xmlns:a16="http://schemas.microsoft.com/office/drawing/2014/main" id="{F9DD671D-630A-957F-746C-2FC1AC3BCD3E}"/>
+                </a:ext>
+              </a:extLst>
+            </p:cNvPr>
+            <p:cNvSpPr/>
+            <p:nvPr/>
+          </p:nvSpPr>
+          <p:spPr>
+            <a:xfrm>
+              <a:off x="2982561" y="1558628"/>
+              <a:ext cx="1428225" cy="772664"/>
+            </a:xfrm>
+            <a:prstGeom prst="chevron">
+              <a:avLst>
+                <a:gd name="adj" fmla="val 44855"/>
+              </a:avLst>
+            </a:prstGeom>
+            <a:solidFill>
+              <a:schemeClr val="accent4"/>
+            </a:solidFill>
+            <a:ln>
+              <a:noFill/>
+            </a:ln>
+          </p:spPr>
+          <p:style>
+            <a:lnRef idx="2">
+              <a:schemeClr val="accent1">
+                <a:shade val="50000"/>
+              </a:schemeClr>
+            </a:lnRef>
+            <a:fillRef idx="1">
+              <a:schemeClr val="accent1"/>
+            </a:fillRef>
+            <a:effectRef idx="0">
+              <a:schemeClr val="accent1"/>
+            </a:effectRef>
+            <a:fontRef idx="minor">
+              <a:schemeClr val="lt1"/>
+            </a:fontRef>
+          </p:style>
+          <p:txBody>
+            <a:bodyPr rot="0" spcFirstLastPara="0" vertOverflow="overflow" horzOverflow="overflow" vert="horz" wrap="square" lIns="91440" tIns="45720" rIns="91440" bIns="45720" numCol="1" spcCol="0" rtlCol="0" fromWordArt="0" anchor="ctr" anchorCtr="0" forceAA="0" compatLnSpc="1">
+              <a:prstTxWarp prst="textNoShape">
+                <a:avLst/>
+              </a:prstTxWarp>
+              <a:noAutofit/>
+            </a:bodyPr>
+            <a:lstStyle/>
+            <a:p>
+              <a:pPr algn="ctr"/>
+              <a:endParaRPr lang="ko-KR" altLang="en-US" dirty="0">
+                <a:solidFill>
+                  <a:schemeClr val="tx1"/>
+                </a:solidFill>
+              </a:endParaRPr>
+            </a:p>
+          </p:txBody>
+        </p:sp>
+        <p:sp>
+          <p:nvSpPr>
+            <p:cNvPr id="11" name="Chevron 10">
+              <a:extLst>
+                <a:ext uri="{FF2B5EF4-FFF2-40B4-BE49-F238E27FC236}">
+                  <a16:creationId xmlns:a16="http://schemas.microsoft.com/office/drawing/2014/main" id="{A080422D-56AD-F941-7719-020F925C8DBD}"/>
+                </a:ext>
+              </a:extLst>
+            </p:cNvPr>
+            <p:cNvSpPr/>
+            <p:nvPr/>
+          </p:nvSpPr>
+          <p:spPr>
+            <a:xfrm>
+              <a:off x="4203145" y="1558628"/>
+              <a:ext cx="1428225" cy="772664"/>
+            </a:xfrm>
+            <a:prstGeom prst="chevron">
+              <a:avLst>
+                <a:gd name="adj" fmla="val 44855"/>
+              </a:avLst>
+            </a:prstGeom>
+            <a:solidFill>
+              <a:schemeClr val="accent3"/>
+            </a:solidFill>
+            <a:ln>
+              <a:noFill/>
+            </a:ln>
+          </p:spPr>
+          <p:style>
+            <a:lnRef idx="2">
+              <a:schemeClr val="accent1">
+                <a:shade val="50000"/>
+              </a:schemeClr>
+            </a:lnRef>
+            <a:fillRef idx="1">
+              <a:schemeClr val="accent1"/>
+            </a:fillRef>
+            <a:effectRef idx="0">
+              <a:schemeClr val="accent1"/>
+            </a:effectRef>
+            <a:fontRef idx="minor">
+              <a:schemeClr val="lt1"/>
+            </a:fontRef>
+          </p:style>
+          <p:txBody>
+            <a:bodyPr rot="0" spcFirstLastPara="0" vertOverflow="overflow" horzOverflow="overflow" vert="horz" wrap="square" lIns="91440" tIns="45720" rIns="91440" bIns="45720" numCol="1" spcCol="0" rtlCol="0" fromWordArt="0" anchor="ctr" anchorCtr="0" forceAA="0" compatLnSpc="1">
+              <a:prstTxWarp prst="textNoShape">
+                <a:avLst/>
+              </a:prstTxWarp>
+              <a:noAutofit/>
+            </a:bodyPr>
+            <a:lstStyle/>
+            <a:p>
+              <a:pPr algn="ctr"/>
+              <a:endParaRPr lang="ko-KR" altLang="en-US" dirty="0">
+                <a:solidFill>
+                  <a:schemeClr val="tx1"/>
+                </a:solidFill>
+              </a:endParaRPr>
+            </a:p>
+          </p:txBody>
+        </p:sp>
+        <p:sp>
+          <p:nvSpPr>
+            <p:cNvPr id="12" name="Chevron 11">
+              <a:extLst>
+                <a:ext uri="{FF2B5EF4-FFF2-40B4-BE49-F238E27FC236}">
+                  <a16:creationId xmlns:a16="http://schemas.microsoft.com/office/drawing/2014/main" id="{6868B4C7-65D4-B1DC-E432-30C0FD4A50A6}"/>
+                </a:ext>
+              </a:extLst>
+            </p:cNvPr>
+            <p:cNvSpPr/>
+            <p:nvPr/>
+          </p:nvSpPr>
+          <p:spPr>
+            <a:xfrm>
+              <a:off x="5423729" y="1558628"/>
+              <a:ext cx="1428225" cy="772664"/>
+            </a:xfrm>
+            <a:prstGeom prst="chevron">
+              <a:avLst>
+                <a:gd name="adj" fmla="val 44855"/>
+              </a:avLst>
+            </a:prstGeom>
+            <a:solidFill>
+              <a:schemeClr val="accent2"/>
+            </a:solidFill>
+            <a:ln>
+              <a:noFill/>
+            </a:ln>
+          </p:spPr>
+          <p:style>
+            <a:lnRef idx="2">
+              <a:schemeClr val="accent1">
+                <a:shade val="50000"/>
+              </a:schemeClr>
+            </a:lnRef>
+            <a:fillRef idx="1">
+              <a:schemeClr val="accent1"/>
+            </a:fillRef>
+            <a:effectRef idx="0">
+              <a:schemeClr val="accent1"/>
+            </a:effectRef>
+            <a:fontRef idx="minor">
+              <a:schemeClr val="lt1"/>
+            </a:fontRef>
+          </p:style>
+          <p:txBody>
+            <a:bodyPr rot="0" spcFirstLastPara="0" vertOverflow="overflow" horzOverflow="overflow" vert="horz" wrap="square" lIns="91440" tIns="45720" rIns="91440" bIns="45720" numCol="1" spcCol="0" rtlCol="0" fromWordArt="0" anchor="ctr" anchorCtr="0" forceAA="0" compatLnSpc="1">
+              <a:prstTxWarp prst="textNoShape">
+                <a:avLst/>
+              </a:prstTxWarp>
+              <a:noAutofit/>
+            </a:bodyPr>
+            <a:lstStyle/>
+            <a:p>
+              <a:pPr algn="ctr"/>
+              <a:endParaRPr lang="ko-KR" altLang="en-US" dirty="0">
+                <a:solidFill>
+                  <a:schemeClr val="tx1"/>
+                </a:solidFill>
+              </a:endParaRPr>
+            </a:p>
+          </p:txBody>
+        </p:sp>
+        <p:sp>
+          <p:nvSpPr>
+            <p:cNvPr id="8" name="Up Arrow 7">
+              <a:extLst>
+                <a:ext uri="{FF2B5EF4-FFF2-40B4-BE49-F238E27FC236}">
+                  <a16:creationId xmlns:a16="http://schemas.microsoft.com/office/drawing/2014/main" id="{1759F5E4-178F-6373-3F11-48CF2AA1C5D4}"/>
+                </a:ext>
+              </a:extLst>
+            </p:cNvPr>
+            <p:cNvSpPr/>
+            <p:nvPr/>
+          </p:nvSpPr>
+          <p:spPr>
+            <a:xfrm rot="5400000">
+              <a:off x="6859530" y="937129"/>
+              <a:ext cx="1552788" cy="2015662"/>
+            </a:xfrm>
+            <a:custGeom>
+              <a:avLst/>
+              <a:gdLst/>
+              <a:ahLst/>
+              <a:cxnLst/>
+              <a:rect l="l" t="t" r="r" b="b"/>
+              <a:pathLst>
+                <a:path w="1552788" h="2015662">
+                  <a:moveTo>
+                    <a:pt x="0" y="736643"/>
+                  </a:moveTo>
+                  <a:lnTo>
+                    <a:pt x="776394" y="0"/>
+                  </a:lnTo>
+                  <a:lnTo>
+                    <a:pt x="1552788" y="736643"/>
+                  </a:lnTo>
+                  <a:lnTo>
+                    <a:pt x="1164591" y="736643"/>
+                  </a:lnTo>
+                  <a:lnTo>
+                    <a:pt x="1164591" y="2015662"/>
+                  </a:lnTo>
+                  <a:lnTo>
+                    <a:pt x="1162556" y="2015662"/>
+                  </a:lnTo>
+                  <a:lnTo>
+                    <a:pt x="776394" y="1669237"/>
+                  </a:lnTo>
+                  <a:lnTo>
+                    <a:pt x="390233" y="2015662"/>
+                  </a:lnTo>
+                  <a:lnTo>
+                    <a:pt x="388197" y="2015662"/>
+                  </a:lnTo>
+                  <a:lnTo>
+                    <a:pt x="388197" y="736643"/>
+                  </a:lnTo>
+                  <a:close/>
+                </a:path>
+              </a:pathLst>
+            </a:custGeom>
+            <a:solidFill>
+              <a:schemeClr val="accent1"/>
+            </a:solidFill>
+            <a:ln>
+              <a:noFill/>
+            </a:ln>
+          </p:spPr>
+          <p:style>
+            <a:lnRef idx="2">
+              <a:schemeClr val="accent1">
+                <a:shade val="50000"/>
+              </a:schemeClr>
+            </a:lnRef>
+            <a:fillRef idx="1">
+              <a:schemeClr val="accent1"/>
+            </a:fillRef>
+            <a:effectRef idx="0">
+              <a:schemeClr val="accent1"/>
+            </a:effectRef>
+            <a:fontRef idx="minor">
+              <a:schemeClr val="lt1"/>
+            </a:fontRef>
+          </p:style>
+          <p:txBody>
+            <a:bodyPr rot="0" spcFirstLastPara="0" vertOverflow="overflow" horzOverflow="overflow" vert="horz" wrap="square" lIns="91440" tIns="45720" rIns="91440" bIns="45720" numCol="1" spcCol="0" rtlCol="0" fromWordArt="0" anchor="ctr" anchorCtr="0" forceAA="0" compatLnSpc="1">
+              <a:prstTxWarp prst="textNoShape">
+                <a:avLst/>
+              </a:prstTxWarp>
+              <a:noAutofit/>
+            </a:bodyPr>
+            <a:lstStyle/>
+            <a:p>
+              <a:pPr algn="ctr"/>
+              <a:endParaRPr lang="ko-KR" altLang="en-US" dirty="0"/>
+            </a:p>
+          </p:txBody>
+        </p:sp>
+      </p:grpSp>
+      <p:sp>
+        <p:nvSpPr>
+          <p:cNvPr id="22" name="TextBox 21">
+            <a:extLst>
+              <a:ext uri="{FF2B5EF4-FFF2-40B4-BE49-F238E27FC236}">
+                <a16:creationId xmlns:a16="http://schemas.microsoft.com/office/drawing/2014/main" id="{8468B752-D524-427C-6F71-DB974F6351C0}"/>
+              </a:ext>
+            </a:extLst>
+          </p:cNvPr>
+          <p:cNvSpPr txBox="1"/>
+          <p:nvPr/>
+        </p:nvSpPr>
+        <p:spPr>
+          <a:xfrm>
+            <a:off x="7522375" y="3251924"/>
+            <a:ext cx="1012018" cy="369332"/>
+          </a:xfrm>
+          <a:prstGeom prst="rect">
+            <a:avLst/>
+          </a:prstGeom>
+          <a:noFill/>
+        </p:spPr>
+        <p:txBody>
+          <a:bodyPr wrap="square" tIns="0" bIns="0" rtlCol="0" anchor="ctr">
+            <a:spAutoFit/>
+          </a:bodyPr>
+          <a:lstStyle/>
+          <a:p>
+            <a:pPr algn="ctr"/>
+            <a:r>
+              <a:rPr lang="en-US" altLang="ko-KR" sz="2400" b="1" dirty="0">
+                <a:solidFill>
+                  <a:schemeClr val="accent1"/>
+                </a:solidFill>
+                <a:cs typeface="Arial" pitchFamily="34" charset="0"/>
+              </a:rPr>
+              <a:t>6</a:t>
+            </a:r>
+          </a:p>
+        </p:txBody>
+      </p:sp>
+      <p:sp>
+        <p:nvSpPr>
+          <p:cNvPr id="23" name="TextBox 22">
+            <a:extLst>
+              <a:ext uri="{FF2B5EF4-FFF2-40B4-BE49-F238E27FC236}">
+                <a16:creationId xmlns:a16="http://schemas.microsoft.com/office/drawing/2014/main" id="{3AC9561A-0C14-2957-2A02-69F4E26A53D7}"/>
+              </a:ext>
+            </a:extLst>
+          </p:cNvPr>
+          <p:cNvSpPr txBox="1"/>
+          <p:nvPr/>
+        </p:nvSpPr>
+        <p:spPr>
+          <a:xfrm>
+            <a:off x="6010207" y="2921649"/>
+            <a:ext cx="1012018" cy="246221"/>
+          </a:xfrm>
+          <a:prstGeom prst="rect">
+            <a:avLst/>
+          </a:prstGeom>
+          <a:noFill/>
+        </p:spPr>
+        <p:txBody>
+          <a:bodyPr wrap="square" tIns="0" bIns="0" rtlCol="0" anchor="ctr">
+            <a:spAutoFit/>
+          </a:bodyPr>
+          <a:lstStyle/>
+          <a:p>
+            <a:pPr algn="ctr"/>
+            <a:r>
+              <a:rPr lang="en-US" altLang="ko-KR" sz="1600" b="1" dirty="0">
+                <a:solidFill>
+                  <a:schemeClr val="accent2"/>
+                </a:solidFill>
+                <a:cs typeface="Arial" pitchFamily="34" charset="0"/>
+              </a:rPr>
+              <a:t>5</a:t>
+            </a:r>
+          </a:p>
+        </p:txBody>
+      </p:sp>
+      <p:sp>
+        <p:nvSpPr>
+          <p:cNvPr id="24" name="TextBox 23">
+            <a:extLst>
+              <a:ext uri="{FF2B5EF4-FFF2-40B4-BE49-F238E27FC236}">
+                <a16:creationId xmlns:a16="http://schemas.microsoft.com/office/drawing/2014/main" id="{9F829D4F-CC52-3F61-42DC-17ACE7EF64C6}"/>
+              </a:ext>
+            </a:extLst>
+          </p:cNvPr>
+          <p:cNvSpPr txBox="1"/>
+          <p:nvPr/>
+        </p:nvSpPr>
+        <p:spPr>
+          <a:xfrm>
+            <a:off x="4784118" y="2921649"/>
+            <a:ext cx="1012018" cy="246221"/>
+          </a:xfrm>
+          <a:prstGeom prst="rect">
+            <a:avLst/>
+          </a:prstGeom>
+          <a:noFill/>
+        </p:spPr>
+        <p:txBody>
+          <a:bodyPr wrap="square" tIns="0" bIns="0" rtlCol="0" anchor="ctr">
+            <a:spAutoFit/>
+          </a:bodyPr>
+          <a:lstStyle/>
+          <a:p>
+            <a:pPr algn="ctr"/>
+            <a:r>
+              <a:rPr lang="en-US" altLang="ko-KR" sz="1600" b="1" dirty="0">
+                <a:solidFill>
+                  <a:schemeClr val="accent3"/>
+                </a:solidFill>
+                <a:cs typeface="Arial" pitchFamily="34" charset="0"/>
+              </a:rPr>
+              <a:t>4</a:t>
+            </a:r>
+          </a:p>
+        </p:txBody>
+      </p:sp>
+      <p:sp>
+        <p:nvSpPr>
+          <p:cNvPr id="25" name="TextBox 24">
+            <a:extLst>
+              <a:ext uri="{FF2B5EF4-FFF2-40B4-BE49-F238E27FC236}">
+                <a16:creationId xmlns:a16="http://schemas.microsoft.com/office/drawing/2014/main" id="{CDBD47F6-B9BA-4BC2-02A2-4E5F39AC3628}"/>
+              </a:ext>
+            </a:extLst>
+          </p:cNvPr>
+          <p:cNvSpPr txBox="1"/>
+          <p:nvPr/>
+        </p:nvSpPr>
+        <p:spPr>
+          <a:xfrm>
+            <a:off x="3559982" y="2921649"/>
+            <a:ext cx="1012018" cy="246221"/>
+          </a:xfrm>
+          <a:prstGeom prst="rect">
+            <a:avLst/>
+          </a:prstGeom>
+          <a:noFill/>
+        </p:spPr>
+        <p:txBody>
+          <a:bodyPr wrap="square" tIns="0" bIns="0" rtlCol="0" anchor="ctr">
+            <a:spAutoFit/>
+          </a:bodyPr>
+          <a:lstStyle/>
+          <a:p>
+            <a:pPr algn="ctr"/>
+            <a:r>
+              <a:rPr lang="en-US" altLang="ko-KR" sz="1600" b="1" dirty="0">
+                <a:solidFill>
+                  <a:schemeClr val="accent4"/>
+                </a:solidFill>
+                <a:cs typeface="Arial" pitchFamily="34" charset="0"/>
+              </a:rPr>
+              <a:t>3</a:t>
+            </a:r>
+          </a:p>
+        </p:txBody>
+      </p:sp>
+      <p:sp>
+        <p:nvSpPr>
+          <p:cNvPr id="26" name="TextBox 25">
+            <a:extLst>
+              <a:ext uri="{FF2B5EF4-FFF2-40B4-BE49-F238E27FC236}">
+                <a16:creationId xmlns:a16="http://schemas.microsoft.com/office/drawing/2014/main" id="{319F51BF-C816-5184-379A-247190D65F48}"/>
+              </a:ext>
+            </a:extLst>
+          </p:cNvPr>
+          <p:cNvSpPr txBox="1"/>
+          <p:nvPr/>
+        </p:nvSpPr>
+        <p:spPr>
+          <a:xfrm>
+            <a:off x="2191830" y="2921649"/>
+            <a:ext cx="1012018" cy="246221"/>
+          </a:xfrm>
+          <a:prstGeom prst="rect">
+            <a:avLst/>
+          </a:prstGeom>
+          <a:noFill/>
+        </p:spPr>
+        <p:txBody>
+          <a:bodyPr wrap="square" tIns="0" bIns="0" rtlCol="0" anchor="ctr">
+            <a:spAutoFit/>
+          </a:bodyPr>
+          <a:lstStyle/>
+          <a:p>
+            <a:pPr algn="ctr"/>
+            <a:r>
+              <a:rPr lang="en-US" altLang="ko-KR" sz="1600" b="1" dirty="0">
+                <a:solidFill>
+                  <a:schemeClr val="accent5"/>
+                </a:solidFill>
+                <a:cs typeface="Arial" pitchFamily="34" charset="0"/>
+              </a:rPr>
+              <a:t>2</a:t>
+            </a:r>
+          </a:p>
+        </p:txBody>
+      </p:sp>
+      <p:sp>
+        <p:nvSpPr>
+          <p:cNvPr id="27" name="TextBox 26">
+            <a:extLst>
+              <a:ext uri="{FF2B5EF4-FFF2-40B4-BE49-F238E27FC236}">
+                <a16:creationId xmlns:a16="http://schemas.microsoft.com/office/drawing/2014/main" id="{C7F9B889-096E-A248-9B3D-480BFE9DC382}"/>
+              </a:ext>
+            </a:extLst>
+          </p:cNvPr>
+          <p:cNvSpPr txBox="1"/>
+          <p:nvPr/>
+        </p:nvSpPr>
+        <p:spPr>
+          <a:xfrm>
+            <a:off x="650953" y="2921649"/>
+            <a:ext cx="1012018" cy="246221"/>
+          </a:xfrm>
+          <a:prstGeom prst="rect">
+            <a:avLst/>
+          </a:prstGeom>
+          <a:noFill/>
+        </p:spPr>
+        <p:txBody>
+          <a:bodyPr wrap="square" tIns="0" bIns="0" rtlCol="0" anchor="ctr">
+            <a:spAutoFit/>
+          </a:bodyPr>
+          <a:lstStyle/>
+          <a:p>
+            <a:pPr algn="ctr"/>
+            <a:r>
+              <a:rPr lang="en-US" altLang="ko-KR" sz="1600" b="1" dirty="0">
+                <a:cs typeface="Arial" pitchFamily="34" charset="0"/>
+              </a:rPr>
+              <a:t>1</a:t>
+            </a:r>
+          </a:p>
+        </p:txBody>
+      </p:sp>
+      <p:cxnSp>
+        <p:nvCxnSpPr>
+          <p:cNvPr id="28" name="Straight Connector 27">
+            <a:extLst>
+              <a:ext uri="{FF2B5EF4-FFF2-40B4-BE49-F238E27FC236}">
+                <a16:creationId xmlns:a16="http://schemas.microsoft.com/office/drawing/2014/main" id="{C35A5817-CA87-FBA3-D916-B631428AA27E}"/>
+              </a:ext>
+            </a:extLst>
+          </p:cNvPr>
+          <p:cNvCxnSpPr/>
+          <p:nvPr/>
+        </p:nvCxnSpPr>
+        <p:spPr>
+          <a:xfrm>
+            <a:off x="1156962" y="2465424"/>
+            <a:ext cx="0" cy="322350"/>
+          </a:xfrm>
+          <a:prstGeom prst="line">
+            <a:avLst/>
+          </a:prstGeom>
+          <a:ln w="38100">
+            <a:solidFill>
+              <a:schemeClr val="accent6"/>
+            </a:solidFill>
+          </a:ln>
+        </p:spPr>
+        <p:style>
+          <a:lnRef idx="1">
+            <a:schemeClr val="accent1"/>
+          </a:lnRef>
+          <a:fillRef idx="0">
+            <a:schemeClr val="accent1"/>
+          </a:fillRef>
+          <a:effectRef idx="0">
+            <a:schemeClr val="accent1"/>
+          </a:effectRef>
+          <a:fontRef idx="minor">
+            <a:schemeClr val="tx1"/>
+          </a:fontRef>
+        </p:style>
+      </p:cxnSp>
+      <p:cxnSp>
+        <p:nvCxnSpPr>
+          <p:cNvPr id="35" name="Straight Connector 34">
+            <a:extLst>
+              <a:ext uri="{FF2B5EF4-FFF2-40B4-BE49-F238E27FC236}">
+                <a16:creationId xmlns:a16="http://schemas.microsoft.com/office/drawing/2014/main" id="{BC6A5D82-6F91-702A-8CE9-12E7D8850A08}"/>
+              </a:ext>
+            </a:extLst>
+          </p:cNvPr>
+          <p:cNvCxnSpPr/>
+          <p:nvPr/>
+        </p:nvCxnSpPr>
+        <p:spPr>
+          <a:xfrm>
+            <a:off x="2699792" y="2465424"/>
+            <a:ext cx="0" cy="322350"/>
+          </a:xfrm>
+          <a:prstGeom prst="line">
+            <a:avLst/>
+          </a:prstGeom>
+          <a:ln w="38100">
+            <a:solidFill>
+              <a:schemeClr val="accent5"/>
+            </a:solidFill>
+          </a:ln>
+        </p:spPr>
+        <p:style>
+          <a:lnRef idx="1">
+            <a:schemeClr val="accent1"/>
+          </a:lnRef>
+          <a:fillRef idx="0">
+            <a:schemeClr val="accent1"/>
+          </a:fillRef>
+          <a:effectRef idx="0">
+            <a:schemeClr val="accent1"/>
+          </a:effectRef>
+          <a:fontRef idx="minor">
+            <a:schemeClr val="tx1"/>
+          </a:fontRef>
+        </p:style>
+      </p:cxnSp>
+      <p:cxnSp>
+        <p:nvCxnSpPr>
+          <p:cNvPr id="36" name="Straight Connector 35">
+            <a:extLst>
+              <a:ext uri="{FF2B5EF4-FFF2-40B4-BE49-F238E27FC236}">
+                <a16:creationId xmlns:a16="http://schemas.microsoft.com/office/drawing/2014/main" id="{2C1782C1-3971-3717-5E2B-8A79B4801EF7}"/>
+              </a:ext>
+            </a:extLst>
+          </p:cNvPr>
+          <p:cNvCxnSpPr/>
+          <p:nvPr/>
+        </p:nvCxnSpPr>
+        <p:spPr>
+          <a:xfrm>
+            <a:off x="4067944" y="2465424"/>
+            <a:ext cx="0" cy="322350"/>
+          </a:xfrm>
+          <a:prstGeom prst="line">
+            <a:avLst/>
+          </a:prstGeom>
+          <a:ln w="38100">
+            <a:solidFill>
+              <a:schemeClr val="accent4"/>
+            </a:solidFill>
+          </a:ln>
+        </p:spPr>
+        <p:style>
+          <a:lnRef idx="1">
+            <a:schemeClr val="accent1"/>
+          </a:lnRef>
+          <a:fillRef idx="0">
+            <a:schemeClr val="accent1"/>
+          </a:fillRef>
+          <a:effectRef idx="0">
+            <a:schemeClr val="accent1"/>
+          </a:effectRef>
+          <a:fontRef idx="minor">
+            <a:schemeClr val="tx1"/>
+          </a:fontRef>
+        </p:style>
+      </p:cxnSp>
+      <p:cxnSp>
+        <p:nvCxnSpPr>
+          <p:cNvPr id="37" name="Straight Connector 36">
+            <a:extLst>
+              <a:ext uri="{FF2B5EF4-FFF2-40B4-BE49-F238E27FC236}">
+                <a16:creationId xmlns:a16="http://schemas.microsoft.com/office/drawing/2014/main" id="{43F0E378-457E-76B9-4643-DA836F003AF8}"/>
+              </a:ext>
+            </a:extLst>
+          </p:cNvPr>
+          <p:cNvCxnSpPr/>
+          <p:nvPr/>
+        </p:nvCxnSpPr>
+        <p:spPr>
+          <a:xfrm>
+            <a:off x="5292080" y="2465424"/>
+            <a:ext cx="0" cy="322350"/>
+          </a:xfrm>
+          <a:prstGeom prst="line">
+            <a:avLst/>
+          </a:prstGeom>
+          <a:ln w="38100">
+            <a:solidFill>
+              <a:schemeClr val="accent3"/>
+            </a:solidFill>
+          </a:ln>
+        </p:spPr>
+        <p:style>
+          <a:lnRef idx="1">
+            <a:schemeClr val="accent1"/>
+          </a:lnRef>
+          <a:fillRef idx="0">
+            <a:schemeClr val="accent1"/>
+          </a:fillRef>
+          <a:effectRef idx="0">
+            <a:schemeClr val="accent1"/>
+          </a:effectRef>
+          <a:fontRef idx="minor">
+            <a:schemeClr val="tx1"/>
+          </a:fontRef>
+        </p:style>
+      </p:cxnSp>
+      <p:cxnSp>
+        <p:nvCxnSpPr>
+          <p:cNvPr id="38" name="Straight Connector 37">
+            <a:extLst>
+              <a:ext uri="{FF2B5EF4-FFF2-40B4-BE49-F238E27FC236}">
+                <a16:creationId xmlns:a16="http://schemas.microsoft.com/office/drawing/2014/main" id="{F7BAE3EF-48BF-B712-EF2F-EAE8CA06089A}"/>
+              </a:ext>
+            </a:extLst>
+          </p:cNvPr>
+          <p:cNvCxnSpPr/>
+          <p:nvPr/>
+        </p:nvCxnSpPr>
+        <p:spPr>
+          <a:xfrm>
+            <a:off x="6516216" y="2440263"/>
+            <a:ext cx="0" cy="322350"/>
+          </a:xfrm>
+          <a:prstGeom prst="line">
+            <a:avLst/>
+          </a:prstGeom>
+          <a:ln w="38100">
+            <a:solidFill>
+              <a:schemeClr val="accent2"/>
+            </a:solidFill>
+          </a:ln>
+        </p:spPr>
+        <p:style>
+          <a:lnRef idx="1">
+            <a:schemeClr val="accent1"/>
+          </a:lnRef>
+          <a:fillRef idx="0">
+            <a:schemeClr val="accent1"/>
+          </a:fillRef>
+          <a:effectRef idx="0">
+            <a:schemeClr val="accent1"/>
+          </a:effectRef>
+          <a:fontRef idx="minor">
+            <a:schemeClr val="tx1"/>
+          </a:fontRef>
+        </p:style>
+      </p:cxnSp>
+      <p:cxnSp>
+        <p:nvCxnSpPr>
+          <p:cNvPr id="39" name="Straight Connector 38">
+            <a:extLst>
+              <a:ext uri="{FF2B5EF4-FFF2-40B4-BE49-F238E27FC236}">
+                <a16:creationId xmlns:a16="http://schemas.microsoft.com/office/drawing/2014/main" id="{64C56476-9843-7BF6-D692-80BB6CD078EA}"/>
+              </a:ext>
+            </a:extLst>
+          </p:cNvPr>
+          <p:cNvCxnSpPr/>
+          <p:nvPr/>
+        </p:nvCxnSpPr>
+        <p:spPr>
+          <a:xfrm>
+            <a:off x="8028384" y="2825464"/>
+            <a:ext cx="0" cy="322350"/>
+          </a:xfrm>
+          <a:prstGeom prst="line">
+            <a:avLst/>
+          </a:prstGeom>
+          <a:ln w="38100">
+            <a:solidFill>
+              <a:schemeClr val="accent1"/>
+            </a:solidFill>
+          </a:ln>
+        </p:spPr>
+        <p:style>
+          <a:lnRef idx="1">
+            <a:schemeClr val="accent1"/>
+          </a:lnRef>
+          <a:fillRef idx="0">
+            <a:schemeClr val="accent1"/>
+          </a:fillRef>
+          <a:effectRef idx="0">
+            <a:schemeClr val="accent1"/>
+          </a:effectRef>
+          <a:fontRef idx="minor">
+            <a:schemeClr val="tx1"/>
+          </a:fontRef>
+        </p:style>
+      </p:cxnSp>
+      <p:sp>
+        <p:nvSpPr>
+          <p:cNvPr id="40" name="TextBox 39">
+            <a:extLst>
+              <a:ext uri="{FF2B5EF4-FFF2-40B4-BE49-F238E27FC236}">
+                <a16:creationId xmlns:a16="http://schemas.microsoft.com/office/drawing/2014/main" id="{F00E39DB-D25F-DAD1-3501-72FE2239E282}"/>
+              </a:ext>
+            </a:extLst>
+          </p:cNvPr>
+          <p:cNvSpPr txBox="1"/>
+          <p:nvPr/>
+        </p:nvSpPr>
+        <p:spPr>
+          <a:xfrm>
+            <a:off x="-13890" y="3188324"/>
+            <a:ext cx="899366" cy="707886"/>
+          </a:xfrm>
+          <a:prstGeom prst="rect">
+            <a:avLst/>
+          </a:prstGeom>
+          <a:noFill/>
+        </p:spPr>
+        <p:txBody>
+          <a:bodyPr wrap="square" rtlCol="0">
+            <a:spAutoFit/>
+          </a:bodyPr>
+          <a:lstStyle/>
+          <a:p>
+            <a:pPr algn="l"/>
+            <a:r>
+              <a:rPr lang="es-AR" sz="1000" b="1" i="0" dirty="0">
+                <a:effectLst/>
+                <a:latin typeface="Roboto" panose="02000000000000000000" pitchFamily="2" charset="0"/>
+              </a:rPr>
+              <a:t>Abstracto (Motivación y Audiencia)</a:t>
+            </a:r>
+          </a:p>
+          <a:p>
+            <a:pPr algn="ctr"/>
+            <a:endParaRPr lang="en-US" altLang="ko-KR" sz="1000" dirty="0">
+              <a:cs typeface="Arial" pitchFamily="34" charset="0"/>
+            </a:endParaRPr>
+          </a:p>
+        </p:txBody>
+      </p:sp>
+      <p:sp>
+        <p:nvSpPr>
+          <p:cNvPr id="41" name="TextBox 40">
+            <a:extLst>
+              <a:ext uri="{FF2B5EF4-FFF2-40B4-BE49-F238E27FC236}">
+                <a16:creationId xmlns:a16="http://schemas.microsoft.com/office/drawing/2014/main" id="{4FCF8603-1DC8-A1C8-0200-582D72537719}"/>
+              </a:ext>
+            </a:extLst>
+          </p:cNvPr>
+          <p:cNvSpPr txBox="1"/>
+          <p:nvPr/>
+        </p:nvSpPr>
+        <p:spPr>
+          <a:xfrm>
+            <a:off x="899148" y="3270967"/>
+            <a:ext cx="967626" cy="600164"/>
+          </a:xfrm>
+          <a:prstGeom prst="rect">
+            <a:avLst/>
+          </a:prstGeom>
+          <a:noFill/>
+        </p:spPr>
+        <p:txBody>
+          <a:bodyPr wrap="square" rtlCol="0">
+            <a:spAutoFit/>
+          </a:bodyPr>
+          <a:lstStyle/>
+          <a:p>
+            <a:pPr algn="l"/>
+            <a:r>
+              <a:rPr lang="es-AR" sz="1100" b="1" i="0" dirty="0">
+                <a:effectLst/>
+                <a:latin typeface="Roboto" panose="02000000000000000000" pitchFamily="2" charset="0"/>
+              </a:rPr>
+              <a:t>Preguntas/Definición del problema</a:t>
+            </a:r>
+          </a:p>
+        </p:txBody>
+      </p:sp>
+      <p:sp>
+        <p:nvSpPr>
+          <p:cNvPr id="42" name="TextBox 41">
+            <a:extLst>
+              <a:ext uri="{FF2B5EF4-FFF2-40B4-BE49-F238E27FC236}">
+                <a16:creationId xmlns:a16="http://schemas.microsoft.com/office/drawing/2014/main" id="{AD45B6AC-33BD-6451-F150-673AC1B93AC1}"/>
+              </a:ext>
+            </a:extLst>
+          </p:cNvPr>
+          <p:cNvSpPr txBox="1"/>
+          <p:nvPr/>
+        </p:nvSpPr>
+        <p:spPr>
+          <a:xfrm>
+            <a:off x="1860328" y="3173257"/>
+            <a:ext cx="1775568" cy="400110"/>
+          </a:xfrm>
+          <a:prstGeom prst="rect">
+            <a:avLst/>
+          </a:prstGeom>
+          <a:noFill/>
+        </p:spPr>
+        <p:txBody>
+          <a:bodyPr wrap="square" rtlCol="0">
+            <a:spAutoFit/>
+          </a:bodyPr>
+          <a:lstStyle/>
+          <a:p>
+            <a:pPr algn="l"/>
+            <a:r>
+              <a:rPr lang="es-AR" sz="1000" b="1" i="0" dirty="0">
+                <a:effectLst/>
+                <a:latin typeface="Roboto" panose="02000000000000000000" pitchFamily="2" charset="0"/>
+              </a:rPr>
+              <a:t>Breve análisis exploratorio de datos (EDA)</a:t>
+            </a:r>
+          </a:p>
+        </p:txBody>
+      </p:sp>
+      <p:sp>
+        <p:nvSpPr>
+          <p:cNvPr id="43" name="TextBox 42">
+            <a:extLst>
+              <a:ext uri="{FF2B5EF4-FFF2-40B4-BE49-F238E27FC236}">
+                <a16:creationId xmlns:a16="http://schemas.microsoft.com/office/drawing/2014/main" id="{4F09A3B8-F38F-A25E-F72F-76D4794F644B}"/>
+              </a:ext>
+            </a:extLst>
+          </p:cNvPr>
+          <p:cNvSpPr txBox="1"/>
+          <p:nvPr/>
+        </p:nvSpPr>
+        <p:spPr>
+          <a:xfrm>
+            <a:off x="3580281" y="3216820"/>
+            <a:ext cx="1279751" cy="553998"/>
+          </a:xfrm>
+          <a:prstGeom prst="rect">
+            <a:avLst/>
+          </a:prstGeom>
+          <a:noFill/>
+        </p:spPr>
+        <p:txBody>
+          <a:bodyPr wrap="square" rtlCol="0">
+            <a:spAutoFit/>
+          </a:bodyPr>
+          <a:lstStyle/>
+          <a:p>
+            <a:r>
+              <a:rPr lang="es-AR" sz="1000" b="1" i="0" dirty="0">
+                <a:effectLst/>
+                <a:latin typeface="Roboto" panose="02000000000000000000" pitchFamily="2" charset="0"/>
+              </a:rPr>
+              <a:t>Ingeniería de características</a:t>
+            </a:r>
+          </a:p>
+          <a:p>
+            <a:pPr algn="ctr"/>
+            <a:endParaRPr lang="es-MX" altLang="ko-KR" sz="1000" dirty="0">
+              <a:solidFill>
+                <a:schemeClr val="tx1">
+                  <a:lumMod val="75000"/>
+                  <a:lumOff val="25000"/>
+                </a:schemeClr>
+              </a:solidFill>
+              <a:cs typeface="Arial" pitchFamily="34" charset="0"/>
+            </a:endParaRPr>
+          </a:p>
+        </p:txBody>
+      </p:sp>
+      <p:sp>
+        <p:nvSpPr>
+          <p:cNvPr id="44" name="TextBox 43">
+            <a:extLst>
+              <a:ext uri="{FF2B5EF4-FFF2-40B4-BE49-F238E27FC236}">
+                <a16:creationId xmlns:a16="http://schemas.microsoft.com/office/drawing/2014/main" id="{A6CBCBF9-13AC-E536-B036-05F5F4E441DA}"/>
+              </a:ext>
+            </a:extLst>
+          </p:cNvPr>
+          <p:cNvSpPr txBox="1"/>
+          <p:nvPr/>
+        </p:nvSpPr>
+        <p:spPr>
+          <a:xfrm>
+            <a:off x="4785782" y="3190891"/>
+            <a:ext cx="1658426" cy="400110"/>
+          </a:xfrm>
+          <a:prstGeom prst="rect">
+            <a:avLst/>
+          </a:prstGeom>
+          <a:noFill/>
+        </p:spPr>
+        <p:txBody>
+          <a:bodyPr wrap="square" rtlCol="0">
+            <a:spAutoFit/>
+          </a:bodyPr>
+          <a:lstStyle/>
+          <a:p>
+            <a:pPr algn="ctr"/>
+            <a:r>
+              <a:rPr lang="es-AR" sz="1000" b="1" i="0" dirty="0">
+                <a:effectLst/>
+                <a:latin typeface="Roboto" panose="02000000000000000000" pitchFamily="2" charset="0"/>
+              </a:rPr>
+              <a:t>Entrenamiento y prueba</a:t>
+            </a:r>
+          </a:p>
+          <a:p>
+            <a:pPr algn="ctr"/>
+            <a:endParaRPr lang="en-US" altLang="ko-KR" sz="1000" dirty="0">
+              <a:solidFill>
+                <a:schemeClr val="tx1">
+                  <a:lumMod val="75000"/>
+                  <a:lumOff val="25000"/>
+                </a:schemeClr>
+              </a:solidFill>
+              <a:cs typeface="Arial" pitchFamily="34" charset="0"/>
+            </a:endParaRPr>
+          </a:p>
+        </p:txBody>
+      </p:sp>
+      <p:sp>
+        <p:nvSpPr>
+          <p:cNvPr id="45" name="TextBox 44">
+            <a:extLst>
+              <a:ext uri="{FF2B5EF4-FFF2-40B4-BE49-F238E27FC236}">
+                <a16:creationId xmlns:a16="http://schemas.microsoft.com/office/drawing/2014/main" id="{0B4D29F5-B16C-D58B-9588-0E54B0BD87A9}"/>
+              </a:ext>
+            </a:extLst>
+          </p:cNvPr>
+          <p:cNvSpPr txBox="1"/>
+          <p:nvPr/>
+        </p:nvSpPr>
+        <p:spPr>
+          <a:xfrm>
+            <a:off x="6876256" y="3734911"/>
+            <a:ext cx="2059111" cy="461665"/>
+          </a:xfrm>
+          <a:prstGeom prst="rect">
+            <a:avLst/>
+          </a:prstGeom>
+          <a:noFill/>
+        </p:spPr>
+        <p:txBody>
+          <a:bodyPr wrap="square" rtlCol="0">
+            <a:spAutoFit/>
+          </a:bodyPr>
+          <a:lstStyle/>
+          <a:p>
+            <a:pPr algn="ctr"/>
+            <a:r>
+              <a:rPr lang="es-AR" sz="1200" b="1" i="0" dirty="0">
+                <a:effectLst/>
+                <a:latin typeface="Roboto" panose="02000000000000000000" pitchFamily="2" charset="0"/>
+              </a:rPr>
+              <a:t>Selección del modelo</a:t>
+            </a:r>
+          </a:p>
+          <a:p>
+            <a:pPr algn="ctr"/>
+            <a:endParaRPr lang="en-US" altLang="ko-KR" sz="1200" dirty="0">
+              <a:solidFill>
+                <a:schemeClr val="tx1">
+                  <a:lumMod val="75000"/>
+                  <a:lumOff val="25000"/>
+                </a:schemeClr>
+              </a:solidFill>
+              <a:cs typeface="Arial" pitchFamily="34" charset="0"/>
+            </a:endParaRPr>
+          </a:p>
+        </p:txBody>
+      </p:sp>
+      <p:sp>
+        <p:nvSpPr>
+          <p:cNvPr id="4" name="CuadroTexto 3">
+            <a:extLst>
+              <a:ext uri="{FF2B5EF4-FFF2-40B4-BE49-F238E27FC236}">
+                <a16:creationId xmlns:a16="http://schemas.microsoft.com/office/drawing/2014/main" id="{C54E4C9B-CF62-B5C0-C71B-B14B344EC2A0}"/>
+              </a:ext>
+            </a:extLst>
+          </p:cNvPr>
+          <p:cNvSpPr txBox="1"/>
+          <p:nvPr/>
+        </p:nvSpPr>
+        <p:spPr>
+          <a:xfrm>
+            <a:off x="630754" y="859319"/>
+            <a:ext cx="8189718" cy="523220"/>
+          </a:xfrm>
+          <a:prstGeom prst="rect">
+            <a:avLst/>
+          </a:prstGeom>
+          <a:noFill/>
+        </p:spPr>
+        <p:txBody>
+          <a:bodyPr wrap="square" rtlCol="0">
+            <a:spAutoFit/>
+          </a:bodyPr>
+          <a:lstStyle/>
+          <a:p>
+            <a:r>
+              <a:rPr lang="es-MX" sz="1400" b="0" i="0" dirty="0">
+                <a:solidFill>
+                  <a:srgbClr val="000000"/>
+                </a:solidFill>
+                <a:effectLst/>
+                <a:latin typeface="Inter"/>
+              </a:rPr>
+              <a:t> En esta parte nos encargaremos de seleccionar el modelo que mejor aplique al análisis de datos del </a:t>
+            </a:r>
+            <a:r>
+              <a:rPr lang="es-MX" sz="1400" b="0" i="0" dirty="0" err="1">
+                <a:solidFill>
+                  <a:srgbClr val="000000"/>
+                </a:solidFill>
+                <a:effectLst/>
+                <a:latin typeface="Inter"/>
+              </a:rPr>
+              <a:t>dataset</a:t>
+            </a:r>
+            <a:endParaRPr lang="es-MX" sz="1400" b="0" i="0" dirty="0">
+              <a:solidFill>
+                <a:srgbClr val="000000"/>
+              </a:solidFill>
+              <a:effectLst/>
+              <a:latin typeface="Inter"/>
+            </a:endParaRPr>
+          </a:p>
+          <a:p>
+            <a:r>
+              <a:rPr lang="es-MX" sz="1400" dirty="0">
+                <a:solidFill>
+                  <a:srgbClr val="000000"/>
+                </a:solidFill>
+                <a:latin typeface="Inter"/>
+              </a:rPr>
+              <a:t>Usaremos en nuestro caso .. </a:t>
+            </a:r>
+            <a:r>
+              <a:rPr lang="es-MX" sz="1400" b="1" u="sng" dirty="0">
+                <a:effectLst>
+                  <a:outerShdw blurRad="38100" dist="38100" dir="2700000" algn="tl">
+                    <a:srgbClr val="000000">
+                      <a:alpha val="43137"/>
+                    </a:srgbClr>
+                  </a:outerShdw>
+                </a:effectLst>
+                <a:latin typeface="Inter"/>
+              </a:rPr>
+              <a:t>RANDOM FOREST y REGRESION LOGISTICA</a:t>
+            </a:r>
+            <a:endParaRPr lang="es-AR" sz="1400" b="1" u="sng" dirty="0">
+              <a:effectLst>
+                <a:outerShdw blurRad="38100" dist="38100" dir="2700000" algn="tl">
+                  <a:srgbClr val="000000">
+                    <a:alpha val="43137"/>
+                  </a:srgbClr>
+                </a:outerShdw>
+              </a:effectLst>
+            </a:endParaRPr>
+          </a:p>
+        </p:txBody>
+      </p:sp>
+      <p:sp>
+        <p:nvSpPr>
+          <p:cNvPr id="5" name="Pentagon 114">
+            <a:extLst>
+              <a:ext uri="{FF2B5EF4-FFF2-40B4-BE49-F238E27FC236}">
+                <a16:creationId xmlns:a16="http://schemas.microsoft.com/office/drawing/2014/main" id="{CE2731EC-6EEA-52E8-2EEB-169DB808AC98}"/>
+              </a:ext>
+            </a:extLst>
+          </p:cNvPr>
+          <p:cNvSpPr/>
+          <p:nvPr/>
+        </p:nvSpPr>
+        <p:spPr>
+          <a:xfrm>
+            <a:off x="0" y="-29340"/>
+            <a:ext cx="1442105" cy="913806"/>
+          </a:xfrm>
+          <a:prstGeom prst="homePlate">
+            <a:avLst>
+              <a:gd name="adj" fmla="val 54918"/>
+            </a:avLst>
+          </a:prstGeom>
+          <a:solidFill>
+            <a:schemeClr val="accent3"/>
+          </a:solidFill>
+          <a:ln>
+            <a:noFill/>
+          </a:ln>
+        </p:spPr>
+        <p:style>
+          <a:lnRef idx="2">
+            <a:schemeClr val="accent1">
+              <a:shade val="50000"/>
+            </a:schemeClr>
+          </a:lnRef>
+          <a:fillRef idx="1">
+            <a:schemeClr val="accent1"/>
+          </a:fillRef>
+          <a:effectRef idx="0">
+            <a:schemeClr val="accent1"/>
+          </a:effectRef>
+          <a:fontRef idx="minor">
+            <a:schemeClr val="lt1"/>
+          </a:fontRef>
+        </p:style>
+        <p:txBody>
+          <a:bodyPr rot="0" spcFirstLastPara="0" vertOverflow="overflow" horzOverflow="overflow" vert="horz" wrap="square" lIns="91440" tIns="45720" rIns="91440" bIns="45720" numCol="1" spcCol="0" rtlCol="0" fromWordArt="0" anchor="ctr" anchorCtr="0" forceAA="0" compatLnSpc="1">
+            <a:prstTxWarp prst="textNoShape">
+              <a:avLst/>
+            </a:prstTxWarp>
+            <a:noAutofit/>
+          </a:bodyPr>
+          <a:lstStyle/>
+          <a:p>
+            <a:pPr algn="ctr"/>
+            <a:endParaRPr lang="ko-KR" altLang="en-US" dirty="0"/>
+          </a:p>
+        </p:txBody>
+      </p:sp>
+      <p:sp>
+        <p:nvSpPr>
+          <p:cNvPr id="6" name="TextBox 116">
+            <a:extLst>
+              <a:ext uri="{FF2B5EF4-FFF2-40B4-BE49-F238E27FC236}">
+                <a16:creationId xmlns:a16="http://schemas.microsoft.com/office/drawing/2014/main" id="{039BD7D3-48B5-C9CC-1444-3D71CB82F3EB}"/>
+              </a:ext>
+            </a:extLst>
+          </p:cNvPr>
+          <p:cNvSpPr txBox="1"/>
+          <p:nvPr/>
+        </p:nvSpPr>
+        <p:spPr>
+          <a:xfrm>
+            <a:off x="-36512" y="202355"/>
+            <a:ext cx="1442105" cy="430887"/>
+          </a:xfrm>
+          <a:prstGeom prst="rect">
+            <a:avLst/>
+          </a:prstGeom>
+          <a:noFill/>
+        </p:spPr>
+        <p:txBody>
+          <a:bodyPr wrap="square" tIns="0" bIns="0" rtlCol="0" anchor="ctr">
+            <a:spAutoFit/>
+          </a:bodyPr>
+          <a:lstStyle/>
+          <a:p>
+            <a:r>
+              <a:rPr lang="en-US" altLang="ko-KR" sz="2800" b="1" dirty="0">
+                <a:solidFill>
+                  <a:schemeClr val="bg1"/>
+                </a:solidFill>
+                <a:cs typeface="Arial" pitchFamily="34" charset="0"/>
+              </a:rPr>
+              <a:t>PLUS</a:t>
+            </a:r>
+          </a:p>
+        </p:txBody>
+      </p:sp>
+      <p:sp>
+        <p:nvSpPr>
+          <p:cNvPr id="7" name="TextBox 26">
+            <a:extLst>
+              <a:ext uri="{FF2B5EF4-FFF2-40B4-BE49-F238E27FC236}">
+                <a16:creationId xmlns:a16="http://schemas.microsoft.com/office/drawing/2014/main" id="{098DB2E7-54D1-A5FA-5723-5E30899CC197}"/>
+              </a:ext>
+            </a:extLst>
+          </p:cNvPr>
+          <p:cNvSpPr txBox="1"/>
+          <p:nvPr/>
+        </p:nvSpPr>
+        <p:spPr>
+          <a:xfrm>
+            <a:off x="31590" y="2931790"/>
+            <a:ext cx="1012018" cy="246221"/>
+          </a:xfrm>
+          <a:prstGeom prst="rect">
+            <a:avLst/>
+          </a:prstGeom>
+          <a:noFill/>
+        </p:spPr>
+        <p:txBody>
+          <a:bodyPr wrap="square" tIns="0" bIns="0" rtlCol="0" anchor="ctr">
+            <a:spAutoFit/>
+          </a:bodyPr>
+          <a:lstStyle/>
+          <a:p>
+            <a:pPr algn="ctr"/>
+            <a:r>
+              <a:rPr lang="en-US" altLang="ko-KR" sz="1600" b="1" dirty="0">
+                <a:cs typeface="Arial" pitchFamily="34" charset="0"/>
+              </a:rPr>
+              <a:t>0</a:t>
+            </a:r>
+          </a:p>
+        </p:txBody>
+      </p:sp>
+      <p:cxnSp>
+        <p:nvCxnSpPr>
+          <p:cNvPr id="14" name="Straight Connector 27">
+            <a:extLst>
+              <a:ext uri="{FF2B5EF4-FFF2-40B4-BE49-F238E27FC236}">
+                <a16:creationId xmlns:a16="http://schemas.microsoft.com/office/drawing/2014/main" id="{B14D5C9D-A178-040A-BDA6-DD805DFF3FE6}"/>
+              </a:ext>
+            </a:extLst>
+          </p:cNvPr>
+          <p:cNvCxnSpPr/>
+          <p:nvPr/>
+        </p:nvCxnSpPr>
+        <p:spPr>
+          <a:xfrm>
+            <a:off x="539552" y="2465424"/>
+            <a:ext cx="0" cy="322350"/>
+          </a:xfrm>
+          <a:prstGeom prst="line">
+            <a:avLst/>
+          </a:prstGeom>
+          <a:ln w="38100">
+            <a:solidFill>
+              <a:schemeClr val="tx1"/>
+            </a:solidFill>
+          </a:ln>
+        </p:spPr>
+        <p:style>
+          <a:lnRef idx="1">
+            <a:schemeClr val="accent1"/>
+          </a:lnRef>
+          <a:fillRef idx="0">
+            <a:schemeClr val="accent1"/>
+          </a:fillRef>
+          <a:effectRef idx="0">
+            <a:schemeClr val="accent1"/>
+          </a:effectRef>
+          <a:fontRef idx="minor">
+            <a:schemeClr val="tx1"/>
+          </a:fontRef>
+        </p:style>
+      </p:cxnSp>
+      <p:sp>
+        <p:nvSpPr>
+          <p:cNvPr id="15" name="TextBox 44">
+            <a:extLst>
+              <a:ext uri="{FF2B5EF4-FFF2-40B4-BE49-F238E27FC236}">
+                <a16:creationId xmlns:a16="http://schemas.microsoft.com/office/drawing/2014/main" id="{69AC941D-20E0-FD19-C993-74E3CB3C4F44}"/>
+              </a:ext>
+            </a:extLst>
+          </p:cNvPr>
+          <p:cNvSpPr txBox="1"/>
+          <p:nvPr/>
+        </p:nvSpPr>
+        <p:spPr>
+          <a:xfrm>
+            <a:off x="6216079" y="3108150"/>
+            <a:ext cx="1483047" cy="461665"/>
+          </a:xfrm>
+          <a:prstGeom prst="rect">
+            <a:avLst/>
+          </a:prstGeom>
+          <a:noFill/>
+        </p:spPr>
+        <p:txBody>
+          <a:bodyPr wrap="square" rtlCol="0">
+            <a:spAutoFit/>
+          </a:bodyPr>
+          <a:lstStyle/>
+          <a:p>
+            <a:pPr algn="ctr"/>
+            <a:r>
+              <a:rPr lang="es-AR" sz="1200" b="1" i="0" dirty="0">
+                <a:effectLst/>
+                <a:latin typeface="Roboto" panose="02000000000000000000" pitchFamily="2" charset="0"/>
+              </a:rPr>
+              <a:t>Optimización</a:t>
+            </a:r>
+          </a:p>
+          <a:p>
+            <a:pPr algn="ctr"/>
+            <a:endParaRPr lang="en-US" altLang="ko-KR" sz="1200" dirty="0">
+              <a:solidFill>
+                <a:schemeClr val="tx1">
+                  <a:lumMod val="75000"/>
+                  <a:lumOff val="25000"/>
+                </a:schemeClr>
+              </a:solidFill>
+              <a:cs typeface="Arial" pitchFamily="34" charset="0"/>
+            </a:endParaRPr>
+          </a:p>
+        </p:txBody>
+      </p:sp>
+      <p:sp>
+        <p:nvSpPr>
+          <p:cNvPr id="16" name="Chevron 2">
+            <a:extLst>
+              <a:ext uri="{FF2B5EF4-FFF2-40B4-BE49-F238E27FC236}">
+                <a16:creationId xmlns:a16="http://schemas.microsoft.com/office/drawing/2014/main" id="{B710ED2D-2547-49DA-DBDF-EC2E280AB913}"/>
+              </a:ext>
+            </a:extLst>
+          </p:cNvPr>
+          <p:cNvSpPr/>
+          <p:nvPr/>
+        </p:nvSpPr>
+        <p:spPr>
+          <a:xfrm>
+            <a:off x="264960" y="1548315"/>
+            <a:ext cx="850656" cy="772664"/>
+          </a:xfrm>
+          <a:prstGeom prst="chevron">
+            <a:avLst>
+              <a:gd name="adj" fmla="val 44855"/>
+            </a:avLst>
+          </a:prstGeom>
+          <a:solidFill>
+            <a:schemeClr val="tx1"/>
+          </a:solidFill>
+          <a:ln>
+            <a:noFill/>
+          </a:ln>
+        </p:spPr>
+        <p:style>
+          <a:lnRef idx="2">
+            <a:schemeClr val="accent1">
+              <a:shade val="50000"/>
+            </a:schemeClr>
+          </a:lnRef>
+          <a:fillRef idx="1">
+            <a:schemeClr val="accent1"/>
+          </a:fillRef>
+          <a:effectRef idx="0">
+            <a:schemeClr val="accent1"/>
+          </a:effectRef>
+          <a:fontRef idx="minor">
+            <a:schemeClr val="lt1"/>
+          </a:fontRef>
+        </p:style>
+        <p:txBody>
+          <a:bodyPr rot="0" spcFirstLastPara="0" vertOverflow="overflow" horzOverflow="overflow" vert="horz" wrap="square" lIns="91440" tIns="45720" rIns="91440" bIns="45720" numCol="1" spcCol="0" rtlCol="0" fromWordArt="0" anchor="ctr" anchorCtr="0" forceAA="0" compatLnSpc="1">
+            <a:prstTxWarp prst="textNoShape">
+              <a:avLst/>
+            </a:prstTxWarp>
+            <a:noAutofit/>
+          </a:bodyPr>
+          <a:lstStyle/>
+          <a:p>
+            <a:pPr algn="ctr"/>
+            <a:endParaRPr lang="ko-KR" altLang="en-US" dirty="0">
+              <a:solidFill>
+                <a:schemeClr val="accent1"/>
+              </a:solidFill>
+            </a:endParaRPr>
+          </a:p>
+        </p:txBody>
+      </p:sp>
+    </p:spTree>
+    <p:extLst>
+      <p:ext uri="{BB962C8B-B14F-4D97-AF65-F5344CB8AC3E}">
+        <p14:creationId xmlns:p14="http://schemas.microsoft.com/office/powerpoint/2010/main" val="2110814613"/>
+      </p:ext>
+    </p:extLst>
+  </p:cSld>
+  <p:clrMapOvr>
+    <a:masterClrMapping/>
+  </p:clrMapOvr>
+</p:sld>
+</file>
+
+<file path=ppt/slides/slide26.xml><?xml version="1.0" encoding="utf-8"?>
+<p:sld xmlns:a="http://schemas.openxmlformats.org/drawingml/2006/main" xmlns:r="http://schemas.openxmlformats.org/officeDocument/2006/relationships" xmlns:p="http://schemas.openxmlformats.org/presentationml/2006/main">
+  <p:cSld>
+    <p:spTree>
+      <p:nvGrpSpPr>
+        <p:cNvPr id="1" name="">
+          <a:extLst>
+            <a:ext uri="{FF2B5EF4-FFF2-40B4-BE49-F238E27FC236}">
+              <a16:creationId xmlns:a16="http://schemas.microsoft.com/office/drawing/2014/main" id="{6D915974-AA95-0B4C-0454-9FC8F1E1E8F5}"/>
+            </a:ext>
+          </a:extLst>
+        </p:cNvPr>
+        <p:cNvGrpSpPr/>
+        <p:nvPr/>
+      </p:nvGrpSpPr>
+      <p:grpSpPr>
+        <a:xfrm>
+          <a:off x="0" y="0"/>
+          <a:ext cx="0" cy="0"/>
+          <a:chOff x="0" y="0"/>
+          <a:chExt cx="0" cy="0"/>
+        </a:xfrm>
+      </p:grpSpPr>
+      <p:sp>
+        <p:nvSpPr>
+          <p:cNvPr id="17" name="Title 16">
+            <a:extLst>
+              <a:ext uri="{FF2B5EF4-FFF2-40B4-BE49-F238E27FC236}">
+                <a16:creationId xmlns:a16="http://schemas.microsoft.com/office/drawing/2014/main" id="{C0C567A9-D61A-CCD4-78A6-92360031C388}"/>
+              </a:ext>
+            </a:extLst>
+          </p:cNvPr>
+          <p:cNvSpPr>
+            <a:spLocks noGrp="1"/>
+          </p:cNvSpPr>
+          <p:nvPr>
+            <p:ph type="title"/>
+          </p:nvPr>
+        </p:nvSpPr>
+        <p:spPr/>
+        <p:txBody>
+          <a:bodyPr/>
+          <a:lstStyle/>
+          <a:p>
+            <a:r>
+              <a:rPr lang="en-US" altLang="ko-KR" dirty="0">
+                <a:solidFill>
+                  <a:schemeClr val="accent5"/>
+                </a:solidFill>
+              </a:rPr>
+              <a:t>MOTIVACION</a:t>
+            </a:r>
+            <a:r>
+              <a:rPr lang="en-US" altLang="ko-KR" dirty="0"/>
+              <a:t> AUDIENCIA</a:t>
+            </a:r>
+            <a:endParaRPr lang="ko-KR" altLang="en-US" dirty="0"/>
+          </a:p>
+        </p:txBody>
+      </p:sp>
+      <p:sp>
+        <p:nvSpPr>
+          <p:cNvPr id="31" name="TextBox 30">
+            <a:extLst>
+              <a:ext uri="{FF2B5EF4-FFF2-40B4-BE49-F238E27FC236}">
+                <a16:creationId xmlns:a16="http://schemas.microsoft.com/office/drawing/2014/main" id="{094A3468-2B93-BC8F-7F74-4A5879E90EDD}"/>
+              </a:ext>
+            </a:extLst>
+          </p:cNvPr>
+          <p:cNvSpPr txBox="1"/>
+          <p:nvPr/>
+        </p:nvSpPr>
+        <p:spPr>
+          <a:xfrm>
+            <a:off x="1043608" y="1117901"/>
+            <a:ext cx="7344816" cy="2800767"/>
+          </a:xfrm>
+          <a:prstGeom prst="rect">
+            <a:avLst/>
+          </a:prstGeom>
+          <a:noFill/>
+        </p:spPr>
+        <p:txBody>
+          <a:bodyPr wrap="square" rtlCol="0">
+            <a:spAutoFit/>
+          </a:bodyPr>
+          <a:lstStyle/>
+          <a:p>
+            <a:r>
+              <a:rPr lang="es-MX" sz="1600" b="1" i="0" dirty="0">
+                <a:effectLst/>
+                <a:latin typeface="Roboto" panose="02000000000000000000" pitchFamily="2" charset="0"/>
+              </a:rPr>
+              <a:t>Este cuaderno tiene como objetivo analizar un conjunto de datos que contiene información sobre individuos, incluyendo su CUIL, detalles de campañas de préstamos, ubicación geográfica, información de contacto y otros atributos relevantes. </a:t>
+            </a:r>
+          </a:p>
+          <a:p>
+            <a:r>
+              <a:rPr lang="es-MX" sz="1600" b="1" i="0" dirty="0">
+                <a:effectLst/>
+                <a:latin typeface="Roboto" panose="02000000000000000000" pitchFamily="2" charset="0"/>
+              </a:rPr>
+              <a:t>La motivación principal es aprovechar estos datos para predecir la probabilidad de éxito de las solicitudes de préstamo o identificar clientes potenciales para campañas de préstamos dirigidas.</a:t>
+            </a:r>
+          </a:p>
+          <a:p>
+            <a:r>
+              <a:rPr lang="es-MX" sz="1600" b="1" i="0" dirty="0">
+                <a:effectLst/>
+                <a:latin typeface="Roboto" panose="02000000000000000000" pitchFamily="2" charset="0"/>
+              </a:rPr>
+              <a:t>Este análisis puede beneficiar a las instituciones financieras, los equipos de marketing y los departamentos de evaluación de riesgos, permitiéndoles tomar decisiones basadas en datos relacionados con aprobaciones de préstamos, estrategias de marketing y segmentación de clientes.</a:t>
+            </a:r>
+            <a:endParaRPr lang="es-MX" sz="1600" b="1" i="0" dirty="0">
+              <a:effectLst/>
+              <a:latin typeface="Inter"/>
+            </a:endParaRPr>
+          </a:p>
+        </p:txBody>
+      </p:sp>
+    </p:spTree>
+    <p:extLst>
+      <p:ext uri="{BB962C8B-B14F-4D97-AF65-F5344CB8AC3E}">
+        <p14:creationId xmlns:p14="http://schemas.microsoft.com/office/powerpoint/2010/main" val="3191000304"/>
+      </p:ext>
+    </p:extLst>
+  </p:cSld>
+  <p:clrMapOvr>
+    <a:masterClrMapping/>
+  </p:clrMapOvr>
+</p:sld>
+</file>
+
+<file path=ppt/slides/slide27.xml><?xml version="1.0" encoding="utf-8"?>
+<p:sld xmlns:a="http://schemas.openxmlformats.org/drawingml/2006/main" xmlns:r="http://schemas.openxmlformats.org/officeDocument/2006/relationships" xmlns:p="http://schemas.openxmlformats.org/presentationml/2006/main">
+  <p:cSld>
+    <p:spTree>
+      <p:nvGrpSpPr>
+        <p:cNvPr id="1" name="">
+          <a:extLst>
+            <a:ext uri="{FF2B5EF4-FFF2-40B4-BE49-F238E27FC236}">
+              <a16:creationId xmlns:a16="http://schemas.microsoft.com/office/drawing/2014/main" id="{20561A59-5648-9B4E-243A-565D47FD0D97}"/>
+            </a:ext>
+          </a:extLst>
+        </p:cNvPr>
+        <p:cNvGrpSpPr/>
+        <p:nvPr/>
+      </p:nvGrpSpPr>
+      <p:grpSpPr>
+        <a:xfrm>
+          <a:off x="0" y="0"/>
+          <a:ext cx="0" cy="0"/>
+          <a:chOff x="0" y="0"/>
+          <a:chExt cx="0" cy="0"/>
+        </a:xfrm>
+      </p:grpSpPr>
+      <p:sp>
+        <p:nvSpPr>
+          <p:cNvPr id="17" name="Title 16">
+            <a:extLst>
+              <a:ext uri="{FF2B5EF4-FFF2-40B4-BE49-F238E27FC236}">
+                <a16:creationId xmlns:a16="http://schemas.microsoft.com/office/drawing/2014/main" id="{07D6DA74-90A5-F6A0-7B7F-8C81DF8EF6FD}"/>
+              </a:ext>
+            </a:extLst>
+          </p:cNvPr>
+          <p:cNvSpPr>
+            <a:spLocks noGrp="1"/>
+          </p:cNvSpPr>
+          <p:nvPr>
+            <p:ph type="title"/>
+          </p:nvPr>
+        </p:nvSpPr>
+        <p:spPr>
+          <a:xfrm>
+            <a:off x="-180528" y="-6141"/>
+            <a:ext cx="9144000" cy="884466"/>
+          </a:xfrm>
+        </p:spPr>
+        <p:txBody>
+          <a:bodyPr/>
+          <a:lstStyle/>
+          <a:p>
+            <a:r>
+              <a:rPr lang="en-US" altLang="ko-KR" dirty="0" err="1">
+                <a:solidFill>
+                  <a:schemeClr val="accent5"/>
+                </a:solidFill>
+              </a:rPr>
+              <a:t>Definicion</a:t>
+            </a:r>
+            <a:r>
+              <a:rPr lang="en-US" altLang="ko-KR" dirty="0">
+                <a:solidFill>
+                  <a:schemeClr val="accent5"/>
+                </a:solidFill>
+              </a:rPr>
+              <a:t> del </a:t>
+            </a:r>
+            <a:r>
+              <a:rPr lang="en-US" altLang="ko-KR" dirty="0" err="1">
+                <a:solidFill>
+                  <a:schemeClr val="accent5"/>
+                </a:solidFill>
+              </a:rPr>
+              <a:t>Problema</a:t>
+            </a:r>
+            <a:r>
+              <a:rPr lang="en-US" altLang="ko-KR" dirty="0">
+                <a:solidFill>
+                  <a:schemeClr val="accent5"/>
+                </a:solidFill>
+              </a:rPr>
+              <a:t> a </a:t>
+            </a:r>
+            <a:r>
+              <a:rPr lang="en-US" altLang="ko-KR" dirty="0" err="1">
+                <a:solidFill>
+                  <a:schemeClr val="accent5"/>
+                </a:solidFill>
+              </a:rPr>
+              <a:t>tratar</a:t>
+            </a:r>
+            <a:endParaRPr lang="ko-KR" altLang="en-US" dirty="0"/>
+          </a:p>
+        </p:txBody>
+      </p:sp>
+      <p:sp>
+        <p:nvSpPr>
+          <p:cNvPr id="31" name="TextBox 30">
+            <a:extLst>
+              <a:ext uri="{FF2B5EF4-FFF2-40B4-BE49-F238E27FC236}">
+                <a16:creationId xmlns:a16="http://schemas.microsoft.com/office/drawing/2014/main" id="{1A660C7B-89FC-D021-D4C6-76B010DD01DD}"/>
+              </a:ext>
+            </a:extLst>
+          </p:cNvPr>
+          <p:cNvSpPr txBox="1"/>
+          <p:nvPr/>
+        </p:nvSpPr>
+        <p:spPr>
+          <a:xfrm>
+            <a:off x="1259632" y="915566"/>
+            <a:ext cx="6768752" cy="1938992"/>
+          </a:xfrm>
+          <a:prstGeom prst="rect">
+            <a:avLst/>
+          </a:prstGeom>
+          <a:noFill/>
+        </p:spPr>
+        <p:txBody>
+          <a:bodyPr wrap="square" rtlCol="0">
+            <a:spAutoFit/>
+          </a:bodyPr>
+          <a:lstStyle/>
+          <a:p>
+            <a:pPr algn="l">
+              <a:buNone/>
+            </a:pPr>
+            <a:r>
+              <a:rPr lang="es-MX" sz="1200" b="1" i="0" dirty="0">
+                <a:effectLst/>
+                <a:latin typeface="Roboto" panose="02000000000000000000" pitchFamily="2" charset="0"/>
+              </a:rPr>
+              <a:t>El principal problema que abordaremos es un problema de clasificación:</a:t>
+            </a:r>
+          </a:p>
+          <a:p>
+            <a:pPr algn="l">
+              <a:buNone/>
+            </a:pPr>
+            <a:endParaRPr lang="es-MX" sz="1200" b="1" i="0" dirty="0">
+              <a:effectLst/>
+              <a:latin typeface="Roboto" panose="02000000000000000000" pitchFamily="2" charset="0"/>
+            </a:endParaRPr>
+          </a:p>
+          <a:p>
+            <a:pPr algn="l"/>
+            <a:r>
+              <a:rPr lang="es-MX" sz="1200" b="1" i="0" dirty="0">
+                <a:effectLst/>
+                <a:latin typeface="Roboto" panose="02000000000000000000" pitchFamily="2" charset="0"/>
+              </a:rPr>
+              <a:t>Objetivo: Predecir si es probable que un individuo sea un buen candidato para un préstamo o un objetivo receptivo para una campaña de préstamos.</a:t>
+            </a:r>
+          </a:p>
+          <a:p>
+            <a:pPr algn="l"/>
+            <a:endParaRPr lang="es-MX" sz="1200" b="1" dirty="0">
+              <a:latin typeface="Roboto" panose="02000000000000000000" pitchFamily="2" charset="0"/>
+            </a:endParaRPr>
+          </a:p>
+          <a:p>
+            <a:pPr algn="l"/>
+            <a:r>
+              <a:rPr lang="es-MX" sz="1200" b="1" i="0" dirty="0">
+                <a:effectLst/>
+                <a:latin typeface="Roboto" panose="02000000000000000000" pitchFamily="2" charset="0"/>
+              </a:rPr>
+              <a:t>Variable objetivo: Necesitaremos diseñar una variable objetivo basada en los datos disponibles. Por ejemplo, esto podría ser una variable binaria que represente si el individuo tiene "Paquetes" (</a:t>
+            </a:r>
+            <a:r>
+              <a:rPr lang="es-MX" sz="1200" b="1" i="0" dirty="0" err="1">
+                <a:effectLst/>
+                <a:latin typeface="Roboto" panose="02000000000000000000" pitchFamily="2" charset="0"/>
+              </a:rPr>
+              <a:t>packages</a:t>
+            </a:r>
+            <a:r>
+              <a:rPr lang="es-MX" sz="1200" b="1" i="0" dirty="0">
+                <a:effectLst/>
+                <a:latin typeface="Roboto" panose="02000000000000000000" pitchFamily="2" charset="0"/>
+              </a:rPr>
+              <a:t>) o "Cartera abierta“</a:t>
+            </a:r>
+          </a:p>
+          <a:p>
+            <a:pPr algn="l"/>
+            <a:r>
+              <a:rPr lang="es-MX" sz="1200" b="1" i="0" dirty="0">
+                <a:effectLst/>
+                <a:latin typeface="Roboto" panose="02000000000000000000" pitchFamily="2" charset="0"/>
+              </a:rPr>
+              <a:t>(open portfolio); uno podría etiquetarse como "probable que esté interesado en un préstamo" y el otro como "menos probable".</a:t>
+            </a:r>
+          </a:p>
+        </p:txBody>
+      </p:sp>
+      <p:pic>
+        <p:nvPicPr>
+          <p:cNvPr id="4" name="Imagen 3" descr="Gráfico, Gráfico de barras&#10;&#10;El contenido generado por IA puede ser incorrecto.">
+            <a:extLst>
+              <a:ext uri="{FF2B5EF4-FFF2-40B4-BE49-F238E27FC236}">
+                <a16:creationId xmlns:a16="http://schemas.microsoft.com/office/drawing/2014/main" id="{BFBBF88F-B759-6794-71E6-FDEA8FA53D42}"/>
+              </a:ext>
+            </a:extLst>
+          </p:cNvPr>
+          <p:cNvPicPr>
+            <a:picLocks noChangeAspect="1"/>
+          </p:cNvPicPr>
+          <p:nvPr/>
+        </p:nvPicPr>
+        <p:blipFill>
+          <a:blip r:embed="rId2" cstate="print">
+            <a:extLst>
+              <a:ext uri="{28A0092B-C50C-407E-A947-70E740481C1C}">
+                <a14:useLocalDpi xmlns:a14="http://schemas.microsoft.com/office/drawing/2010/main" val="0"/>
+              </a:ext>
+            </a:extLst>
+          </a:blip>
+          <a:stretch>
+            <a:fillRect/>
+          </a:stretch>
+        </p:blipFill>
+        <p:spPr>
+          <a:xfrm>
+            <a:off x="6588224" y="2992679"/>
+            <a:ext cx="2555776" cy="2027343"/>
+          </a:xfrm>
+          <a:prstGeom prst="rect">
+            <a:avLst/>
+          </a:prstGeom>
+        </p:spPr>
+      </p:pic>
+      <p:pic>
+        <p:nvPicPr>
+          <p:cNvPr id="18" name="Imagen 17" descr="Gráfico, Gráfico de barras&#10;&#10;El contenido generado por IA puede ser incorrecto.">
+            <a:extLst>
+              <a:ext uri="{FF2B5EF4-FFF2-40B4-BE49-F238E27FC236}">
+                <a16:creationId xmlns:a16="http://schemas.microsoft.com/office/drawing/2014/main" id="{9EDAF143-0D4A-9869-8916-146465DDA70E}"/>
+              </a:ext>
+            </a:extLst>
+          </p:cNvPr>
+          <p:cNvPicPr>
+            <a:picLocks noChangeAspect="1"/>
+          </p:cNvPicPr>
+          <p:nvPr/>
+        </p:nvPicPr>
+        <p:blipFill>
+          <a:blip r:embed="rId3" cstate="print">
+            <a:extLst>
+              <a:ext uri="{28A0092B-C50C-407E-A947-70E740481C1C}">
+                <a14:useLocalDpi xmlns:a14="http://schemas.microsoft.com/office/drawing/2010/main" val="0"/>
+              </a:ext>
+            </a:extLst>
+          </a:blip>
+          <a:stretch>
+            <a:fillRect/>
+          </a:stretch>
+        </p:blipFill>
+        <p:spPr>
+          <a:xfrm>
+            <a:off x="3203848" y="3003798"/>
+            <a:ext cx="3398376" cy="2027343"/>
+          </a:xfrm>
+          <a:prstGeom prst="rect">
+            <a:avLst/>
+          </a:prstGeom>
+        </p:spPr>
+      </p:pic>
+      <p:pic>
+        <p:nvPicPr>
+          <p:cNvPr id="22" name="Imagen 21" descr="Gráfico, Histograma&#10;&#10;El contenido generado por IA puede ser incorrecto.">
+            <a:extLst>
+              <a:ext uri="{FF2B5EF4-FFF2-40B4-BE49-F238E27FC236}">
+                <a16:creationId xmlns:a16="http://schemas.microsoft.com/office/drawing/2014/main" id="{46A0A134-07F2-53C2-556C-42C914E42814}"/>
+              </a:ext>
+            </a:extLst>
+          </p:cNvPr>
+          <p:cNvPicPr>
+            <a:picLocks noChangeAspect="1"/>
+          </p:cNvPicPr>
+          <p:nvPr/>
+        </p:nvPicPr>
+        <p:blipFill>
+          <a:blip r:embed="rId4" cstate="print">
+            <a:extLst>
+              <a:ext uri="{28A0092B-C50C-407E-A947-70E740481C1C}">
+                <a14:useLocalDpi xmlns:a14="http://schemas.microsoft.com/office/drawing/2010/main" val="0"/>
+              </a:ext>
+            </a:extLst>
+          </a:blip>
+          <a:stretch>
+            <a:fillRect/>
+          </a:stretch>
+        </p:blipFill>
+        <p:spPr>
+          <a:xfrm>
+            <a:off x="52854" y="3003798"/>
+            <a:ext cx="3150994" cy="2027343"/>
+          </a:xfrm>
+          <a:prstGeom prst="rect">
+            <a:avLst/>
+          </a:prstGeom>
+        </p:spPr>
+      </p:pic>
+    </p:spTree>
+    <p:extLst>
+      <p:ext uri="{BB962C8B-B14F-4D97-AF65-F5344CB8AC3E}">
+        <p14:creationId xmlns:p14="http://schemas.microsoft.com/office/powerpoint/2010/main" val="3346720329"/>
+      </p:ext>
+    </p:extLst>
+  </p:cSld>
+  <p:clrMapOvr>
+    <a:masterClrMapping/>
+  </p:clrMapOvr>
+</p:sld>
+</file>
+
+<file path=ppt/slides/slide28.xml><?xml version="1.0" encoding="utf-8"?>
+<p:sld xmlns:a="http://schemas.openxmlformats.org/drawingml/2006/main" xmlns:r="http://schemas.openxmlformats.org/officeDocument/2006/relationships" xmlns:p="http://schemas.openxmlformats.org/presentationml/2006/main">
+  <p:cSld>
+    <p:spTree>
+      <p:nvGrpSpPr>
+        <p:cNvPr id="1" name="">
+          <a:extLst>
+            <a:ext uri="{FF2B5EF4-FFF2-40B4-BE49-F238E27FC236}">
+              <a16:creationId xmlns:a16="http://schemas.microsoft.com/office/drawing/2014/main" id="{2E8E557F-9A0D-DDCB-D29F-EFD8903D8470}"/>
+            </a:ext>
+          </a:extLst>
+        </p:cNvPr>
+        <p:cNvGrpSpPr/>
+        <p:nvPr/>
+      </p:nvGrpSpPr>
+      <p:grpSpPr>
+        <a:xfrm>
+          <a:off x="0" y="0"/>
+          <a:ext cx="0" cy="0"/>
+          <a:chOff x="0" y="0"/>
+          <a:chExt cx="0" cy="0"/>
+        </a:xfrm>
+      </p:grpSpPr>
+      <p:sp>
+        <p:nvSpPr>
+          <p:cNvPr id="17" name="Title 16">
+            <a:extLst>
+              <a:ext uri="{FF2B5EF4-FFF2-40B4-BE49-F238E27FC236}">
+                <a16:creationId xmlns:a16="http://schemas.microsoft.com/office/drawing/2014/main" id="{55B54FD1-1F63-543C-BE03-D9F00750FEA7}"/>
+              </a:ext>
+            </a:extLst>
+          </p:cNvPr>
+          <p:cNvSpPr>
+            <a:spLocks noGrp="1"/>
+          </p:cNvSpPr>
+          <p:nvPr>
+            <p:ph type="title"/>
+          </p:nvPr>
+        </p:nvSpPr>
+        <p:spPr/>
+        <p:txBody>
+          <a:bodyPr/>
+          <a:lstStyle/>
+          <a:p>
+            <a:r>
+              <a:rPr lang="en-US" altLang="ko-KR" dirty="0">
+                <a:solidFill>
+                  <a:schemeClr val="accent5"/>
+                </a:solidFill>
+              </a:rPr>
+              <a:t>Ingenieria de</a:t>
+            </a:r>
+            <a:r>
+              <a:rPr lang="en-US" altLang="ko-KR" dirty="0"/>
+              <a:t> </a:t>
+            </a:r>
+            <a:r>
+              <a:rPr lang="en-US" altLang="ko-KR" dirty="0" err="1"/>
+              <a:t>Caracteristicas</a:t>
+            </a:r>
+            <a:endParaRPr lang="ko-KR" altLang="en-US" dirty="0"/>
+          </a:p>
+        </p:txBody>
+      </p:sp>
+      <p:sp>
+        <p:nvSpPr>
+          <p:cNvPr id="16" name="TextBox 30">
+            <a:extLst>
+              <a:ext uri="{FF2B5EF4-FFF2-40B4-BE49-F238E27FC236}">
+                <a16:creationId xmlns:a16="http://schemas.microsoft.com/office/drawing/2014/main" id="{C6FB8A8D-467C-293F-79B2-62A5783E141F}"/>
+              </a:ext>
+            </a:extLst>
+          </p:cNvPr>
+          <p:cNvSpPr txBox="1"/>
+          <p:nvPr/>
+        </p:nvSpPr>
+        <p:spPr>
+          <a:xfrm>
+            <a:off x="755576" y="915566"/>
+            <a:ext cx="7776864" cy="3416320"/>
+          </a:xfrm>
+          <a:prstGeom prst="rect">
+            <a:avLst/>
+          </a:prstGeom>
+          <a:noFill/>
+        </p:spPr>
+        <p:txBody>
+          <a:bodyPr wrap="square" rtlCol="0">
+            <a:spAutoFit/>
+          </a:bodyPr>
+          <a:lstStyle/>
+          <a:p>
+            <a:pPr algn="l">
+              <a:buNone/>
+            </a:pPr>
+            <a:r>
+              <a:rPr lang="es-MX" sz="1200" b="1" i="0" dirty="0">
+                <a:solidFill>
+                  <a:schemeClr val="accent1"/>
+                </a:solidFill>
+                <a:effectLst/>
+                <a:latin typeface="Roboto" panose="02000000000000000000" pitchFamily="2" charset="0"/>
+              </a:rPr>
+              <a:t>Características geográficas: </a:t>
+            </a:r>
+            <a:r>
+              <a:rPr lang="es-MX" sz="1200" b="1" i="0" dirty="0">
+                <a:effectLst/>
+                <a:latin typeface="Roboto" panose="02000000000000000000" pitchFamily="2" charset="0"/>
+              </a:rPr>
+              <a:t>Tal vez extraer la ciudad de 'Sucursal' o crear zonal y sucursal combinadas. </a:t>
+            </a:r>
+          </a:p>
+          <a:p>
+            <a:pPr algn="l">
+              <a:buNone/>
+            </a:pPr>
+            <a:endParaRPr lang="es-MX" sz="1200" b="1" dirty="0">
+              <a:latin typeface="Roboto" panose="02000000000000000000" pitchFamily="2" charset="0"/>
+            </a:endParaRPr>
+          </a:p>
+          <a:p>
+            <a:pPr algn="l">
+              <a:buNone/>
+            </a:pPr>
+            <a:endParaRPr lang="es-MX" sz="1200" b="1" i="0" dirty="0">
+              <a:effectLst/>
+              <a:latin typeface="Roboto" panose="02000000000000000000" pitchFamily="2" charset="0"/>
+            </a:endParaRPr>
+          </a:p>
+          <a:p>
+            <a:pPr algn="l">
+              <a:buNone/>
+            </a:pPr>
+            <a:r>
+              <a:rPr lang="es-MX" sz="1200" b="1" i="0" dirty="0">
+                <a:solidFill>
+                  <a:schemeClr val="accent1"/>
+                </a:solidFill>
+                <a:effectLst/>
+                <a:latin typeface="Roboto" panose="02000000000000000000" pitchFamily="2" charset="0"/>
+              </a:rPr>
+              <a:t>Características de correo electrónico: </a:t>
+            </a:r>
+            <a:r>
+              <a:rPr lang="es-MX" sz="1200" b="1" i="0" dirty="0">
+                <a:effectLst/>
+                <a:latin typeface="Roboto" panose="02000000000000000000" pitchFamily="2" charset="0"/>
+              </a:rPr>
+              <a:t>Crear una característica que indique el número de direcciones de correo electrónico disponibles (0, 1, 2 o 3)</a:t>
+            </a:r>
+            <a:endParaRPr lang="es-MX" sz="1200" b="1" dirty="0">
+              <a:latin typeface="Roboto" panose="02000000000000000000" pitchFamily="2" charset="0"/>
+            </a:endParaRPr>
+          </a:p>
+          <a:p>
+            <a:pPr algn="l">
+              <a:buNone/>
+            </a:pPr>
+            <a:endParaRPr lang="es-MX" sz="1200" b="1" i="0" dirty="0">
+              <a:effectLst/>
+              <a:latin typeface="Roboto" panose="02000000000000000000" pitchFamily="2" charset="0"/>
+            </a:endParaRPr>
+          </a:p>
+          <a:p>
+            <a:pPr algn="l">
+              <a:buNone/>
+            </a:pPr>
+            <a:endParaRPr lang="es-MX" sz="1200" b="1" dirty="0">
+              <a:latin typeface="Roboto" panose="02000000000000000000" pitchFamily="2" charset="0"/>
+            </a:endParaRPr>
+          </a:p>
+          <a:p>
+            <a:pPr algn="l">
+              <a:buNone/>
+            </a:pPr>
+            <a:r>
+              <a:rPr lang="es-MX" sz="1200" b="1" i="0" dirty="0">
+                <a:solidFill>
+                  <a:schemeClr val="accent1"/>
+                </a:solidFill>
+                <a:effectLst/>
+                <a:latin typeface="Roboto" panose="02000000000000000000" pitchFamily="2" charset="0"/>
+              </a:rPr>
+              <a:t>Número de teléfono: </a:t>
+            </a:r>
+            <a:r>
+              <a:rPr lang="es-MX" sz="1200" b="1" i="0" dirty="0">
+                <a:effectLst/>
+                <a:latin typeface="Roboto" panose="02000000000000000000" pitchFamily="2" charset="0"/>
+              </a:rPr>
+              <a:t>Limpiar los datos del número de teléfono y convertirlo en una variable binaria: disponible sí/no.</a:t>
+            </a:r>
+          </a:p>
+          <a:p>
+            <a:pPr algn="l">
+              <a:buNone/>
+            </a:pPr>
+            <a:endParaRPr lang="es-MX" sz="1200" b="1" dirty="0">
+              <a:latin typeface="Roboto" panose="02000000000000000000" pitchFamily="2" charset="0"/>
+            </a:endParaRPr>
+          </a:p>
+          <a:p>
+            <a:pPr algn="l">
+              <a:buNone/>
+            </a:pPr>
+            <a:endParaRPr lang="es-MX" sz="1200" b="1" i="0" dirty="0">
+              <a:effectLst/>
+              <a:latin typeface="Roboto" panose="02000000000000000000" pitchFamily="2" charset="0"/>
+            </a:endParaRPr>
+          </a:p>
+          <a:p>
+            <a:pPr algn="l">
+              <a:buNone/>
+            </a:pPr>
+            <a:r>
+              <a:rPr lang="pt-BR" sz="1200" b="1" i="0" dirty="0">
+                <a:solidFill>
+                  <a:schemeClr val="accent1"/>
+                </a:solidFill>
+                <a:effectLst/>
+                <a:latin typeface="Roboto" panose="02000000000000000000" pitchFamily="2" charset="0"/>
+              </a:rPr>
+              <a:t>Escalado de características numéricas: </a:t>
+            </a:r>
+            <a:r>
+              <a:rPr lang="pt-BR" sz="1200" b="1" i="0" dirty="0" err="1">
+                <a:effectLst/>
+                <a:latin typeface="Roboto" panose="02000000000000000000" pitchFamily="2" charset="0"/>
+              </a:rPr>
+              <a:t>Estandarizar</a:t>
+            </a:r>
+            <a:r>
+              <a:rPr lang="pt-BR" sz="1200" b="1" i="0" dirty="0">
+                <a:effectLst/>
+                <a:latin typeface="Roboto" panose="02000000000000000000" pitchFamily="2" charset="0"/>
+              </a:rPr>
+              <a:t> o normalizar características numéricas.</a:t>
+            </a:r>
+            <a:endParaRPr lang="es-MX" sz="1200" b="1" dirty="0">
+              <a:latin typeface="Roboto" panose="02000000000000000000" pitchFamily="2" charset="0"/>
+            </a:endParaRPr>
+          </a:p>
+          <a:p>
+            <a:pPr algn="l">
+              <a:buNone/>
+            </a:pPr>
+            <a:endParaRPr lang="es-MX" sz="1200" b="1" i="0" dirty="0">
+              <a:effectLst/>
+              <a:latin typeface="Roboto" panose="02000000000000000000" pitchFamily="2" charset="0"/>
+            </a:endParaRPr>
+          </a:p>
+          <a:p>
+            <a:pPr algn="l">
+              <a:buNone/>
+            </a:pPr>
+            <a:endParaRPr lang="es-MX" sz="1200" b="1" dirty="0">
+              <a:solidFill>
+                <a:schemeClr val="accent1"/>
+              </a:solidFill>
+              <a:latin typeface="Roboto" panose="02000000000000000000" pitchFamily="2" charset="0"/>
+            </a:endParaRPr>
+          </a:p>
+          <a:p>
+            <a:pPr algn="l">
+              <a:buNone/>
+            </a:pPr>
+            <a:r>
+              <a:rPr lang="es-MX" sz="1200" b="1" i="0" dirty="0">
+                <a:solidFill>
+                  <a:schemeClr val="accent1"/>
+                </a:solidFill>
+                <a:effectLst/>
+                <a:latin typeface="Roboto" panose="02000000000000000000" pitchFamily="2" charset="0"/>
+              </a:rPr>
+              <a:t>Codificación de características categóricas: </a:t>
+            </a:r>
+            <a:r>
+              <a:rPr lang="es-MX" sz="1200" b="1" i="0" dirty="0">
+                <a:effectLst/>
+                <a:latin typeface="Roboto" panose="02000000000000000000" pitchFamily="2" charset="0"/>
+              </a:rPr>
+              <a:t>Codificar características categóricas (por ejemplo, 'Zonal', 'Sucursal') utilizando codificación </a:t>
+            </a:r>
+            <a:r>
+              <a:rPr lang="es-MX" sz="1200" b="1" i="0" dirty="0" err="1">
+                <a:effectLst/>
+                <a:latin typeface="Roboto" panose="02000000000000000000" pitchFamily="2" charset="0"/>
+              </a:rPr>
+              <a:t>one-hot</a:t>
+            </a:r>
+            <a:r>
+              <a:rPr lang="es-MX" sz="1200" b="1" i="0" dirty="0">
+                <a:effectLst/>
+                <a:latin typeface="Roboto" panose="02000000000000000000" pitchFamily="2" charset="0"/>
+              </a:rPr>
+              <a:t> u otros métodos apropiados.</a:t>
+            </a:r>
+          </a:p>
+          <a:p>
+            <a:pPr algn="l">
+              <a:buNone/>
+            </a:pPr>
+            <a:endParaRPr lang="es-MX" sz="1200" b="1" dirty="0">
+              <a:latin typeface="Roboto" panose="02000000000000000000" pitchFamily="2" charset="0"/>
+            </a:endParaRPr>
+          </a:p>
+          <a:p>
+            <a:pPr algn="l">
+              <a:buNone/>
+            </a:pPr>
+            <a:endParaRPr lang="es-MX" sz="1200" b="1" i="0" dirty="0">
+              <a:effectLst/>
+              <a:latin typeface="Roboto" panose="02000000000000000000" pitchFamily="2" charset="0"/>
+            </a:endParaRPr>
+          </a:p>
+        </p:txBody>
+      </p:sp>
+    </p:spTree>
+    <p:extLst>
+      <p:ext uri="{BB962C8B-B14F-4D97-AF65-F5344CB8AC3E}">
+        <p14:creationId xmlns:p14="http://schemas.microsoft.com/office/powerpoint/2010/main" val="77779771"/>
+      </p:ext>
+    </p:extLst>
+  </p:cSld>
+  <p:clrMapOvr>
+    <a:masterClrMapping/>
+  </p:clrMapOvr>
+</p:sld>
+</file>
+
+<file path=ppt/slides/slide29.xml><?xml version="1.0" encoding="utf-8"?>
+<p:sld xmlns:a="http://schemas.openxmlformats.org/drawingml/2006/main" xmlns:r="http://schemas.openxmlformats.org/officeDocument/2006/relationships" xmlns:p="http://schemas.openxmlformats.org/presentationml/2006/main">
+  <p:cSld>
+    <p:spTree>
+      <p:nvGrpSpPr>
+        <p:cNvPr id="1" name="">
+          <a:extLst>
+            <a:ext uri="{FF2B5EF4-FFF2-40B4-BE49-F238E27FC236}">
+              <a16:creationId xmlns:a16="http://schemas.microsoft.com/office/drawing/2014/main" id="{5672B4A8-921F-2602-21BE-BC4E910EE792}"/>
+            </a:ext>
+          </a:extLst>
+        </p:cNvPr>
+        <p:cNvGrpSpPr/>
+        <p:nvPr/>
+      </p:nvGrpSpPr>
+      <p:grpSpPr>
+        <a:xfrm>
+          <a:off x="0" y="0"/>
+          <a:ext cx="0" cy="0"/>
+          <a:chOff x="0" y="0"/>
+          <a:chExt cx="0" cy="0"/>
+        </a:xfrm>
+      </p:grpSpPr>
+      <p:sp>
+        <p:nvSpPr>
+          <p:cNvPr id="17" name="Title 16">
+            <a:extLst>
+              <a:ext uri="{FF2B5EF4-FFF2-40B4-BE49-F238E27FC236}">
+                <a16:creationId xmlns:a16="http://schemas.microsoft.com/office/drawing/2014/main" id="{625B9427-8734-E9EE-4115-3FA2A63F71DE}"/>
+              </a:ext>
+            </a:extLst>
+          </p:cNvPr>
+          <p:cNvSpPr>
+            <a:spLocks noGrp="1"/>
+          </p:cNvSpPr>
+          <p:nvPr>
+            <p:ph type="title"/>
+          </p:nvPr>
+        </p:nvSpPr>
+        <p:spPr>
+          <a:xfrm>
+            <a:off x="0" y="247124"/>
+            <a:ext cx="9144000" cy="884466"/>
+          </a:xfrm>
+        </p:spPr>
+        <p:txBody>
+          <a:bodyPr/>
+          <a:lstStyle/>
+          <a:p>
+            <a:r>
+              <a:rPr lang="en-US" altLang="ko-KR" dirty="0" err="1">
+                <a:solidFill>
+                  <a:schemeClr val="accent5"/>
+                </a:solidFill>
+              </a:rPr>
+              <a:t>Entrenamiento</a:t>
+            </a:r>
+            <a:r>
+              <a:rPr lang="en-US" altLang="ko-KR" dirty="0"/>
+              <a:t> </a:t>
+            </a:r>
+            <a:r>
+              <a:rPr lang="en-US" altLang="ko-KR" dirty="0" err="1"/>
+              <a:t>Prueba</a:t>
+            </a:r>
+            <a:r>
+              <a:rPr lang="en-US" altLang="ko-KR" dirty="0"/>
+              <a:t> y </a:t>
+            </a:r>
+            <a:r>
+              <a:rPr lang="en-US" altLang="ko-KR" dirty="0">
+                <a:solidFill>
+                  <a:schemeClr val="accent1"/>
+                </a:solidFill>
+              </a:rPr>
+              <a:t>OPTIMIZACION</a:t>
+            </a:r>
+            <a:endParaRPr lang="ko-KR" altLang="en-US" dirty="0">
+              <a:solidFill>
+                <a:schemeClr val="accent1"/>
+              </a:solidFill>
+            </a:endParaRPr>
+          </a:p>
+        </p:txBody>
+      </p:sp>
+      <p:pic>
+        <p:nvPicPr>
+          <p:cNvPr id="18" name="Imagen 17">
+            <a:extLst>
+              <a:ext uri="{FF2B5EF4-FFF2-40B4-BE49-F238E27FC236}">
+                <a16:creationId xmlns:a16="http://schemas.microsoft.com/office/drawing/2014/main" id="{33B4C4AF-82CD-7F19-601E-51C48CA0BC82}"/>
+              </a:ext>
+            </a:extLst>
+          </p:cNvPr>
+          <p:cNvPicPr>
+            <a:picLocks noChangeAspect="1"/>
+          </p:cNvPicPr>
+          <p:nvPr/>
+        </p:nvPicPr>
+        <p:blipFill>
+          <a:blip r:embed="rId2"/>
+          <a:stretch>
+            <a:fillRect/>
+          </a:stretch>
+        </p:blipFill>
+        <p:spPr>
+          <a:xfrm>
+            <a:off x="0" y="1530820"/>
+            <a:ext cx="9144000" cy="2081860"/>
+          </a:xfrm>
+          <a:prstGeom prst="rect">
+            <a:avLst/>
+          </a:prstGeom>
+        </p:spPr>
+      </p:pic>
+    </p:spTree>
+    <p:extLst>
+      <p:ext uri="{BB962C8B-B14F-4D97-AF65-F5344CB8AC3E}">
+        <p14:creationId xmlns:p14="http://schemas.microsoft.com/office/powerpoint/2010/main" val="4213491611"/>
       </p:ext>
     </p:extLst>
   </p:cSld>
@@ -23196,6 +25954,858 @@
 </p:sld>
 </file>
 
+<file path=ppt/slides/slide30.xml><?xml version="1.0" encoding="utf-8"?>
+<p:sld xmlns:a="http://schemas.openxmlformats.org/drawingml/2006/main" xmlns:r="http://schemas.openxmlformats.org/officeDocument/2006/relationships" xmlns:p="http://schemas.openxmlformats.org/presentationml/2006/main">
+  <p:cSld>
+    <p:spTree>
+      <p:nvGrpSpPr>
+        <p:cNvPr id="1" name="">
+          <a:extLst>
+            <a:ext uri="{FF2B5EF4-FFF2-40B4-BE49-F238E27FC236}">
+              <a16:creationId xmlns:a16="http://schemas.microsoft.com/office/drawing/2014/main" id="{DE3C2FF2-CB5B-727D-B557-E003D4474648}"/>
+            </a:ext>
+          </a:extLst>
+        </p:cNvPr>
+        <p:cNvGrpSpPr/>
+        <p:nvPr/>
+      </p:nvGrpSpPr>
+      <p:grpSpPr>
+        <a:xfrm>
+          <a:off x="0" y="0"/>
+          <a:ext cx="0" cy="0"/>
+          <a:chOff x="0" y="0"/>
+          <a:chExt cx="0" cy="0"/>
+        </a:xfrm>
+      </p:grpSpPr>
+      <p:sp>
+        <p:nvSpPr>
+          <p:cNvPr id="17" name="Title 16">
+            <a:extLst>
+              <a:ext uri="{FF2B5EF4-FFF2-40B4-BE49-F238E27FC236}">
+                <a16:creationId xmlns:a16="http://schemas.microsoft.com/office/drawing/2014/main" id="{29A88359-9873-8F3C-7C13-A987A168C975}"/>
+              </a:ext>
+            </a:extLst>
+          </p:cNvPr>
+          <p:cNvSpPr>
+            <a:spLocks noGrp="1"/>
+          </p:cNvSpPr>
+          <p:nvPr>
+            <p:ph type="title"/>
+          </p:nvPr>
+        </p:nvSpPr>
+        <p:spPr/>
+        <p:txBody>
+          <a:bodyPr/>
+          <a:lstStyle/>
+          <a:p>
+            <a:r>
+              <a:rPr lang="en-US" altLang="ko-KR" dirty="0">
+                <a:solidFill>
+                  <a:schemeClr val="accent5"/>
+                </a:solidFill>
+              </a:rPr>
+              <a:t>Variable </a:t>
+            </a:r>
+            <a:r>
+              <a:rPr lang="en-US" altLang="ko-KR" dirty="0" err="1">
+                <a:solidFill>
+                  <a:schemeClr val="accent5"/>
+                </a:solidFill>
+              </a:rPr>
+              <a:t>Objetivo</a:t>
+            </a:r>
+            <a:r>
+              <a:rPr lang="en-US" altLang="ko-KR" dirty="0"/>
+              <a:t> Cluster</a:t>
+            </a:r>
+            <a:endParaRPr lang="ko-KR" altLang="en-US" dirty="0"/>
+          </a:p>
+        </p:txBody>
+      </p:sp>
+      <p:pic>
+        <p:nvPicPr>
+          <p:cNvPr id="4" name="Imagen 3">
+            <a:extLst>
+              <a:ext uri="{FF2B5EF4-FFF2-40B4-BE49-F238E27FC236}">
+                <a16:creationId xmlns:a16="http://schemas.microsoft.com/office/drawing/2014/main" id="{97A2B579-5F4A-7C27-4BA1-7EE203D60B53}"/>
+              </a:ext>
+            </a:extLst>
+          </p:cNvPr>
+          <p:cNvPicPr>
+            <a:picLocks noChangeAspect="1"/>
+          </p:cNvPicPr>
+          <p:nvPr/>
+        </p:nvPicPr>
+        <p:blipFill>
+          <a:blip r:embed="rId2"/>
+          <a:stretch>
+            <a:fillRect/>
+          </a:stretch>
+        </p:blipFill>
+        <p:spPr>
+          <a:xfrm>
+            <a:off x="187569" y="955528"/>
+            <a:ext cx="4384431" cy="3488430"/>
+          </a:xfrm>
+          <a:prstGeom prst="rect">
+            <a:avLst/>
+          </a:prstGeom>
+        </p:spPr>
+      </p:pic>
+      <p:pic>
+        <p:nvPicPr>
+          <p:cNvPr id="18" name="Imagen 17">
+            <a:extLst>
+              <a:ext uri="{FF2B5EF4-FFF2-40B4-BE49-F238E27FC236}">
+                <a16:creationId xmlns:a16="http://schemas.microsoft.com/office/drawing/2014/main" id="{7C7831A4-CC0D-B694-81F7-691AF995236F}"/>
+              </a:ext>
+            </a:extLst>
+          </p:cNvPr>
+          <p:cNvPicPr>
+            <a:picLocks noChangeAspect="1"/>
+          </p:cNvPicPr>
+          <p:nvPr/>
+        </p:nvPicPr>
+        <p:blipFill>
+          <a:blip r:embed="rId3"/>
+          <a:stretch>
+            <a:fillRect/>
+          </a:stretch>
+        </p:blipFill>
+        <p:spPr>
+          <a:xfrm>
+            <a:off x="4639639" y="955528"/>
+            <a:ext cx="4357499" cy="3488430"/>
+          </a:xfrm>
+          <a:prstGeom prst="rect">
+            <a:avLst/>
+          </a:prstGeom>
+        </p:spPr>
+      </p:pic>
+    </p:spTree>
+    <p:extLst>
+      <p:ext uri="{BB962C8B-B14F-4D97-AF65-F5344CB8AC3E}">
+        <p14:creationId xmlns:p14="http://schemas.microsoft.com/office/powerpoint/2010/main" val="4254250033"/>
+      </p:ext>
+    </p:extLst>
+  </p:cSld>
+  <p:clrMapOvr>
+    <a:masterClrMapping/>
+  </p:clrMapOvr>
+</p:sld>
+</file>
+
+<file path=ppt/slides/slide31.xml><?xml version="1.0" encoding="utf-8"?>
+<p:sld xmlns:a="http://schemas.openxmlformats.org/drawingml/2006/main" xmlns:r="http://schemas.openxmlformats.org/officeDocument/2006/relationships" xmlns:p="http://schemas.openxmlformats.org/presentationml/2006/main">
+  <p:cSld>
+    <p:spTree>
+      <p:nvGrpSpPr>
+        <p:cNvPr id="1" name="">
+          <a:extLst>
+            <a:ext uri="{FF2B5EF4-FFF2-40B4-BE49-F238E27FC236}">
+              <a16:creationId xmlns:a16="http://schemas.microsoft.com/office/drawing/2014/main" id="{9D48623A-30D0-32BD-F21E-CA0732EF7FF0}"/>
+            </a:ext>
+          </a:extLst>
+        </p:cNvPr>
+        <p:cNvGrpSpPr/>
+        <p:nvPr/>
+      </p:nvGrpSpPr>
+      <p:grpSpPr>
+        <a:xfrm>
+          <a:off x="0" y="0"/>
+          <a:ext cx="0" cy="0"/>
+          <a:chOff x="0" y="0"/>
+          <a:chExt cx="0" cy="0"/>
+        </a:xfrm>
+      </p:grpSpPr>
+      <p:sp>
+        <p:nvSpPr>
+          <p:cNvPr id="16" name="Title 16">
+            <a:extLst>
+              <a:ext uri="{FF2B5EF4-FFF2-40B4-BE49-F238E27FC236}">
+                <a16:creationId xmlns:a16="http://schemas.microsoft.com/office/drawing/2014/main" id="{A01F7336-7BDA-F754-DFFE-79A52D69E9D0}"/>
+              </a:ext>
+            </a:extLst>
+          </p:cNvPr>
+          <p:cNvSpPr txBox="1">
+            <a:spLocks/>
+          </p:cNvSpPr>
+          <p:nvPr/>
+        </p:nvSpPr>
+        <p:spPr>
+          <a:xfrm>
+            <a:off x="152400" y="-20538"/>
+            <a:ext cx="9144000" cy="884466"/>
+          </a:xfrm>
+          <a:prstGeom prst="rect">
+            <a:avLst/>
+          </a:prstGeom>
+        </p:spPr>
+        <p:txBody>
+          <a:bodyPr anchor="ctr"/>
+          <a:lstStyle>
+            <a:lvl1pPr algn="ctr" defTabSz="914400" rtl="0" eaLnBrk="1" latinLnBrk="1" hangingPunct="1">
+              <a:spcBef>
+                <a:spcPct val="0"/>
+              </a:spcBef>
+              <a:buNone/>
+              <a:defRPr sz="4400" kern="1200">
+                <a:solidFill>
+                  <a:schemeClr val="tx1">
+                    <a:lumMod val="75000"/>
+                    <a:lumOff val="25000"/>
+                  </a:schemeClr>
+                </a:solidFill>
+                <a:latin typeface="+mj-lt"/>
+                <a:ea typeface="+mj-ea"/>
+                <a:cs typeface="Arial" pitchFamily="34" charset="0"/>
+              </a:defRPr>
+            </a:lvl1pPr>
+          </a:lstStyle>
+          <a:p>
+            <a:r>
+              <a:rPr lang="en-US" altLang="ko-KR" dirty="0">
+                <a:solidFill>
+                  <a:schemeClr val="accent5"/>
+                </a:solidFill>
+              </a:rPr>
+              <a:t>Variable </a:t>
+            </a:r>
+            <a:r>
+              <a:rPr lang="en-US" altLang="ko-KR" dirty="0" err="1">
+                <a:solidFill>
+                  <a:schemeClr val="accent5"/>
+                </a:solidFill>
+              </a:rPr>
+              <a:t>Objetivo</a:t>
+            </a:r>
+            <a:r>
+              <a:rPr lang="en-US" altLang="ko-KR" dirty="0"/>
+              <a:t> Cluster</a:t>
+            </a:r>
+            <a:endParaRPr lang="ko-KR" altLang="en-US" dirty="0"/>
+          </a:p>
+        </p:txBody>
+      </p:sp>
+      <p:pic>
+        <p:nvPicPr>
+          <p:cNvPr id="19" name="Imagen 18">
+            <a:extLst>
+              <a:ext uri="{FF2B5EF4-FFF2-40B4-BE49-F238E27FC236}">
+                <a16:creationId xmlns:a16="http://schemas.microsoft.com/office/drawing/2014/main" id="{E62C6579-3046-FB3A-ACD0-A22DB4CDB178}"/>
+              </a:ext>
+            </a:extLst>
+          </p:cNvPr>
+          <p:cNvPicPr>
+            <a:picLocks noChangeAspect="1"/>
+          </p:cNvPicPr>
+          <p:nvPr/>
+        </p:nvPicPr>
+        <p:blipFill>
+          <a:blip r:embed="rId2"/>
+          <a:stretch>
+            <a:fillRect/>
+          </a:stretch>
+        </p:blipFill>
+        <p:spPr>
+          <a:xfrm>
+            <a:off x="470300" y="915566"/>
+            <a:ext cx="3597644" cy="2296017"/>
+          </a:xfrm>
+          <a:prstGeom prst="rect">
+            <a:avLst/>
+          </a:prstGeom>
+        </p:spPr>
+      </p:pic>
+      <p:pic>
+        <p:nvPicPr>
+          <p:cNvPr id="21" name="Imagen 20">
+            <a:extLst>
+              <a:ext uri="{FF2B5EF4-FFF2-40B4-BE49-F238E27FC236}">
+                <a16:creationId xmlns:a16="http://schemas.microsoft.com/office/drawing/2014/main" id="{01092E24-895E-BCD0-00D0-79C979768AE6}"/>
+              </a:ext>
+            </a:extLst>
+          </p:cNvPr>
+          <p:cNvPicPr>
+            <a:picLocks noChangeAspect="1"/>
+          </p:cNvPicPr>
+          <p:nvPr/>
+        </p:nvPicPr>
+        <p:blipFill>
+          <a:blip r:embed="rId3"/>
+          <a:stretch>
+            <a:fillRect/>
+          </a:stretch>
+        </p:blipFill>
+        <p:spPr>
+          <a:xfrm>
+            <a:off x="4644008" y="915566"/>
+            <a:ext cx="3614859" cy="2296016"/>
+          </a:xfrm>
+          <a:prstGeom prst="rect">
+            <a:avLst/>
+          </a:prstGeom>
+        </p:spPr>
+      </p:pic>
+      <p:pic>
+        <p:nvPicPr>
+          <p:cNvPr id="23" name="Imagen 22">
+            <a:extLst>
+              <a:ext uri="{FF2B5EF4-FFF2-40B4-BE49-F238E27FC236}">
+                <a16:creationId xmlns:a16="http://schemas.microsoft.com/office/drawing/2014/main" id="{0EB5A4B2-F6ED-88B9-A99C-58B047BE7DDB}"/>
+              </a:ext>
+            </a:extLst>
+          </p:cNvPr>
+          <p:cNvPicPr>
+            <a:picLocks noChangeAspect="1"/>
+          </p:cNvPicPr>
+          <p:nvPr/>
+        </p:nvPicPr>
+        <p:blipFill>
+          <a:blip r:embed="rId4"/>
+          <a:stretch>
+            <a:fillRect/>
+          </a:stretch>
+        </p:blipFill>
+        <p:spPr>
+          <a:xfrm>
+            <a:off x="1547664" y="3263220"/>
+            <a:ext cx="5605969" cy="1332878"/>
+          </a:xfrm>
+          <a:prstGeom prst="rect">
+            <a:avLst/>
+          </a:prstGeom>
+        </p:spPr>
+      </p:pic>
+    </p:spTree>
+    <p:extLst>
+      <p:ext uri="{BB962C8B-B14F-4D97-AF65-F5344CB8AC3E}">
+        <p14:creationId xmlns:p14="http://schemas.microsoft.com/office/powerpoint/2010/main" val="3613478750"/>
+      </p:ext>
+    </p:extLst>
+  </p:cSld>
+  <p:clrMapOvr>
+    <a:masterClrMapping/>
+  </p:clrMapOvr>
+</p:sld>
+</file>
+
+<file path=ppt/slides/slide32.xml><?xml version="1.0" encoding="utf-8"?>
+<p:sld xmlns:a="http://schemas.openxmlformats.org/drawingml/2006/main" xmlns:r="http://schemas.openxmlformats.org/officeDocument/2006/relationships" xmlns:p="http://schemas.openxmlformats.org/presentationml/2006/main">
+  <p:cSld>
+    <p:spTree>
+      <p:nvGrpSpPr>
+        <p:cNvPr id="1" name="">
+          <a:extLst>
+            <a:ext uri="{FF2B5EF4-FFF2-40B4-BE49-F238E27FC236}">
+              <a16:creationId xmlns:a16="http://schemas.microsoft.com/office/drawing/2014/main" id="{38990D59-FF14-A75D-2629-E320315338D7}"/>
+            </a:ext>
+          </a:extLst>
+        </p:cNvPr>
+        <p:cNvGrpSpPr/>
+        <p:nvPr/>
+      </p:nvGrpSpPr>
+      <p:grpSpPr>
+        <a:xfrm>
+          <a:off x="0" y="0"/>
+          <a:ext cx="0" cy="0"/>
+          <a:chOff x="0" y="0"/>
+          <a:chExt cx="0" cy="0"/>
+        </a:xfrm>
+      </p:grpSpPr>
+      <p:sp>
+        <p:nvSpPr>
+          <p:cNvPr id="17" name="Title 16">
+            <a:extLst>
+              <a:ext uri="{FF2B5EF4-FFF2-40B4-BE49-F238E27FC236}">
+                <a16:creationId xmlns:a16="http://schemas.microsoft.com/office/drawing/2014/main" id="{EE154533-7EA3-85D5-9F06-2AFF1F7EEC07}"/>
+              </a:ext>
+            </a:extLst>
+          </p:cNvPr>
+          <p:cNvSpPr>
+            <a:spLocks noGrp="1"/>
+          </p:cNvSpPr>
+          <p:nvPr>
+            <p:ph type="title"/>
+          </p:nvPr>
+        </p:nvSpPr>
+        <p:spPr/>
+        <p:txBody>
+          <a:bodyPr/>
+          <a:lstStyle/>
+          <a:p>
+            <a:r>
+              <a:rPr lang="en-US" altLang="ko-KR" dirty="0" err="1">
+                <a:solidFill>
+                  <a:schemeClr val="accent5"/>
+                </a:solidFill>
+              </a:rPr>
+              <a:t>Entrelazando</a:t>
+            </a:r>
+            <a:r>
+              <a:rPr lang="en-US" altLang="ko-KR" dirty="0"/>
+              <a:t> </a:t>
+            </a:r>
+            <a:r>
+              <a:rPr lang="en-US" altLang="ko-KR" dirty="0" err="1"/>
+              <a:t>Historias</a:t>
+            </a:r>
+            <a:endParaRPr lang="ko-KR" altLang="en-US" dirty="0"/>
+          </a:p>
+        </p:txBody>
+      </p:sp>
+      <p:pic>
+        <p:nvPicPr>
+          <p:cNvPr id="4" name="Imagen 3">
+            <a:extLst>
+              <a:ext uri="{FF2B5EF4-FFF2-40B4-BE49-F238E27FC236}">
+                <a16:creationId xmlns:a16="http://schemas.microsoft.com/office/drawing/2014/main" id="{64E5BCDF-4548-1D66-3601-295356D8FC0C}"/>
+              </a:ext>
+            </a:extLst>
+          </p:cNvPr>
+          <p:cNvPicPr>
+            <a:picLocks noChangeAspect="1"/>
+          </p:cNvPicPr>
+          <p:nvPr/>
+        </p:nvPicPr>
+        <p:blipFill>
+          <a:blip r:embed="rId2"/>
+          <a:stretch>
+            <a:fillRect/>
+          </a:stretch>
+        </p:blipFill>
+        <p:spPr>
+          <a:xfrm>
+            <a:off x="107504" y="859945"/>
+            <a:ext cx="4129165" cy="3846117"/>
+          </a:xfrm>
+          <a:prstGeom prst="rect">
+            <a:avLst/>
+          </a:prstGeom>
+        </p:spPr>
+      </p:pic>
+      <p:pic>
+        <p:nvPicPr>
+          <p:cNvPr id="20" name="Imagen 19" descr="Gráfico, Gráfico de rectángulos&#10;&#10;El contenido generado por IA puede ser incorrecto.">
+            <a:extLst>
+              <a:ext uri="{FF2B5EF4-FFF2-40B4-BE49-F238E27FC236}">
+                <a16:creationId xmlns:a16="http://schemas.microsoft.com/office/drawing/2014/main" id="{8E1717FC-E975-815F-5158-FBBFE9EFC758}"/>
+              </a:ext>
+            </a:extLst>
+          </p:cNvPr>
+          <p:cNvPicPr>
+            <a:picLocks noChangeAspect="1"/>
+          </p:cNvPicPr>
+          <p:nvPr/>
+        </p:nvPicPr>
+        <p:blipFill>
+          <a:blip r:embed="rId3">
+            <a:extLst>
+              <a:ext uri="{28A0092B-C50C-407E-A947-70E740481C1C}">
+                <a14:useLocalDpi xmlns:a14="http://schemas.microsoft.com/office/drawing/2010/main" val="0"/>
+              </a:ext>
+            </a:extLst>
+          </a:blip>
+          <a:stretch>
+            <a:fillRect/>
+          </a:stretch>
+        </p:blipFill>
+        <p:spPr>
+          <a:xfrm>
+            <a:off x="4355976" y="843557"/>
+            <a:ext cx="4237807" cy="3846117"/>
+          </a:xfrm>
+          <a:prstGeom prst="rect">
+            <a:avLst/>
+          </a:prstGeom>
+        </p:spPr>
+      </p:pic>
+    </p:spTree>
+    <p:extLst>
+      <p:ext uri="{BB962C8B-B14F-4D97-AF65-F5344CB8AC3E}">
+        <p14:creationId xmlns:p14="http://schemas.microsoft.com/office/powerpoint/2010/main" val="998237903"/>
+      </p:ext>
+    </p:extLst>
+  </p:cSld>
+  <p:clrMapOvr>
+    <a:masterClrMapping/>
+  </p:clrMapOvr>
+</p:sld>
+</file>
+
+<file path=ppt/slides/slide33.xml><?xml version="1.0" encoding="utf-8"?>
+<p:sld xmlns:a="http://schemas.openxmlformats.org/drawingml/2006/main" xmlns:r="http://schemas.openxmlformats.org/officeDocument/2006/relationships" xmlns:p="http://schemas.openxmlformats.org/presentationml/2006/main">
+  <p:cSld>
+    <p:spTree>
+      <p:nvGrpSpPr>
+        <p:cNvPr id="1" name="">
+          <a:extLst>
+            <a:ext uri="{FF2B5EF4-FFF2-40B4-BE49-F238E27FC236}">
+              <a16:creationId xmlns:a16="http://schemas.microsoft.com/office/drawing/2014/main" id="{F05AD8B2-4327-99FE-D94B-8CF9DE54609A}"/>
+            </a:ext>
+          </a:extLst>
+        </p:cNvPr>
+        <p:cNvGrpSpPr/>
+        <p:nvPr/>
+      </p:nvGrpSpPr>
+      <p:grpSpPr>
+        <a:xfrm>
+          <a:off x="0" y="0"/>
+          <a:ext cx="0" cy="0"/>
+          <a:chOff x="0" y="0"/>
+          <a:chExt cx="0" cy="0"/>
+        </a:xfrm>
+      </p:grpSpPr>
+      <p:sp>
+        <p:nvSpPr>
+          <p:cNvPr id="17" name="Title 16">
+            <a:extLst>
+              <a:ext uri="{FF2B5EF4-FFF2-40B4-BE49-F238E27FC236}">
+                <a16:creationId xmlns:a16="http://schemas.microsoft.com/office/drawing/2014/main" id="{699D54B5-8E73-A741-80C5-C0C831B1830F}"/>
+              </a:ext>
+            </a:extLst>
+          </p:cNvPr>
+          <p:cNvSpPr>
+            <a:spLocks noGrp="1"/>
+          </p:cNvSpPr>
+          <p:nvPr>
+            <p:ph type="title"/>
+          </p:nvPr>
+        </p:nvSpPr>
+        <p:spPr>
+          <a:xfrm>
+            <a:off x="0" y="103108"/>
+            <a:ext cx="9144000" cy="884466"/>
+          </a:xfrm>
+        </p:spPr>
+        <p:txBody>
+          <a:bodyPr/>
+          <a:lstStyle/>
+          <a:p>
+            <a:r>
+              <a:rPr lang="en-US" altLang="ko-KR" dirty="0">
+                <a:solidFill>
+                  <a:schemeClr val="accent5"/>
+                </a:solidFill>
+              </a:rPr>
+              <a:t>CONCLUCION </a:t>
+            </a:r>
+            <a:r>
+              <a:rPr lang="en-US" altLang="ko-KR" dirty="0"/>
+              <a:t>General</a:t>
+            </a:r>
+            <a:endParaRPr lang="ko-KR" altLang="en-US" dirty="0">
+              <a:solidFill>
+                <a:schemeClr val="accent1"/>
+              </a:solidFill>
+            </a:endParaRPr>
+          </a:p>
+        </p:txBody>
+      </p:sp>
+      <p:sp>
+        <p:nvSpPr>
+          <p:cNvPr id="2" name="TextBox 30">
+            <a:extLst>
+              <a:ext uri="{FF2B5EF4-FFF2-40B4-BE49-F238E27FC236}">
+                <a16:creationId xmlns:a16="http://schemas.microsoft.com/office/drawing/2014/main" id="{3DBC2F4B-CA5B-1FF7-6948-83D99C6EC620}"/>
+              </a:ext>
+            </a:extLst>
+          </p:cNvPr>
+          <p:cNvSpPr txBox="1"/>
+          <p:nvPr/>
+        </p:nvSpPr>
+        <p:spPr>
+          <a:xfrm>
+            <a:off x="755576" y="915566"/>
+            <a:ext cx="7920880" cy="3970318"/>
+          </a:xfrm>
+          <a:prstGeom prst="rect">
+            <a:avLst/>
+          </a:prstGeom>
+          <a:noFill/>
+        </p:spPr>
+        <p:txBody>
+          <a:bodyPr wrap="square" rtlCol="0">
+            <a:spAutoFit/>
+          </a:bodyPr>
+          <a:lstStyle/>
+          <a:p>
+            <a:pPr algn="l">
+              <a:buNone/>
+            </a:pPr>
+            <a:r>
+              <a:rPr lang="es-MX" sz="1200" b="1" i="0" dirty="0">
+                <a:solidFill>
+                  <a:srgbClr val="C00000"/>
+                </a:solidFill>
+                <a:effectLst/>
+                <a:latin typeface="Roboto" panose="02000000000000000000" pitchFamily="2" charset="0"/>
+              </a:rPr>
+              <a:t>Conclusión:</a:t>
+            </a:r>
+          </a:p>
+          <a:p>
+            <a:pPr algn="l">
+              <a:buNone/>
+            </a:pPr>
+            <a:endParaRPr lang="es-MX" sz="1200" b="1" i="0" dirty="0">
+              <a:solidFill>
+                <a:srgbClr val="C00000"/>
+              </a:solidFill>
+              <a:effectLst/>
+              <a:latin typeface="Roboto" panose="02000000000000000000" pitchFamily="2" charset="0"/>
+            </a:endParaRPr>
+          </a:p>
+          <a:p>
+            <a:pPr algn="l">
+              <a:buNone/>
+            </a:pPr>
+            <a:r>
+              <a:rPr lang="es-MX" sz="1200" b="1" i="0" dirty="0">
+                <a:effectLst/>
+                <a:latin typeface="Roboto" panose="02000000000000000000" pitchFamily="2" charset="0"/>
+              </a:rPr>
+              <a:t>El análisis buscó predecir la propensión a préstamos y segmentar clientes. </a:t>
+            </a:r>
+            <a:r>
+              <a:rPr lang="es-MX" sz="1200" b="1" i="0" dirty="0" err="1">
+                <a:effectLst/>
+                <a:latin typeface="Roboto" panose="02000000000000000000" pitchFamily="2" charset="0"/>
+              </a:rPr>
+              <a:t>Random</a:t>
+            </a:r>
+            <a:r>
+              <a:rPr lang="es-MX" sz="1200" b="1" i="0" dirty="0">
+                <a:effectLst/>
+                <a:latin typeface="Roboto" panose="02000000000000000000" pitchFamily="2" charset="0"/>
+              </a:rPr>
+              <a:t> Forest fue el mejor modelo, con </a:t>
+            </a:r>
+            <a:r>
+              <a:rPr lang="es-MX" sz="1200" b="1" i="0" dirty="0" err="1">
+                <a:effectLst/>
+                <a:latin typeface="Roboto" panose="02000000000000000000" pitchFamily="2" charset="0"/>
+              </a:rPr>
+              <a:t>hiperparámetros</a:t>
+            </a:r>
+            <a:r>
+              <a:rPr lang="es-MX" sz="1200" b="1" i="0" dirty="0">
+                <a:effectLst/>
+                <a:latin typeface="Roboto" panose="02000000000000000000" pitchFamily="2" charset="0"/>
+              </a:rPr>
+              <a:t> </a:t>
+            </a:r>
+            <a:r>
+              <a:rPr lang="es-MX" sz="1200" b="1" i="0" dirty="0" err="1">
+                <a:effectLst/>
+                <a:latin typeface="Roboto" panose="02000000000000000000" pitchFamily="2" charset="0"/>
+              </a:rPr>
+              <a:t>max_depth</a:t>
+            </a:r>
+            <a:r>
+              <a:rPr lang="es-MX" sz="1200" b="1" i="0" dirty="0">
+                <a:effectLst/>
+                <a:latin typeface="Roboto" panose="02000000000000000000" pitchFamily="2" charset="0"/>
+              </a:rPr>
+              <a:t>=10, </a:t>
+            </a:r>
+            <a:r>
+              <a:rPr lang="es-MX" sz="1200" b="1" i="0" dirty="0" err="1">
+                <a:effectLst/>
+                <a:latin typeface="Roboto" panose="02000000000000000000" pitchFamily="2" charset="0"/>
+              </a:rPr>
+              <a:t>n_estimators</a:t>
+            </a:r>
+            <a:r>
+              <a:rPr lang="es-MX" sz="1200" b="1" i="0" dirty="0">
+                <a:effectLst/>
+                <a:latin typeface="Roboto" panose="02000000000000000000" pitchFamily="2" charset="0"/>
+              </a:rPr>
+              <a:t>=200, y </a:t>
+            </a:r>
+            <a:r>
+              <a:rPr lang="es-MX" sz="1200" b="1" i="0" dirty="0" err="1">
+                <a:effectLst/>
+                <a:latin typeface="Roboto" panose="02000000000000000000" pitchFamily="2" charset="0"/>
+              </a:rPr>
+              <a:t>n_clusters</a:t>
+            </a:r>
+            <a:r>
+              <a:rPr lang="es-MX" sz="1200" b="1" i="0" dirty="0">
+                <a:effectLst/>
+                <a:latin typeface="Roboto" panose="02000000000000000000" pitchFamily="2" charset="0"/>
+              </a:rPr>
+              <a:t>=7, obteniendo un AUC de 0.5776 en el conjunto de prueba.</a:t>
+            </a:r>
+          </a:p>
+          <a:p>
+            <a:pPr algn="l">
+              <a:buNone/>
+            </a:pPr>
+            <a:endParaRPr lang="es-MX" sz="1200" b="1" dirty="0">
+              <a:solidFill>
+                <a:srgbClr val="C00000"/>
+              </a:solidFill>
+              <a:latin typeface="Roboto" panose="02000000000000000000" pitchFamily="2" charset="0"/>
+            </a:endParaRPr>
+          </a:p>
+          <a:p>
+            <a:pPr algn="l">
+              <a:buNone/>
+            </a:pPr>
+            <a:endParaRPr lang="es-MX" sz="1200" b="1" i="0" dirty="0">
+              <a:solidFill>
+                <a:srgbClr val="C00000"/>
+              </a:solidFill>
+              <a:effectLst/>
+              <a:latin typeface="Roboto" panose="02000000000000000000" pitchFamily="2" charset="0"/>
+            </a:endParaRPr>
+          </a:p>
+          <a:p>
+            <a:pPr algn="l">
+              <a:buNone/>
+            </a:pPr>
+            <a:r>
+              <a:rPr lang="es-MX" sz="1200" b="1" i="0" dirty="0">
+                <a:solidFill>
+                  <a:srgbClr val="C00000"/>
+                </a:solidFill>
+                <a:effectLst/>
+                <a:latin typeface="Roboto" panose="02000000000000000000" pitchFamily="2" charset="0"/>
+              </a:rPr>
+              <a:t>Hallazgos: </a:t>
+            </a:r>
+          </a:p>
+          <a:p>
+            <a:pPr algn="l">
+              <a:buNone/>
+            </a:pPr>
+            <a:endParaRPr lang="es-MX" sz="1200" b="1" dirty="0">
+              <a:solidFill>
+                <a:srgbClr val="C00000"/>
+              </a:solidFill>
+              <a:latin typeface="Roboto" panose="02000000000000000000" pitchFamily="2" charset="0"/>
+            </a:endParaRPr>
+          </a:p>
+          <a:p>
+            <a:pPr algn="l">
+              <a:buNone/>
+            </a:pPr>
+            <a:r>
+              <a:rPr lang="es-MX" sz="1200" b="1" i="0" dirty="0">
+                <a:effectLst/>
+                <a:latin typeface="Roboto" panose="02000000000000000000" pitchFamily="2" charset="0"/>
+              </a:rPr>
+              <a:t>Si bien el modelo puede discriminar relativamente bien entre clases (AUC 0.5776), tiene una precisión baja (0.1590), lo que indica muchos falsos positivos, y un </a:t>
+            </a:r>
+            <a:r>
+              <a:rPr lang="es-MX" sz="1200" b="1" i="0" dirty="0" err="1">
+                <a:effectLst/>
+                <a:latin typeface="Roboto" panose="02000000000000000000" pitchFamily="2" charset="0"/>
+              </a:rPr>
+              <a:t>recall</a:t>
+            </a:r>
+            <a:r>
+              <a:rPr lang="es-MX" sz="1200" b="1" i="0" dirty="0">
+                <a:effectLst/>
+                <a:latin typeface="Roboto" panose="02000000000000000000" pitchFamily="2" charset="0"/>
+              </a:rPr>
+              <a:t> de 0.5140. Esto implica que identifica correctamente solo la mitad de los potenciales interesados en un préstamo.</a:t>
+            </a:r>
+          </a:p>
+          <a:p>
+            <a:pPr algn="l">
+              <a:buNone/>
+            </a:pPr>
+            <a:endParaRPr lang="es-MX" sz="1200" b="1" i="0" dirty="0">
+              <a:solidFill>
+                <a:srgbClr val="C00000"/>
+              </a:solidFill>
+              <a:effectLst/>
+              <a:latin typeface="Roboto" panose="02000000000000000000" pitchFamily="2" charset="0"/>
+            </a:endParaRPr>
+          </a:p>
+          <a:p>
+            <a:pPr algn="l">
+              <a:buNone/>
+            </a:pPr>
+            <a:r>
+              <a:rPr lang="es-MX" sz="1200" b="1" i="0" dirty="0">
+                <a:solidFill>
+                  <a:srgbClr val="C00000"/>
+                </a:solidFill>
+                <a:effectLst/>
+                <a:latin typeface="Roboto" panose="02000000000000000000" pitchFamily="2" charset="0"/>
+              </a:rPr>
+              <a:t>Recomendaciones:</a:t>
+            </a:r>
+          </a:p>
+          <a:p>
+            <a:pPr algn="l">
+              <a:buNone/>
+            </a:pPr>
+            <a:endParaRPr lang="es-MX" sz="1200" b="1" i="0" dirty="0">
+              <a:effectLst/>
+              <a:latin typeface="Roboto" panose="02000000000000000000" pitchFamily="2" charset="0"/>
+            </a:endParaRPr>
+          </a:p>
+          <a:p>
+            <a:pPr algn="l">
+              <a:buNone/>
+            </a:pPr>
+            <a:r>
+              <a:rPr lang="es-MX" sz="1200" b="1" i="0" dirty="0">
+                <a:effectLst/>
+                <a:latin typeface="Roboto" panose="02000000000000000000" pitchFamily="2" charset="0"/>
+              </a:rPr>
+              <a:t>Considerar otros modelos o técnicas de mejora para aumentar la precisión. Analizar las características de los clientes en cada clúster para diseñar estrategias de marketing y evaluación de riesgo personalizadas. Limitaciones:</a:t>
+            </a:r>
+          </a:p>
+          <a:p>
+            <a:pPr algn="l"/>
+            <a:r>
+              <a:rPr lang="es-MX" sz="1200" b="1" i="0" dirty="0">
+                <a:effectLst/>
+                <a:latin typeface="Roboto" panose="02000000000000000000" pitchFamily="2" charset="0"/>
+              </a:rPr>
+              <a:t>Debido al AUC modesto, se recomienda usar este modelo con precaución y complementarlo con otras fuentes de información y criterio experto.</a:t>
+            </a:r>
+          </a:p>
+          <a:p>
+            <a:pPr algn="l">
+              <a:buNone/>
+            </a:pPr>
+            <a:endParaRPr lang="es-MX" sz="1200" b="1" dirty="0">
+              <a:solidFill>
+                <a:srgbClr val="C00000"/>
+              </a:solidFill>
+              <a:latin typeface="Roboto" panose="02000000000000000000" pitchFamily="2" charset="0"/>
+            </a:endParaRPr>
+          </a:p>
+          <a:p>
+            <a:pPr algn="l">
+              <a:buNone/>
+            </a:pPr>
+            <a:endParaRPr lang="es-MX" sz="1200" b="1" i="0" dirty="0">
+              <a:effectLst/>
+              <a:latin typeface="Roboto" panose="02000000000000000000" pitchFamily="2" charset="0"/>
+            </a:endParaRPr>
+          </a:p>
+        </p:txBody>
+      </p:sp>
+    </p:spTree>
+    <p:extLst>
+      <p:ext uri="{BB962C8B-B14F-4D97-AF65-F5344CB8AC3E}">
+        <p14:creationId xmlns:p14="http://schemas.microsoft.com/office/powerpoint/2010/main" val="3464589350"/>
+      </p:ext>
+    </p:extLst>
+  </p:cSld>
+  <p:clrMapOvr>
+    <a:masterClrMapping/>
+  </p:clrMapOvr>
+</p:sld>
+</file>
+
 <file path=ppt/slides/slide4.xml><?xml version="1.0" encoding="utf-8"?>
 <p:sld xmlns:a="http://schemas.openxmlformats.org/drawingml/2006/main" xmlns:r="http://schemas.openxmlformats.org/officeDocument/2006/relationships" xmlns:p="http://schemas.openxmlformats.org/presentationml/2006/main">
   <p:cSld>

--- a/Analisis Bancario_Juan Manuel Olguin.pptx
+++ b/Analisis Bancario_Juan Manuel Olguin.pptx
@@ -259,7 +259,7 @@
           <a:p>
             <a:fld id="{69452B2B-0BBC-4845-BD5C-6186374697E3}" type="datetimeFigureOut">
               <a:rPr lang="ko-KR" altLang="en-US" smtClean="0"/>
-              <a:t>2025-05-17</a:t>
+              <a:t>2025-05-19</a:t>
             </a:fld>
             <a:endParaRPr lang="ko-KR" altLang="en-US" dirty="0"/>
           </a:p>
@@ -424,7 +424,7 @@
           <a:p>
             <a:fld id="{C2FB2761-7E16-44CA-BF8A-25DE9AC39A10}" type="datetimeFigureOut">
               <a:rPr lang="es-AR" smtClean="0"/>
-              <a:t>17/5/2025</a:t>
+              <a:t>19/5/2025</a:t>
             </a:fld>
             <a:endParaRPr lang="es-AR"/>
           </a:p>
@@ -26474,7 +26474,7 @@
         </p:nvSpPr>
         <p:spPr>
           <a:xfrm>
-            <a:off x="0" y="103108"/>
+            <a:off x="1476672" y="-164554"/>
             <a:ext cx="9144000" cy="884466"/>
           </a:xfrm>
         </p:spPr>
@@ -26516,8 +26516,8 @@
         </p:nvSpPr>
         <p:spPr>
           <a:xfrm>
-            <a:off x="755576" y="915566"/>
-            <a:ext cx="7920880" cy="3970318"/>
+            <a:off x="755576" y="555526"/>
+            <a:ext cx="7920880" cy="4339650"/>
           </a:xfrm>
           <a:prstGeom prst="rect">
             <a:avLst/>
@@ -26637,11 +26637,6 @@
               </a:rPr>
               <a:t>=7, obteniendo un AUC de 0.5776 en el conjunto de prueba.</a:t>
             </a:r>
-          </a:p>
-          <a:p>
-            <a:pPr algn="l">
-              <a:buNone/>
-            </a:pPr>
             <a:endParaRPr lang="es-MX" sz="1200" b="1" dirty="0">
               <a:solidFill>
                 <a:srgbClr val="C00000"/>
@@ -26758,8 +26753,50 @@
                 <a:effectLst/>
                 <a:latin typeface="Roboto" panose="02000000000000000000" pitchFamily="2" charset="0"/>
               </a:rPr>
-              <a:t>Considerar otros modelos o técnicas de mejora para aumentar la precisión. Analizar las características de los clientes en cada clúster para diseñar estrategias de marketing y evaluación de riesgo personalizadas. Limitaciones:</a:t>
-            </a:r>
+              <a:t>Considerar otros modelos o técnicas de mejora para aumentar la precisión. Analizar las características de los clientes en cada clúster para diseñar estrategias de marketing y evaluación de riesgo personalizadas. </a:t>
+            </a:r>
+          </a:p>
+          <a:p>
+            <a:pPr algn="l">
+              <a:buNone/>
+            </a:pPr>
+            <a:endParaRPr lang="es-MX" sz="1200" b="1" dirty="0">
+              <a:latin typeface="Roboto" panose="02000000000000000000" pitchFamily="2" charset="0"/>
+            </a:endParaRPr>
+          </a:p>
+          <a:p>
+            <a:pPr algn="l">
+              <a:buNone/>
+            </a:pPr>
+            <a:r>
+              <a:rPr lang="es-MX" sz="1200" b="1" i="0" dirty="0">
+                <a:solidFill>
+                  <a:srgbClr val="C00000"/>
+                </a:solidFill>
+                <a:effectLst/>
+                <a:latin typeface="Roboto" panose="02000000000000000000" pitchFamily="2" charset="0"/>
+              </a:rPr>
+              <a:t>Limitaciones</a:t>
+            </a:r>
+            <a:r>
+              <a:rPr lang="es-MX" sz="1200" b="1" i="0" dirty="0">
+                <a:solidFill>
+                  <a:srgbClr val="FF0000"/>
+                </a:solidFill>
+                <a:effectLst/>
+                <a:latin typeface="Roboto" panose="02000000000000000000" pitchFamily="2" charset="0"/>
+              </a:rPr>
+              <a:t>:</a:t>
+            </a:r>
+          </a:p>
+          <a:p>
+            <a:pPr algn="l">
+              <a:buNone/>
+            </a:pPr>
+            <a:endParaRPr lang="es-MX" sz="1200" b="1" i="0" dirty="0">
+              <a:effectLst/>
+              <a:latin typeface="Roboto" panose="02000000000000000000" pitchFamily="2" charset="0"/>
+            </a:endParaRPr>
           </a:p>
           <a:p>
             <a:pPr algn="l"/>
